--- a/강의교재/패턴기반SW개발_Ch09_JDBC.pptx
+++ b/강의교재/패턴기반SW개발_Ch09_JDBC.pptx
@@ -14,23 +14,25 @@
     <p:sldId id="374" r:id="rId8"/>
     <p:sldId id="375" r:id="rId9"/>
     <p:sldId id="376" r:id="rId10"/>
-    <p:sldId id="377" r:id="rId11"/>
-    <p:sldId id="382" r:id="rId12"/>
-    <p:sldId id="378" r:id="rId13"/>
-    <p:sldId id="379" r:id="rId14"/>
-    <p:sldId id="380" r:id="rId15"/>
-    <p:sldId id="385" r:id="rId16"/>
-    <p:sldId id="386" r:id="rId17"/>
-    <p:sldId id="383" r:id="rId18"/>
-    <p:sldId id="387" r:id="rId19"/>
-    <p:sldId id="388" r:id="rId20"/>
-    <p:sldId id="384" r:id="rId21"/>
-    <p:sldId id="389" r:id="rId22"/>
-    <p:sldId id="390" r:id="rId23"/>
-    <p:sldId id="391" r:id="rId24"/>
-    <p:sldId id="392" r:id="rId25"/>
-    <p:sldId id="393" r:id="rId26"/>
-    <p:sldId id="394" r:id="rId27"/>
+    <p:sldId id="379" r:id="rId11"/>
+    <p:sldId id="380" r:id="rId12"/>
+    <p:sldId id="385" r:id="rId13"/>
+    <p:sldId id="386" r:id="rId14"/>
+    <p:sldId id="383" r:id="rId15"/>
+    <p:sldId id="387" r:id="rId16"/>
+    <p:sldId id="388" r:id="rId17"/>
+    <p:sldId id="384" r:id="rId18"/>
+    <p:sldId id="390" r:id="rId19"/>
+    <p:sldId id="392" r:id="rId20"/>
+    <p:sldId id="395" r:id="rId21"/>
+    <p:sldId id="396" r:id="rId22"/>
+    <p:sldId id="401" r:id="rId23"/>
+    <p:sldId id="400" r:id="rId24"/>
+    <p:sldId id="402" r:id="rId25"/>
+    <p:sldId id="403" r:id="rId26"/>
+    <p:sldId id="404" r:id="rId27"/>
+    <p:sldId id="393" r:id="rId28"/>
+    <p:sldId id="394" r:id="rId29"/>
   </p:sldIdLst>
   <p:sldSz cx="9144000" cy="6858000" type="screen4x3"/>
   <p:notesSz cx="6858000" cy="9144000"/>
@@ -275,7 +277,7 @@
           <a:p>
             <a:fld id="{EA0CB012-16AF-421D-A601-2FA5C86F673F}" type="datetimeFigureOut">
               <a:rPr lang="ko-KR" altLang="en-US" smtClean="0"/>
-              <a:t>2017-04-06</a:t>
+              <a:t>2017-04-13</a:t>
             </a:fld>
             <a:endParaRPr lang="ko-KR" altLang="en-US"/>
           </a:p>
@@ -634,7 +636,7 @@
           <a:p>
             <a:fld id="{EA0CB012-16AF-421D-A601-2FA5C86F673F}" type="datetimeFigureOut">
               <a:rPr lang="ko-KR" altLang="en-US" smtClean="0"/>
-              <a:t>2017-04-06</a:t>
+              <a:t>2017-04-13</a:t>
             </a:fld>
             <a:endParaRPr lang="ko-KR" altLang="en-US"/>
           </a:p>
@@ -809,7 +811,7 @@
           <a:p>
             <a:fld id="{EA0CB012-16AF-421D-A601-2FA5C86F673F}" type="datetimeFigureOut">
               <a:rPr lang="ko-KR" altLang="en-US" smtClean="0"/>
-              <a:t>2017-04-06</a:t>
+              <a:t>2017-04-13</a:t>
             </a:fld>
             <a:endParaRPr lang="ko-KR" altLang="en-US"/>
           </a:p>
@@ -1056,7 +1058,7 @@
           <a:p>
             <a:fld id="{EA0CB012-16AF-421D-A601-2FA5C86F673F}" type="datetimeFigureOut">
               <a:rPr lang="ko-KR" altLang="en-US" smtClean="0"/>
-              <a:t>2017-04-06</a:t>
+              <a:t>2017-04-13</a:t>
             </a:fld>
             <a:endParaRPr lang="ko-KR" altLang="en-US"/>
           </a:p>
@@ -1385,7 +1387,7 @@
           <a:p>
             <a:fld id="{EA0CB012-16AF-421D-A601-2FA5C86F673F}" type="datetimeFigureOut">
               <a:rPr lang="ko-KR" altLang="en-US" smtClean="0"/>
-              <a:t>2017-04-06</a:t>
+              <a:t>2017-04-13</a:t>
             </a:fld>
             <a:endParaRPr lang="ko-KR" altLang="en-US"/>
           </a:p>
@@ -1605,7 +1607,7 @@
           <a:p>
             <a:fld id="{EA0CB012-16AF-421D-A601-2FA5C86F673F}" type="datetimeFigureOut">
               <a:rPr lang="ko-KR" altLang="en-US" smtClean="0"/>
-              <a:t>2017-04-06</a:t>
+              <a:t>2017-04-13</a:t>
             </a:fld>
             <a:endParaRPr lang="ko-KR" altLang="en-US"/>
           </a:p>
@@ -1957,7 +1959,7 @@
           <a:p>
             <a:fld id="{EA0CB012-16AF-421D-A601-2FA5C86F673F}" type="datetimeFigureOut">
               <a:rPr lang="ko-KR" altLang="en-US" smtClean="0"/>
-              <a:t>2017-04-06</a:t>
+              <a:t>2017-04-13</a:t>
             </a:fld>
             <a:endParaRPr lang="ko-KR" altLang="en-US"/>
           </a:p>
@@ -2189,7 +2191,7 @@
           <a:p>
             <a:fld id="{EA0CB012-16AF-421D-A601-2FA5C86F673F}" type="datetimeFigureOut">
               <a:rPr lang="ko-KR" altLang="en-US" smtClean="0"/>
-              <a:t>2017-04-06</a:t>
+              <a:t>2017-04-13</a:t>
             </a:fld>
             <a:endParaRPr lang="ko-KR" altLang="en-US"/>
           </a:p>
@@ -2329,7 +2331,7 @@
           <a:p>
             <a:fld id="{EA0CB012-16AF-421D-A601-2FA5C86F673F}" type="datetimeFigureOut">
               <a:rPr lang="ko-KR" altLang="en-US" smtClean="0"/>
-              <a:t>2017-04-06</a:t>
+              <a:t>2017-04-13</a:t>
             </a:fld>
             <a:endParaRPr lang="ko-KR" altLang="en-US"/>
           </a:p>
@@ -2606,7 +2608,7 @@
           <a:p>
             <a:fld id="{EA0CB012-16AF-421D-A601-2FA5C86F673F}" type="datetimeFigureOut">
               <a:rPr lang="ko-KR" altLang="en-US" smtClean="0"/>
-              <a:t>2017-04-06</a:t>
+              <a:t>2017-04-13</a:t>
             </a:fld>
             <a:endParaRPr lang="ko-KR" altLang="en-US"/>
           </a:p>
@@ -3013,7 +3015,7 @@
           <a:p>
             <a:fld id="{EA0CB012-16AF-421D-A601-2FA5C86F673F}" type="datetimeFigureOut">
               <a:rPr lang="ko-KR" altLang="en-US" smtClean="0"/>
-              <a:t>2017-04-06</a:t>
+              <a:t>2017-04-13</a:t>
             </a:fld>
             <a:endParaRPr lang="ko-KR" altLang="en-US"/>
           </a:p>
@@ -3351,7 +3353,7 @@
           <a:p>
             <a:fld id="{EA0CB012-16AF-421D-A601-2FA5C86F673F}" type="datetimeFigureOut">
               <a:rPr lang="ko-KR" altLang="en-US" smtClean="0"/>
-              <a:t>2017-04-06</a:t>
+              <a:t>2017-04-13</a:t>
             </a:fld>
             <a:endParaRPr lang="ko-KR" altLang="en-US"/>
           </a:p>
@@ -4087,6 +4089,11 @@
           <a:bodyPr/>
           <a:lstStyle/>
           <a:p>
+            <a:pPr>
+              <a:lnSpc>
+                <a:spcPct val="125000"/>
+              </a:lnSpc>
+            </a:pPr>
             <a:r>
               <a:rPr lang="en-US" altLang="ko-KR" dirty="0" err="1"/>
               <a:t>JDBC</a:t>
@@ -4101,10 +4108,93 @@
             </a:r>
           </a:p>
           <a:p>
-            <a:pPr lvl="1"/>
+            <a:pPr lvl="1">
+              <a:lnSpc>
+                <a:spcPct val="125000"/>
+              </a:lnSpc>
+              <a:spcBef>
+                <a:spcPts val="600"/>
+              </a:spcBef>
+            </a:pPr>
+            <a:r>
+              <a:rPr lang="en-US" altLang="ko-KR" dirty="0" err="1"/>
+              <a:t>ResultSet</a:t>
+            </a:r>
+            <a:r>
+              <a:rPr lang="en-US" altLang="ko-KR" dirty="0"/>
+              <a:t> </a:t>
+            </a:r>
+            <a:r>
+              <a:rPr lang="ko-KR" altLang="en-US" dirty="0"/>
+              <a:t>인터페이스</a:t>
+            </a:r>
+          </a:p>
+          <a:p>
+            <a:pPr lvl="2">
+              <a:lnSpc>
+                <a:spcPct val="125000"/>
+              </a:lnSpc>
+              <a:spcBef>
+                <a:spcPts val="600"/>
+              </a:spcBef>
+            </a:pPr>
+            <a:r>
+              <a:rPr lang="en-US" altLang="ko-KR" dirty="0" smtClean="0"/>
+              <a:t>Select</a:t>
+            </a:r>
+            <a:r>
+              <a:rPr lang="ko-KR" altLang="en-US" dirty="0"/>
+              <a:t>문을 실행하는 </a:t>
+            </a:r>
+            <a:r>
+              <a:rPr lang="en-US" altLang="ko-KR" dirty="0" err="1"/>
+              <a:t>executeQuery</a:t>
+            </a:r>
+            <a:r>
+              <a:rPr lang="en-US" altLang="ko-KR" dirty="0"/>
+              <a:t>() </a:t>
+            </a:r>
+            <a:r>
+              <a:rPr lang="ko-KR" altLang="en-US" dirty="0" err="1"/>
+              <a:t>메소드</a:t>
+            </a:r>
+            <a:r>
+              <a:rPr lang="ko-KR" altLang="en-US" dirty="0"/>
+              <a:t> 수행 성공 시</a:t>
+            </a:r>
+            <a:r>
+              <a:rPr lang="en-US" altLang="ko-KR" dirty="0"/>
+              <a:t>, </a:t>
+            </a:r>
+            <a:r>
+              <a:rPr lang="ko-KR" altLang="en-US" dirty="0"/>
+              <a:t>결과물로 </a:t>
+            </a:r>
+            <a:r>
+              <a:rPr lang="en-US" altLang="ko-KR" dirty="0" err="1"/>
+              <a:t>ResultSet</a:t>
+            </a:r>
+            <a:r>
+              <a:rPr lang="en-US" altLang="ko-KR" dirty="0"/>
+              <a:t> </a:t>
+            </a:r>
+            <a:r>
+              <a:rPr lang="ko-KR" altLang="en-US" dirty="0"/>
+              <a:t>객체 반환</a:t>
+            </a:r>
+          </a:p>
+          <a:p>
+            <a:pPr lvl="2">
+              <a:lnSpc>
+                <a:spcPct val="125000"/>
+              </a:lnSpc>
+              <a:spcBef>
+                <a:spcPts val="600"/>
+              </a:spcBef>
+            </a:pPr>
             <a:r>
               <a:rPr lang="en-US" altLang="ko-KR" dirty="0" err="1" smtClean="0"/>
-              <a:t>PreparedStatement</a:t>
+              <a:t>ResultSet</a:t>
             </a:r>
             <a:r>
               <a:rPr lang="en-US" altLang="ko-KR" dirty="0" smtClean="0"/>
@@ -4112,26 +4202,61 @@
             </a:r>
             <a:r>
               <a:rPr lang="ko-KR" altLang="en-US" dirty="0"/>
-              <a:t>인터페이스</a:t>
-            </a:r>
-          </a:p>
-          <a:p>
-            <a:pPr lvl="2"/>
-            <a:r>
-              <a:rPr lang="en-US" altLang="ko-KR" dirty="0" smtClean="0"/>
-              <a:t>Connection </a:t>
+              <a:t>객체는 ‘커서</a:t>
+            </a:r>
+            <a:r>
+              <a:rPr lang="en-US" altLang="ko-KR" dirty="0"/>
+              <a:t>(cursor)'</a:t>
+            </a:r>
+            <a:r>
+              <a:rPr lang="ko-KR" altLang="en-US" dirty="0"/>
+              <a:t>라 불리는 것을 가지고 있는데</a:t>
+            </a:r>
+            <a:r>
+              <a:rPr lang="en-US" altLang="ko-KR" dirty="0"/>
+              <a:t>, </a:t>
+            </a:r>
+            <a:r>
+              <a:rPr lang="ko-KR" altLang="en-US" dirty="0"/>
+              <a:t>이것을 사용해 </a:t>
+            </a:r>
+            <a:r>
+              <a:rPr lang="en-US" altLang="ko-KR" dirty="0" err="1"/>
+              <a:t>ResultSet</a:t>
+            </a:r>
+            <a:r>
+              <a:rPr lang="en-US" altLang="ko-KR" dirty="0"/>
+              <a:t> </a:t>
+            </a:r>
+            <a:r>
+              <a:rPr lang="ko-KR" altLang="en-US" dirty="0"/>
+              <a:t>객체에서 특정 레코드를 참조</a:t>
+            </a:r>
+          </a:p>
+          <a:p>
+            <a:pPr lvl="2">
+              <a:lnSpc>
+                <a:spcPct val="125000"/>
+              </a:lnSpc>
+              <a:spcBef>
+                <a:spcPts val="600"/>
+              </a:spcBef>
+            </a:pPr>
+            <a:r>
+              <a:rPr lang="en-US" altLang="ko-KR" dirty="0" err="1"/>
+              <a:t>ResultSet</a:t>
+            </a:r>
+            <a:r>
+              <a:rPr lang="en-US" altLang="ko-KR" dirty="0"/>
+              <a:t> </a:t>
             </a:r>
             <a:r>
               <a:rPr lang="ko-KR" altLang="en-US" dirty="0"/>
               <a:t>객체의 </a:t>
             </a:r>
             <a:r>
-              <a:rPr lang="en-US" altLang="ko-KR" dirty="0" err="1"/>
-              <a:t>prepareStatement</a:t>
-            </a:r>
-            <a:r>
-              <a:rPr lang="en-US" altLang="ko-KR" dirty="0"/>
-              <a:t>() </a:t>
+              <a:rPr lang="en-US" altLang="ko-KR" dirty="0"/>
+              <a:t>next() </a:t>
             </a:r>
             <a:r>
               <a:rPr lang="ko-KR" altLang="en-US" dirty="0" err="1"/>
@@ -4139,223 +4264,105 @@
             </a:r>
             <a:r>
               <a:rPr lang="ko-KR" altLang="en-US" dirty="0"/>
-              <a:t> 사용해서 객체 생성</a:t>
-            </a:r>
-          </a:p>
-          <a:p>
-            <a:pPr lvl="2"/>
-            <a:r>
-              <a:rPr lang="ko-KR" altLang="en-US" dirty="0" err="1" smtClean="0"/>
-              <a:t>쿼리문이</a:t>
-            </a:r>
-            <a:r>
-              <a:rPr lang="ko-KR" altLang="en-US" dirty="0" smtClean="0"/>
+              <a:t> 사용해서 다음 위치로 커서 이동</a:t>
+            </a:r>
+            <a:endParaRPr lang="en-US" altLang="ko-KR" dirty="0"/>
+          </a:p>
+          <a:p>
+            <a:pPr lvl="2">
+              <a:lnSpc>
+                <a:spcPct val="125000"/>
+              </a:lnSpc>
+              <a:spcBef>
+                <a:spcPts val="600"/>
+              </a:spcBef>
+            </a:pPr>
+            <a:endParaRPr lang="ko-KR" altLang="en-US" dirty="0"/>
+          </a:p>
+        </p:txBody>
+      </p:sp>
+      <p:pic>
+        <p:nvPicPr>
+          <p:cNvPr id="4" name="Picture 2"/>
+          <p:cNvPicPr>
+            <a:picLocks noChangeAspect="1" noChangeArrowheads="1"/>
+          </p:cNvPicPr>
+          <p:nvPr/>
+        </p:nvPicPr>
+        <p:blipFill>
+          <a:blip r:embed="rId2" cstate="print"/>
+          <a:srcRect/>
+          <a:stretch>
+            <a:fillRect/>
+          </a:stretch>
+        </p:blipFill>
+        <p:spPr bwMode="auto">
+          <a:xfrm>
+            <a:off x="1619671" y="4322605"/>
+            <a:ext cx="6041802" cy="1373434"/>
+          </a:xfrm>
+          <a:prstGeom prst="rect">
+            <a:avLst/>
+          </a:prstGeom>
+          <a:noFill/>
+          <a:ln w="9525">
+            <a:noFill/>
+            <a:miter lim="800000"/>
+            <a:headEnd/>
+            <a:tailEnd/>
+          </a:ln>
+        </p:spPr>
+      </p:pic>
+      <p:sp>
+        <p:nvSpPr>
+          <p:cNvPr id="5" name="직사각형 4"/>
+          <p:cNvSpPr/>
+          <p:nvPr/>
+        </p:nvSpPr>
+        <p:spPr>
+          <a:xfrm>
+            <a:off x="3099125" y="5826750"/>
+            <a:ext cx="3082895" cy="338554"/>
+          </a:xfrm>
+          <a:prstGeom prst="rect">
+            <a:avLst/>
+          </a:prstGeom>
+        </p:spPr>
+        <p:txBody>
+          <a:bodyPr wrap="none">
+            <a:spAutoFit/>
+          </a:bodyPr>
+          <a:lstStyle/>
+          <a:p>
+            <a:pPr algn="ctr"/>
+            <a:r>
+              <a:rPr lang="ko-KR" altLang="en-US" sz="1600" dirty="0" smtClean="0">
+                <a:solidFill>
+                  <a:srgbClr val="00AEEF"/>
+                </a:solidFill>
+              </a:rPr>
+              <a:t>▲</a:t>
+            </a:r>
+            <a:r>
+              <a:rPr lang="ko-KR" altLang="en-US" sz="1600" dirty="0" smtClean="0"/>
               <a:t> </a:t>
             </a:r>
             <a:r>
-              <a:rPr lang="ko-KR" altLang="en-US" dirty="0"/>
-              <a:t>미리 </a:t>
-            </a:r>
-            <a:r>
-              <a:rPr lang="ko-KR" altLang="en-US" dirty="0" err="1"/>
-              <a:t>컴파일되어</a:t>
-            </a:r>
-            <a:r>
-              <a:rPr lang="ko-KR" altLang="en-US" dirty="0"/>
-              <a:t> 속도 빠름</a:t>
-            </a:r>
-          </a:p>
-          <a:p>
-            <a:pPr lvl="3"/>
-            <a:r>
-              <a:rPr lang="en-US" altLang="ko-KR" dirty="0" err="1"/>
-              <a:t>PreparedStatement</a:t>
-            </a:r>
-            <a:r>
-              <a:rPr lang="en-US" altLang="ko-KR" dirty="0"/>
-              <a:t> </a:t>
-            </a:r>
-            <a:r>
-              <a:rPr lang="en-US" altLang="ko-KR" dirty="0" err="1"/>
-              <a:t>pstmt</a:t>
-            </a:r>
-            <a:r>
-              <a:rPr lang="en-US" altLang="ko-KR" dirty="0"/>
-              <a:t>=</a:t>
-            </a:r>
-            <a:r>
-              <a:rPr lang="en-US" altLang="ko-KR" dirty="0" err="1"/>
-              <a:t>conn.prepareStatement</a:t>
-            </a:r>
-            <a:r>
-              <a:rPr lang="en-US" altLang="ko-KR" dirty="0"/>
-              <a:t>(</a:t>
-            </a:r>
-            <a:r>
-              <a:rPr lang="en-US" altLang="ko-KR" dirty="0" err="1"/>
-              <a:t>sql</a:t>
-            </a:r>
-            <a:r>
-              <a:rPr lang="en-US" altLang="ko-KR" dirty="0" smtClean="0"/>
-              <a:t>);</a:t>
-            </a:r>
-          </a:p>
-          <a:p>
-            <a:pPr lvl="2"/>
-            <a:endParaRPr lang="en-US" altLang="ko-KR" dirty="0" smtClean="0"/>
-          </a:p>
-          <a:p>
-            <a:pPr lvl="2"/>
-            <a:r>
-              <a:rPr lang="ko-KR" altLang="en-US" dirty="0" smtClean="0"/>
-              <a:t>각각의 </a:t>
-            </a:r>
-            <a:r>
-              <a:rPr lang="ko-KR" altLang="en-US" dirty="0"/>
-              <a:t>인수에 대해 </a:t>
-            </a:r>
-            <a:r>
-              <a:rPr lang="ko-KR" altLang="en-US" dirty="0" err="1"/>
-              <a:t>위치홀더</a:t>
-            </a:r>
-            <a:r>
-              <a:rPr lang="en-US" altLang="ko-KR" dirty="0"/>
-              <a:t>(placeholder)</a:t>
-            </a:r>
-            <a:r>
-              <a:rPr lang="ko-KR" altLang="en-US" dirty="0"/>
-              <a:t>를 사용하여 </a:t>
-            </a:r>
-            <a:r>
-              <a:rPr lang="en-US" altLang="ko-KR" dirty="0"/>
-              <a:t>SQL </a:t>
-            </a:r>
-            <a:r>
-              <a:rPr lang="ko-KR" altLang="en-US" dirty="0"/>
-              <a:t>문장을 정의</a:t>
-            </a:r>
-            <a:r>
-              <a:rPr lang="en-US" altLang="ko-KR" dirty="0"/>
-              <a:t>, </a:t>
-            </a:r>
-            <a:r>
-              <a:rPr lang="ko-KR" altLang="en-US" dirty="0" err="1"/>
-              <a:t>위치홀더는</a:t>
-            </a:r>
-            <a:r>
-              <a:rPr lang="ko-KR" altLang="en-US" dirty="0"/>
-              <a:t> 물음표</a:t>
-            </a:r>
-            <a:r>
-              <a:rPr lang="en-US" altLang="ko-KR" dirty="0"/>
-              <a:t>(?)</a:t>
-            </a:r>
-            <a:r>
-              <a:rPr lang="ko-KR" altLang="en-US" dirty="0"/>
-              <a:t>로 표현</a:t>
-            </a:r>
-          </a:p>
-          <a:p>
-            <a:pPr lvl="3"/>
-            <a:r>
-              <a:rPr lang="en-US" altLang="ko-KR" dirty="0" err="1" smtClean="0"/>
-              <a:t>setXxx</a:t>
-            </a:r>
-            <a:r>
-              <a:rPr lang="en-US" altLang="ko-KR" dirty="0"/>
-              <a:t>() </a:t>
-            </a:r>
-            <a:r>
-              <a:rPr lang="ko-KR" altLang="en-US" dirty="0" err="1"/>
-              <a:t>메소드를</a:t>
-            </a:r>
-            <a:r>
-              <a:rPr lang="ko-KR" altLang="en-US" dirty="0"/>
-              <a:t> 사용해서 실제 값으로 대치</a:t>
-            </a:r>
-          </a:p>
-          <a:p>
-            <a:pPr lvl="3"/>
-            <a:r>
-              <a:rPr lang="en-US" altLang="ko-KR" dirty="0"/>
-              <a:t>String </a:t>
-            </a:r>
-            <a:r>
-              <a:rPr lang="en-US" altLang="ko-KR" dirty="0" err="1"/>
-              <a:t>sql</a:t>
-            </a:r>
-            <a:r>
-              <a:rPr lang="en-US" altLang="ko-KR" dirty="0"/>
-              <a:t>= "insert into member values (?,?,?,?)";</a:t>
-            </a:r>
-          </a:p>
-          <a:p>
-            <a:pPr lvl="3"/>
-            <a:r>
-              <a:rPr lang="en-US" altLang="ko-KR" dirty="0" err="1"/>
-              <a:t>PreparedStatement</a:t>
-            </a:r>
-            <a:r>
-              <a:rPr lang="en-US" altLang="ko-KR" dirty="0"/>
-              <a:t> </a:t>
-            </a:r>
-            <a:r>
-              <a:rPr lang="en-US" altLang="ko-KR" dirty="0" err="1"/>
-              <a:t>pstmt</a:t>
-            </a:r>
-            <a:r>
-              <a:rPr lang="en-US" altLang="ko-KR" dirty="0"/>
-              <a:t>=</a:t>
-            </a:r>
-            <a:r>
-              <a:rPr lang="en-US" altLang="ko-KR" dirty="0" err="1"/>
-              <a:t>conn.prepareStatement</a:t>
-            </a:r>
-            <a:r>
-              <a:rPr lang="en-US" altLang="ko-KR" dirty="0"/>
-              <a:t>(</a:t>
-            </a:r>
-            <a:r>
-              <a:rPr lang="en-US" altLang="ko-KR" dirty="0" err="1"/>
-              <a:t>sql</a:t>
-            </a:r>
-            <a:r>
-              <a:rPr lang="en-US" altLang="ko-KR" dirty="0"/>
-              <a:t>);</a:t>
-            </a:r>
-          </a:p>
-          <a:p>
-            <a:pPr lvl="3"/>
-            <a:r>
-              <a:rPr lang="en-US" altLang="ko-KR" dirty="0" err="1"/>
-              <a:t>pstmt.setString</a:t>
-            </a:r>
-            <a:r>
-              <a:rPr lang="en-US" altLang="ko-KR" dirty="0"/>
-              <a:t>(1,id);</a:t>
-            </a:r>
-          </a:p>
-          <a:p>
-            <a:pPr lvl="3"/>
-            <a:r>
-              <a:rPr lang="en-US" altLang="ko-KR" dirty="0" err="1"/>
-              <a:t>pstmt.setString</a:t>
-            </a:r>
-            <a:r>
-              <a:rPr lang="en-US" altLang="ko-KR" dirty="0"/>
-              <a:t>(2,passwd);</a:t>
-            </a:r>
-          </a:p>
-          <a:p>
-            <a:pPr lvl="3"/>
-            <a:endParaRPr lang="ko-KR" altLang="en-US" dirty="0"/>
+              <a:rPr lang="ko-KR" altLang="en-US" sz="1600" dirty="0" err="1" smtClean="0"/>
+              <a:t>레코드셋에서</a:t>
+            </a:r>
+            <a:r>
+              <a:rPr lang="ko-KR" altLang="en-US" sz="1600" dirty="0" smtClean="0"/>
+              <a:t> 초기 커서 위치</a:t>
+            </a:r>
+            <a:endParaRPr lang="ko-KR" altLang="en-US" sz="1600" dirty="0"/>
           </a:p>
         </p:txBody>
       </p:sp>
     </p:spTree>
     <p:extLst>
       <p:ext uri="{BB962C8B-B14F-4D97-AF65-F5344CB8AC3E}">
-        <p14:creationId xmlns:p14="http://schemas.microsoft.com/office/powerpoint/2010/main" val="2370475789"/>
+        <p14:creationId xmlns:p14="http://schemas.microsoft.com/office/powerpoint/2010/main" val="2587245636"/>
       </p:ext>
     </p:extLst>
   </p:cSld>
@@ -4394,12 +4401,30 @@
         </p:nvSpPr>
         <p:spPr/>
         <p:txBody>
-          <a:bodyPr/>
+          <a:bodyPr>
+            <a:normAutofit/>
+          </a:bodyPr>
           <a:lstStyle/>
           <a:p>
             <a:r>
               <a:rPr lang="en-US" altLang="ko-KR" dirty="0" err="1"/>
               <a:t>JDBC</a:t>
+            </a:r>
+            <a:r>
+              <a:rPr lang="ko-KR" altLang="en-US" dirty="0"/>
+              <a:t>를 사용한 </a:t>
+            </a:r>
+            <a:r>
+              <a:rPr lang="en-US" altLang="ko-KR" dirty="0" err="1"/>
+              <a:t>JSP</a:t>
+            </a:r>
+            <a:r>
+              <a:rPr lang="ko-KR" altLang="en-US" dirty="0"/>
+              <a:t>와 데이터베이스의 </a:t>
+            </a:r>
+            <a:r>
+              <a:rPr lang="ko-KR" altLang="en-US" dirty="0" smtClean="0"/>
+              <a:t>연동</a:t>
             </a:r>
             <a:endParaRPr lang="ko-KR" altLang="en-US" dirty="0"/>
           </a:p>
@@ -4417,39 +4442,3731 @@
         </p:nvSpPr>
         <p:spPr/>
         <p:txBody>
+          <a:bodyPr>
+            <a:normAutofit/>
+          </a:bodyPr>
+          <a:lstStyle/>
+          <a:p>
+            <a:pPr>
+              <a:lnSpc>
+                <a:spcPct val="125000"/>
+              </a:lnSpc>
+            </a:pPr>
+            <a:r>
+              <a:rPr lang="en-US" altLang="ko-KR" dirty="0" err="1"/>
+              <a:t>JSP</a:t>
+            </a:r>
+            <a:r>
+              <a:rPr lang="ko-KR" altLang="en-US" dirty="0"/>
+              <a:t> 페이지에서 테이블에 레코드 추가</a:t>
+            </a:r>
+          </a:p>
+          <a:p>
+            <a:pPr lvl="1">
+              <a:lnSpc>
+                <a:spcPct val="125000"/>
+              </a:lnSpc>
+            </a:pPr>
+            <a:r>
+              <a:rPr lang="ko-KR" altLang="en-US" dirty="0" smtClean="0"/>
+              <a:t>데이터베이스와 </a:t>
+            </a:r>
+            <a:r>
+              <a:rPr lang="ko-KR" altLang="en-US" dirty="0"/>
+              <a:t>커넥션을 설정한 후 </a:t>
+            </a:r>
+            <a:r>
+              <a:rPr lang="en-US" altLang="ko-KR" dirty="0"/>
+              <a:t>insert</a:t>
+            </a:r>
+            <a:r>
+              <a:rPr lang="ko-KR" altLang="en-US" dirty="0"/>
+              <a:t>문을 사용</a:t>
+            </a:r>
+          </a:p>
+          <a:p>
+            <a:pPr lvl="2">
+              <a:lnSpc>
+                <a:spcPct val="125000"/>
+              </a:lnSpc>
+            </a:pPr>
+            <a:r>
+              <a:rPr lang="ko-KR" altLang="en-US" dirty="0" smtClean="0"/>
+              <a:t>커넥션</a:t>
+            </a:r>
+            <a:endParaRPr lang="ko-KR" altLang="en-US" dirty="0"/>
+          </a:p>
+          <a:p>
+            <a:pPr lvl="3">
+              <a:lnSpc>
+                <a:spcPct val="125000"/>
+              </a:lnSpc>
+            </a:pPr>
+            <a:r>
+              <a:rPr lang="en-US" altLang="ko-KR" dirty="0"/>
+              <a:t>String </a:t>
+            </a:r>
+            <a:r>
+              <a:rPr lang="en-US" altLang="ko-KR" dirty="0" err="1"/>
+              <a:t>jdbcUrl</a:t>
+            </a:r>
+            <a:r>
+              <a:rPr lang="en-US" altLang="ko-KR" dirty="0"/>
+              <a:t>="</a:t>
+            </a:r>
+            <a:r>
+              <a:rPr lang="en-US" altLang="ko-KR" dirty="0" err="1"/>
+              <a:t>jdbc:mysql</a:t>
+            </a:r>
+            <a:r>
+              <a:rPr lang="en-US" altLang="ko-KR" dirty="0"/>
+              <a:t>://localhost:3306/</a:t>
+            </a:r>
+            <a:r>
+              <a:rPr lang="en-US" altLang="ko-KR" dirty="0" err="1"/>
+              <a:t>jsptest</a:t>
+            </a:r>
+            <a:r>
+              <a:rPr lang="en-US" altLang="ko-KR" dirty="0"/>
+              <a:t>"; //URL</a:t>
+            </a:r>
+            <a:endParaRPr lang="ko-KR" altLang="en-US" dirty="0"/>
+          </a:p>
+          <a:p>
+            <a:pPr lvl="3">
+              <a:lnSpc>
+                <a:spcPct val="125000"/>
+              </a:lnSpc>
+            </a:pPr>
+            <a:r>
+              <a:rPr lang="en-US" altLang="ko-KR" dirty="0"/>
+              <a:t>String </a:t>
+            </a:r>
+            <a:r>
+              <a:rPr lang="en-US" altLang="ko-KR" dirty="0" err="1"/>
+              <a:t>dbId</a:t>
+            </a:r>
+            <a:r>
+              <a:rPr lang="en-US" altLang="ko-KR" dirty="0"/>
+              <a:t>="</a:t>
+            </a:r>
+            <a:r>
+              <a:rPr lang="en-US" altLang="ko-KR" dirty="0" err="1"/>
+              <a:t>jspid</a:t>
+            </a:r>
+            <a:r>
+              <a:rPr lang="en-US" altLang="ko-KR" dirty="0"/>
+              <a:t>"; //</a:t>
+            </a:r>
+            <a:r>
+              <a:rPr lang="ko-KR" altLang="en-US" dirty="0"/>
+              <a:t>사용자 계정</a:t>
+            </a:r>
+          </a:p>
+          <a:p>
+            <a:pPr lvl="3">
+              <a:lnSpc>
+                <a:spcPct val="125000"/>
+              </a:lnSpc>
+            </a:pPr>
+            <a:r>
+              <a:rPr lang="en-US" altLang="ko-KR" dirty="0"/>
+              <a:t>String </a:t>
+            </a:r>
+            <a:r>
+              <a:rPr lang="en-US" altLang="ko-KR" dirty="0" err="1"/>
+              <a:t>dbPass</a:t>
+            </a:r>
+            <a:r>
+              <a:rPr lang="en-US" altLang="ko-KR" dirty="0"/>
+              <a:t>="</a:t>
+            </a:r>
+            <a:r>
+              <a:rPr lang="en-US" altLang="ko-KR" dirty="0" err="1"/>
+              <a:t>jsppass</a:t>
+            </a:r>
+            <a:r>
+              <a:rPr lang="en-US" altLang="ko-KR" dirty="0"/>
+              <a:t>"; //</a:t>
+            </a:r>
+            <a:r>
+              <a:rPr lang="ko-KR" altLang="en-US" dirty="0"/>
+              <a:t>계정 패스워드</a:t>
+            </a:r>
+          </a:p>
+          <a:p>
+            <a:pPr lvl="3">
+              <a:lnSpc>
+                <a:spcPct val="125000"/>
+              </a:lnSpc>
+            </a:pPr>
+            <a:r>
+              <a:rPr lang="en-US" altLang="ko-KR" dirty="0" err="1"/>
+              <a:t>Class.forName</a:t>
+            </a:r>
+            <a:r>
+              <a:rPr lang="en-US" altLang="ko-KR" dirty="0"/>
+              <a:t>("</a:t>
+            </a:r>
+            <a:r>
+              <a:rPr lang="en-US" altLang="ko-KR" dirty="0" err="1"/>
+              <a:t>com.mysql.jdbc.Driver</a:t>
+            </a:r>
+            <a:r>
+              <a:rPr lang="en-US" altLang="ko-KR" dirty="0"/>
+              <a:t>");</a:t>
+            </a:r>
+            <a:endParaRPr lang="ko-KR" altLang="en-US" dirty="0"/>
+          </a:p>
+          <a:p>
+            <a:pPr lvl="3">
+              <a:lnSpc>
+                <a:spcPct val="125000"/>
+              </a:lnSpc>
+            </a:pPr>
+            <a:r>
+              <a:rPr lang="en-US" altLang="ko-KR" dirty="0"/>
+              <a:t>conn=</a:t>
+            </a:r>
+            <a:r>
+              <a:rPr lang="en-US" altLang="ko-KR" dirty="0" err="1"/>
+              <a:t>DriverManager.getConnection</a:t>
+            </a:r>
+            <a:r>
+              <a:rPr lang="en-US" altLang="ko-KR" dirty="0"/>
+              <a:t>(</a:t>
+            </a:r>
+            <a:r>
+              <a:rPr lang="en-US" altLang="ko-KR" dirty="0" err="1"/>
+              <a:t>jdbcUrl,dbId</a:t>
+            </a:r>
+            <a:r>
+              <a:rPr lang="ko-KR" altLang="en-US" dirty="0"/>
+              <a:t> </a:t>
+            </a:r>
+            <a:r>
+              <a:rPr lang="en-US" altLang="ko-KR" dirty="0"/>
+              <a:t>,</a:t>
+            </a:r>
+            <a:r>
+              <a:rPr lang="en-US" altLang="ko-KR" dirty="0" err="1"/>
+              <a:t>dbPass</a:t>
+            </a:r>
+            <a:r>
+              <a:rPr lang="ko-KR" altLang="en-US" dirty="0"/>
+              <a:t> </a:t>
+            </a:r>
+            <a:r>
+              <a:rPr lang="en-US" altLang="ko-KR" dirty="0" smtClean="0"/>
+              <a:t>);</a:t>
+            </a:r>
+          </a:p>
+          <a:p>
+            <a:pPr lvl="2">
+              <a:lnSpc>
+                <a:spcPct val="125000"/>
+              </a:lnSpc>
+            </a:pPr>
+            <a:r>
+              <a:rPr lang="ko-KR" altLang="en-US" dirty="0"/>
+              <a:t>레코드 </a:t>
+            </a:r>
+            <a:r>
+              <a:rPr lang="ko-KR" altLang="en-US" dirty="0" smtClean="0"/>
+              <a:t>추가 쿼</a:t>
+            </a:r>
+            <a:r>
+              <a:rPr lang="ko-KR" altLang="en-US" dirty="0"/>
+              <a:t>리</a:t>
+            </a:r>
+          </a:p>
+          <a:p>
+            <a:pPr lvl="3">
+              <a:lnSpc>
+                <a:spcPct val="125000"/>
+              </a:lnSpc>
+            </a:pPr>
+            <a:r>
+              <a:rPr lang="en-US" altLang="ko-KR" dirty="0"/>
+              <a:t>String </a:t>
+            </a:r>
+            <a:r>
+              <a:rPr lang="en-US" altLang="ko-KR" dirty="0" err="1"/>
+              <a:t>sql</a:t>
+            </a:r>
+            <a:r>
+              <a:rPr lang="en-US" altLang="ko-KR" dirty="0"/>
+              <a:t>= "insert into member values </a:t>
+            </a:r>
+            <a:r>
+              <a:rPr lang="en-US" altLang="ko-KR" dirty="0" smtClean="0"/>
+              <a:t>(?,?,?,?)";</a:t>
+            </a:r>
+            <a:endParaRPr lang="en-US" altLang="ko-KR" dirty="0"/>
+          </a:p>
+          <a:p>
+            <a:pPr lvl="2">
+              <a:lnSpc>
+                <a:spcPct val="125000"/>
+              </a:lnSpc>
+            </a:pPr>
+            <a:r>
+              <a:rPr lang="ko-KR" altLang="en-US" dirty="0"/>
+              <a:t>쿼리 수행</a:t>
+            </a:r>
+          </a:p>
+          <a:p>
+            <a:pPr lvl="3">
+              <a:lnSpc>
+                <a:spcPct val="125000"/>
+              </a:lnSpc>
+            </a:pPr>
+            <a:r>
+              <a:rPr lang="en-US" altLang="ko-KR" dirty="0" err="1"/>
+              <a:t>pstmt.executeUpdate</a:t>
+            </a:r>
+            <a:r>
+              <a:rPr lang="en-US" altLang="ko-KR" dirty="0" smtClean="0"/>
+              <a:t>();</a:t>
+            </a:r>
+            <a:endParaRPr lang="en-US" altLang="ko-KR" dirty="0"/>
+          </a:p>
+        </p:txBody>
+      </p:sp>
+    </p:spTree>
+    <p:extLst>
+      <p:ext uri="{BB962C8B-B14F-4D97-AF65-F5344CB8AC3E}">
+        <p14:creationId xmlns:p14="http://schemas.microsoft.com/office/powerpoint/2010/main" val="642419532"/>
+      </p:ext>
+    </p:extLst>
+  </p:cSld>
+  <p:clrMapOvr>
+    <a:masterClrMapping/>
+  </p:clrMapOvr>
+</p:sld>
+</file>
+
+<file path=ppt/slides/slide12.xml><?xml version="1.0" encoding="utf-8"?>
+<p:sld xmlns:a="http://schemas.openxmlformats.org/drawingml/2006/main" xmlns:r="http://schemas.openxmlformats.org/officeDocument/2006/relationships" xmlns:p="http://schemas.openxmlformats.org/presentationml/2006/main">
+  <p:cSld>
+    <p:spTree>
+      <p:nvGrpSpPr>
+        <p:cNvPr id="1" name=""/>
+        <p:cNvGrpSpPr/>
+        <p:nvPr/>
+      </p:nvGrpSpPr>
+      <p:grpSpPr>
+        <a:xfrm>
+          <a:off x="0" y="0"/>
+          <a:ext cx="0" cy="0"/>
+          <a:chOff x="0" y="0"/>
+          <a:chExt cx="0" cy="0"/>
+        </a:xfrm>
+      </p:grpSpPr>
+      <p:sp>
+        <p:nvSpPr>
+          <p:cNvPr id="2" name="제목 1"/>
+          <p:cNvSpPr>
+            <a:spLocks noGrp="1"/>
+          </p:cNvSpPr>
+          <p:nvPr>
+            <p:ph type="title"/>
+          </p:nvPr>
+        </p:nvSpPr>
+        <p:spPr/>
+        <p:txBody>
+          <a:bodyPr>
+            <a:normAutofit/>
+          </a:bodyPr>
+          <a:lstStyle/>
+          <a:p>
+            <a:r>
+              <a:rPr lang="en-US" altLang="ko-KR" dirty="0" err="1"/>
+              <a:t>JDBC</a:t>
+            </a:r>
+            <a:r>
+              <a:rPr lang="ko-KR" altLang="en-US" dirty="0"/>
+              <a:t>를 사용한 </a:t>
+            </a:r>
+            <a:r>
+              <a:rPr lang="en-US" altLang="ko-KR" dirty="0" err="1"/>
+              <a:t>JSP</a:t>
+            </a:r>
+            <a:r>
+              <a:rPr lang="ko-KR" altLang="en-US" dirty="0"/>
+              <a:t>와 데이터베이스의 </a:t>
+            </a:r>
+            <a:r>
+              <a:rPr lang="ko-KR" altLang="en-US" dirty="0" smtClean="0"/>
+              <a:t>연동</a:t>
+            </a:r>
+            <a:endParaRPr lang="ko-KR" altLang="en-US" dirty="0"/>
+          </a:p>
+        </p:txBody>
+      </p:sp>
+      <p:sp>
+        <p:nvSpPr>
+          <p:cNvPr id="3" name="내용 개체 틀 2"/>
+          <p:cNvSpPr>
+            <a:spLocks noGrp="1"/>
+          </p:cNvSpPr>
+          <p:nvPr>
+            <p:ph sz="quarter" idx="1"/>
+          </p:nvPr>
+        </p:nvSpPr>
+        <p:spPr/>
+        <p:txBody>
+          <a:bodyPr>
+            <a:normAutofit fontScale="92500" lnSpcReduction="20000"/>
+          </a:bodyPr>
+          <a:lstStyle/>
+          <a:p>
+            <a:pPr>
+              <a:lnSpc>
+                <a:spcPct val="125000"/>
+              </a:lnSpc>
+            </a:pPr>
+            <a:r>
+              <a:rPr lang="en-US" altLang="ko-KR" dirty="0" err="1"/>
+              <a:t>JSP</a:t>
+            </a:r>
+            <a:r>
+              <a:rPr lang="en-US" altLang="ko-KR" dirty="0"/>
+              <a:t> </a:t>
+            </a:r>
+            <a:r>
+              <a:rPr lang="ko-KR" altLang="en-US" dirty="0"/>
+              <a:t>페이지에서 테이블의 레코드를 화면에 표시</a:t>
+            </a:r>
+          </a:p>
+          <a:p>
+            <a:pPr lvl="1">
+              <a:lnSpc>
+                <a:spcPct val="125000"/>
+              </a:lnSpc>
+            </a:pPr>
+            <a:r>
+              <a:rPr lang="ko-KR" altLang="en-US" dirty="0" smtClean="0"/>
+              <a:t>데이터베이스와 </a:t>
+            </a:r>
+            <a:r>
+              <a:rPr lang="ko-KR" altLang="en-US" dirty="0"/>
+              <a:t>커넥션을 설정한 후 </a:t>
+            </a:r>
+            <a:r>
+              <a:rPr lang="en-US" altLang="ko-KR" dirty="0"/>
+              <a:t>insert</a:t>
+            </a:r>
+            <a:r>
+              <a:rPr lang="ko-KR" altLang="en-US" dirty="0"/>
+              <a:t>문을 사용</a:t>
+            </a:r>
+          </a:p>
+          <a:p>
+            <a:pPr lvl="2">
+              <a:lnSpc>
+                <a:spcPct val="125000"/>
+              </a:lnSpc>
+            </a:pPr>
+            <a:r>
+              <a:rPr lang="ko-KR" altLang="en-US" dirty="0" smtClean="0"/>
+              <a:t>커넥션</a:t>
+            </a:r>
+            <a:endParaRPr lang="en-US" altLang="ko-KR" dirty="0" smtClean="0"/>
+          </a:p>
+          <a:p>
+            <a:pPr lvl="3">
+              <a:lnSpc>
+                <a:spcPct val="125000"/>
+              </a:lnSpc>
+            </a:pPr>
+            <a:r>
+              <a:rPr lang="ko-KR" altLang="en-US" dirty="0" err="1" smtClean="0"/>
+              <a:t>앞페이지와</a:t>
+            </a:r>
+            <a:r>
+              <a:rPr lang="ko-KR" altLang="en-US" dirty="0" smtClean="0"/>
+              <a:t> 동일</a:t>
+            </a:r>
+            <a:endParaRPr lang="ko-KR" altLang="en-US" dirty="0"/>
+          </a:p>
+          <a:p>
+            <a:pPr lvl="2">
+              <a:lnSpc>
+                <a:spcPct val="125000"/>
+              </a:lnSpc>
+            </a:pPr>
+            <a:r>
+              <a:rPr lang="ko-KR" altLang="en-US" dirty="0"/>
+              <a:t>레코드 </a:t>
+            </a:r>
+            <a:r>
+              <a:rPr lang="ko-KR" altLang="en-US" dirty="0" smtClean="0"/>
+              <a:t>검색 쿼리 작성</a:t>
+            </a:r>
+            <a:endParaRPr lang="ko-KR" altLang="en-US" dirty="0"/>
+          </a:p>
+          <a:p>
+            <a:pPr lvl="3">
+              <a:lnSpc>
+                <a:spcPct val="125000"/>
+              </a:lnSpc>
+            </a:pPr>
+            <a:r>
+              <a:rPr lang="en-US" altLang="ko-KR" dirty="0"/>
+              <a:t>String </a:t>
+            </a:r>
+            <a:r>
+              <a:rPr lang="en-US" altLang="ko-KR" dirty="0" err="1"/>
+              <a:t>sql</a:t>
+            </a:r>
+            <a:r>
+              <a:rPr lang="en-US" altLang="ko-KR" dirty="0"/>
+              <a:t>= "select * from member";</a:t>
+            </a:r>
+          </a:p>
+          <a:p>
+            <a:pPr lvl="2">
+              <a:lnSpc>
+                <a:spcPct val="125000"/>
+              </a:lnSpc>
+            </a:pPr>
+            <a:r>
+              <a:rPr lang="ko-KR" altLang="en-US" dirty="0"/>
+              <a:t>쿼리 수행</a:t>
+            </a:r>
+          </a:p>
+          <a:p>
+            <a:pPr lvl="3">
+              <a:lnSpc>
+                <a:spcPct val="125000"/>
+              </a:lnSpc>
+            </a:pPr>
+            <a:r>
+              <a:rPr lang="en-US" altLang="ko-KR" dirty="0" err="1"/>
+              <a:t>rs</a:t>
+            </a:r>
+            <a:r>
+              <a:rPr lang="en-US" altLang="ko-KR" dirty="0"/>
+              <a:t>=</a:t>
+            </a:r>
+            <a:r>
+              <a:rPr lang="en-US" altLang="ko-KR" dirty="0" err="1"/>
+              <a:t>pstmt.executeQuery</a:t>
+            </a:r>
+            <a:r>
+              <a:rPr lang="en-US" altLang="ko-KR" dirty="0" smtClean="0"/>
+              <a:t>();</a:t>
+            </a:r>
+          </a:p>
+          <a:p>
+            <a:pPr lvl="2">
+              <a:lnSpc>
+                <a:spcPct val="125000"/>
+              </a:lnSpc>
+            </a:pPr>
+            <a:r>
+              <a:rPr lang="ko-KR" altLang="en-US" dirty="0" err="1"/>
+              <a:t>레코드셋</a:t>
+            </a:r>
+            <a:r>
+              <a:rPr lang="ko-KR" altLang="en-US" dirty="0"/>
+              <a:t> 처리</a:t>
+            </a:r>
+          </a:p>
+          <a:p>
+            <a:pPr marL="868680" lvl="3" indent="0">
+              <a:lnSpc>
+                <a:spcPct val="125000"/>
+              </a:lnSpc>
+              <a:buNone/>
+            </a:pPr>
+            <a:r>
+              <a:rPr lang="en-US" altLang="ko-KR" dirty="0"/>
+              <a:t>while(</a:t>
+            </a:r>
+            <a:r>
+              <a:rPr lang="en-US" altLang="ko-KR" dirty="0" err="1"/>
+              <a:t>rs.next</a:t>
+            </a:r>
+            <a:r>
+              <a:rPr lang="en-US" altLang="ko-KR" dirty="0"/>
+              <a:t>()){</a:t>
+            </a:r>
+          </a:p>
+          <a:p>
+            <a:pPr marL="868680" lvl="3" indent="0">
+              <a:lnSpc>
+                <a:spcPct val="125000"/>
+              </a:lnSpc>
+              <a:buNone/>
+            </a:pPr>
+            <a:r>
+              <a:rPr lang="en-US" altLang="ko-KR" dirty="0" smtClean="0"/>
+              <a:t>	   String </a:t>
+            </a:r>
+            <a:r>
+              <a:rPr lang="en-US" altLang="ko-KR" dirty="0"/>
+              <a:t>id= </a:t>
+            </a:r>
+            <a:r>
+              <a:rPr lang="en-US" altLang="ko-KR" dirty="0" err="1"/>
+              <a:t>rs.getString</a:t>
+            </a:r>
+            <a:r>
+              <a:rPr lang="en-US" altLang="ko-KR" dirty="0"/>
+              <a:t>("id");</a:t>
+            </a:r>
+          </a:p>
+          <a:p>
+            <a:pPr marL="868680" lvl="3" indent="0">
+              <a:lnSpc>
+                <a:spcPct val="125000"/>
+              </a:lnSpc>
+              <a:buNone/>
+            </a:pPr>
+            <a:r>
+              <a:rPr lang="en-US" altLang="ko-KR" dirty="0" smtClean="0"/>
+              <a:t>    String </a:t>
+            </a:r>
+            <a:r>
+              <a:rPr lang="en-US" altLang="ko-KR" dirty="0" err="1"/>
+              <a:t>passwd</a:t>
+            </a:r>
+            <a:r>
+              <a:rPr lang="en-US" altLang="ko-KR" dirty="0"/>
+              <a:t>= </a:t>
+            </a:r>
+            <a:r>
+              <a:rPr lang="en-US" altLang="ko-KR" dirty="0" err="1"/>
+              <a:t>rs.getString</a:t>
+            </a:r>
+            <a:r>
+              <a:rPr lang="en-US" altLang="ko-KR" dirty="0"/>
+              <a:t>("</a:t>
+            </a:r>
+            <a:r>
+              <a:rPr lang="en-US" altLang="ko-KR" dirty="0" err="1"/>
+              <a:t>passwd</a:t>
+            </a:r>
+            <a:r>
+              <a:rPr lang="en-US" altLang="ko-KR" dirty="0"/>
+              <a:t>");</a:t>
+            </a:r>
+          </a:p>
+          <a:p>
+            <a:pPr marL="868680" lvl="3" indent="0">
+              <a:lnSpc>
+                <a:spcPct val="125000"/>
+              </a:lnSpc>
+              <a:buNone/>
+            </a:pPr>
+            <a:r>
+              <a:rPr lang="en-US" altLang="ko-KR" dirty="0"/>
+              <a:t>....</a:t>
+            </a:r>
+          </a:p>
+          <a:p>
+            <a:pPr marL="868680" lvl="3" indent="0">
+              <a:lnSpc>
+                <a:spcPct val="125000"/>
+              </a:lnSpc>
+              <a:buNone/>
+            </a:pPr>
+            <a:r>
+              <a:rPr lang="en-US" altLang="ko-KR" dirty="0" smtClean="0"/>
+              <a:t>}</a:t>
+            </a:r>
+            <a:endParaRPr lang="en-US" altLang="ko-KR" dirty="0"/>
+          </a:p>
+        </p:txBody>
+      </p:sp>
+    </p:spTree>
+    <p:extLst>
+      <p:ext uri="{BB962C8B-B14F-4D97-AF65-F5344CB8AC3E}">
+        <p14:creationId xmlns:p14="http://schemas.microsoft.com/office/powerpoint/2010/main" val="2518158633"/>
+      </p:ext>
+    </p:extLst>
+  </p:cSld>
+  <p:clrMapOvr>
+    <a:masterClrMapping/>
+  </p:clrMapOvr>
+</p:sld>
+</file>
+
+<file path=ppt/slides/slide13.xml><?xml version="1.0" encoding="utf-8"?>
+<p:sld xmlns:a="http://schemas.openxmlformats.org/drawingml/2006/main" xmlns:r="http://schemas.openxmlformats.org/officeDocument/2006/relationships" xmlns:p="http://schemas.openxmlformats.org/presentationml/2006/main">
+  <p:cSld>
+    <p:spTree>
+      <p:nvGrpSpPr>
+        <p:cNvPr id="1" name=""/>
+        <p:cNvGrpSpPr/>
+        <p:nvPr/>
+      </p:nvGrpSpPr>
+      <p:grpSpPr>
+        <a:xfrm>
+          <a:off x="0" y="0"/>
+          <a:ext cx="0" cy="0"/>
+          <a:chOff x="0" y="0"/>
+          <a:chExt cx="0" cy="0"/>
+        </a:xfrm>
+      </p:grpSpPr>
+      <p:sp>
+        <p:nvSpPr>
+          <p:cNvPr id="2" name="제목 1"/>
+          <p:cNvSpPr>
+            <a:spLocks noGrp="1"/>
+          </p:cNvSpPr>
+          <p:nvPr>
+            <p:ph type="title"/>
+          </p:nvPr>
+        </p:nvSpPr>
+        <p:spPr/>
+        <p:txBody>
+          <a:bodyPr>
+            <a:normAutofit/>
+          </a:bodyPr>
+          <a:lstStyle/>
+          <a:p>
+            <a:r>
+              <a:rPr lang="en-US" altLang="ko-KR" dirty="0" err="1"/>
+              <a:t>JDBC</a:t>
+            </a:r>
+            <a:r>
+              <a:rPr lang="ko-KR" altLang="en-US" dirty="0"/>
+              <a:t>를 사용한 </a:t>
+            </a:r>
+            <a:r>
+              <a:rPr lang="en-US" altLang="ko-KR" dirty="0" err="1"/>
+              <a:t>JSP</a:t>
+            </a:r>
+            <a:r>
+              <a:rPr lang="ko-KR" altLang="en-US" dirty="0"/>
+              <a:t>와 데이터베이스의 </a:t>
+            </a:r>
+            <a:r>
+              <a:rPr lang="ko-KR" altLang="en-US" dirty="0" smtClean="0"/>
+              <a:t>연동</a:t>
+            </a:r>
+            <a:endParaRPr lang="ko-KR" altLang="en-US" dirty="0"/>
+          </a:p>
+        </p:txBody>
+      </p:sp>
+      <p:sp>
+        <p:nvSpPr>
+          <p:cNvPr id="3" name="내용 개체 틀 2"/>
+          <p:cNvSpPr>
+            <a:spLocks noGrp="1"/>
+          </p:cNvSpPr>
+          <p:nvPr>
+            <p:ph sz="quarter" idx="1"/>
+          </p:nvPr>
+        </p:nvSpPr>
+        <p:spPr/>
+        <p:txBody>
+          <a:bodyPr>
+            <a:normAutofit/>
+          </a:bodyPr>
+          <a:lstStyle/>
+          <a:p>
+            <a:pPr>
+              <a:lnSpc>
+                <a:spcPct val="125000"/>
+              </a:lnSpc>
+            </a:pPr>
+            <a:r>
+              <a:rPr lang="en-US" altLang="ko-KR" dirty="0" err="1"/>
+              <a:t>JSP</a:t>
+            </a:r>
+            <a:r>
+              <a:rPr lang="en-US" altLang="ko-KR" dirty="0"/>
+              <a:t> </a:t>
+            </a:r>
+            <a:r>
+              <a:rPr lang="ko-KR" altLang="en-US" dirty="0"/>
+              <a:t>페이지에서 테이블에 저장된 레코드 </a:t>
+            </a:r>
+            <a:r>
+              <a:rPr lang="ko-KR" altLang="en-US" dirty="0" smtClean="0"/>
+              <a:t>수정</a:t>
+            </a:r>
+            <a:r>
+              <a:rPr lang="en-US" altLang="ko-KR" dirty="0" smtClean="0"/>
+              <a:t>/</a:t>
+            </a:r>
+            <a:r>
+              <a:rPr lang="ko-KR" altLang="en-US" dirty="0" smtClean="0"/>
+              <a:t>삭제</a:t>
+            </a:r>
+            <a:endParaRPr lang="ko-KR" altLang="en-US" dirty="0"/>
+          </a:p>
+          <a:p>
+            <a:pPr lvl="1">
+              <a:lnSpc>
+                <a:spcPct val="125000"/>
+              </a:lnSpc>
+            </a:pPr>
+            <a:r>
+              <a:rPr lang="ko-KR" altLang="en-US" dirty="0" smtClean="0"/>
+              <a:t>데이터베이스와 </a:t>
+            </a:r>
+            <a:r>
+              <a:rPr lang="ko-KR" altLang="en-US" dirty="0"/>
+              <a:t>커넥션을 설정한 후 </a:t>
+            </a:r>
+            <a:r>
+              <a:rPr lang="en-US" altLang="ko-KR" dirty="0" smtClean="0"/>
+              <a:t>update/delete</a:t>
+            </a:r>
+            <a:r>
+              <a:rPr lang="ko-KR" altLang="en-US" dirty="0" smtClean="0"/>
+              <a:t>문을 </a:t>
+            </a:r>
+            <a:r>
+              <a:rPr lang="ko-KR" altLang="en-US" dirty="0"/>
+              <a:t>사용</a:t>
+            </a:r>
+          </a:p>
+          <a:p>
+            <a:pPr lvl="2">
+              <a:lnSpc>
+                <a:spcPct val="125000"/>
+              </a:lnSpc>
+            </a:pPr>
+            <a:r>
+              <a:rPr lang="ko-KR" altLang="en-US" dirty="0" smtClean="0"/>
+              <a:t>커넥션</a:t>
+            </a:r>
+            <a:endParaRPr lang="en-US" altLang="ko-KR" dirty="0" smtClean="0"/>
+          </a:p>
+          <a:p>
+            <a:pPr lvl="3">
+              <a:lnSpc>
+                <a:spcPct val="125000"/>
+              </a:lnSpc>
+            </a:pPr>
+            <a:r>
+              <a:rPr lang="ko-KR" altLang="en-US" dirty="0" err="1" smtClean="0"/>
+              <a:t>앞페이지와</a:t>
+            </a:r>
+            <a:r>
+              <a:rPr lang="ko-KR" altLang="en-US" dirty="0" smtClean="0"/>
+              <a:t> 동일</a:t>
+            </a:r>
+            <a:endParaRPr lang="ko-KR" altLang="en-US" dirty="0"/>
+          </a:p>
+          <a:p>
+            <a:pPr lvl="2">
+              <a:lnSpc>
+                <a:spcPct val="125000"/>
+              </a:lnSpc>
+            </a:pPr>
+            <a:r>
+              <a:rPr lang="ko-KR" altLang="en-US" dirty="0" smtClean="0"/>
+              <a:t>레코드 수정</a:t>
+            </a:r>
+            <a:r>
+              <a:rPr lang="en-US" altLang="ko-KR" dirty="0" smtClean="0"/>
+              <a:t>/</a:t>
+            </a:r>
+            <a:r>
+              <a:rPr lang="ko-KR" altLang="en-US" dirty="0" smtClean="0"/>
+              <a:t>삭제 쿼리 작성</a:t>
+            </a:r>
+            <a:endParaRPr lang="en-US" altLang="ko-KR" dirty="0" smtClean="0"/>
+          </a:p>
+          <a:p>
+            <a:pPr lvl="3">
+              <a:lnSpc>
+                <a:spcPct val="125000"/>
+              </a:lnSpc>
+            </a:pPr>
+            <a:r>
+              <a:rPr lang="en-US" altLang="ko-KR" dirty="0" err="1"/>
+              <a:t>sql</a:t>
+            </a:r>
+            <a:r>
+              <a:rPr lang="en-US" altLang="ko-KR" dirty="0"/>
+              <a:t>= </a:t>
+            </a:r>
+            <a:r>
+              <a:rPr lang="en-US" altLang="ko-KR" dirty="0" smtClean="0"/>
+              <a:t>“</a:t>
+            </a:r>
+            <a:r>
+              <a:rPr lang="en-US" altLang="ko-KR" dirty="0"/>
+              <a:t>update member set name</a:t>
+            </a:r>
+            <a:r>
+              <a:rPr lang="en-US" altLang="ko-KR" dirty="0" smtClean="0"/>
+              <a:t>=? where </a:t>
+            </a:r>
+            <a:r>
+              <a:rPr lang="en-US" altLang="ko-KR" dirty="0"/>
+              <a:t>id= ? </a:t>
+            </a:r>
+            <a:r>
+              <a:rPr lang="en-US" altLang="ko-KR" dirty="0" smtClean="0"/>
+              <a:t>";</a:t>
+            </a:r>
+            <a:endParaRPr lang="en-US" altLang="ko-KR" dirty="0"/>
+          </a:p>
+          <a:p>
+            <a:pPr lvl="3">
+              <a:lnSpc>
+                <a:spcPct val="125000"/>
+              </a:lnSpc>
+            </a:pPr>
+            <a:r>
+              <a:rPr lang="en-US" altLang="ko-KR" dirty="0" err="1" smtClean="0"/>
+              <a:t>sql</a:t>
+            </a:r>
+            <a:r>
+              <a:rPr lang="en-US" altLang="ko-KR" dirty="0"/>
+              <a:t>= "delete from member where id= ? </a:t>
+            </a:r>
+            <a:r>
+              <a:rPr lang="en-US" altLang="ko-KR" dirty="0" smtClean="0"/>
+              <a:t>";</a:t>
+            </a:r>
+            <a:endParaRPr lang="en-US" altLang="ko-KR" dirty="0"/>
+          </a:p>
+          <a:p>
+            <a:pPr lvl="2">
+              <a:lnSpc>
+                <a:spcPct val="125000"/>
+              </a:lnSpc>
+            </a:pPr>
+            <a:r>
+              <a:rPr lang="ko-KR" altLang="en-US" dirty="0"/>
+              <a:t>쿼리 수행</a:t>
+            </a:r>
+          </a:p>
+          <a:p>
+            <a:pPr lvl="3">
+              <a:lnSpc>
+                <a:spcPct val="125000"/>
+              </a:lnSpc>
+            </a:pPr>
+            <a:r>
+              <a:rPr lang="en-US" altLang="ko-KR" dirty="0" err="1"/>
+              <a:t>pstmt.executeUpdate</a:t>
+            </a:r>
+            <a:r>
+              <a:rPr lang="en-US" altLang="ko-KR" dirty="0"/>
+              <a:t>();</a:t>
+            </a:r>
+          </a:p>
+        </p:txBody>
+      </p:sp>
+    </p:spTree>
+    <p:extLst>
+      <p:ext uri="{BB962C8B-B14F-4D97-AF65-F5344CB8AC3E}">
+        <p14:creationId xmlns:p14="http://schemas.microsoft.com/office/powerpoint/2010/main" val="1545885646"/>
+      </p:ext>
+    </p:extLst>
+  </p:cSld>
+  <p:clrMapOvr>
+    <a:masterClrMapping/>
+  </p:clrMapOvr>
+</p:sld>
+</file>
+
+<file path=ppt/slides/slide14.xml><?xml version="1.0" encoding="utf-8"?>
+<p:sld xmlns:a="http://schemas.openxmlformats.org/drawingml/2006/main" xmlns:r="http://schemas.openxmlformats.org/officeDocument/2006/relationships" xmlns:p="http://schemas.openxmlformats.org/presentationml/2006/main">
+  <p:cSld>
+    <p:spTree>
+      <p:nvGrpSpPr>
+        <p:cNvPr id="1" name=""/>
+        <p:cNvGrpSpPr/>
+        <p:nvPr/>
+      </p:nvGrpSpPr>
+      <p:grpSpPr>
+        <a:xfrm>
+          <a:off x="0" y="0"/>
+          <a:ext cx="0" cy="0"/>
+          <a:chOff x="0" y="0"/>
+          <a:chExt cx="0" cy="0"/>
+        </a:xfrm>
+      </p:grpSpPr>
+      <p:sp>
+        <p:nvSpPr>
+          <p:cNvPr id="2" name="제목 1"/>
+          <p:cNvSpPr>
+            <a:spLocks noGrp="1"/>
+          </p:cNvSpPr>
+          <p:nvPr>
+            <p:ph type="title"/>
+          </p:nvPr>
+        </p:nvSpPr>
+        <p:spPr/>
+        <p:txBody>
+          <a:bodyPr>
+            <a:normAutofit/>
+          </a:bodyPr>
+          <a:lstStyle/>
+          <a:p>
+            <a:r>
+              <a:rPr lang="en-US" altLang="ko-KR" dirty="0"/>
+              <a:t>Connection pools</a:t>
+            </a:r>
+            <a:endParaRPr lang="ko-KR" altLang="en-US" dirty="0"/>
+          </a:p>
+        </p:txBody>
+      </p:sp>
+      <p:sp>
+        <p:nvSpPr>
+          <p:cNvPr id="3" name="내용 개체 틀 2"/>
+          <p:cNvSpPr>
+            <a:spLocks noGrp="1"/>
+          </p:cNvSpPr>
+          <p:nvPr>
+            <p:ph sz="quarter" idx="1"/>
+          </p:nvPr>
+        </p:nvSpPr>
+        <p:spPr/>
+        <p:txBody>
+          <a:bodyPr>
+            <a:normAutofit/>
+          </a:bodyPr>
+          <a:lstStyle/>
+          <a:p>
+            <a:pPr>
+              <a:lnSpc>
+                <a:spcPct val="150000"/>
+              </a:lnSpc>
+            </a:pPr>
+            <a:r>
+              <a:rPr lang="en-US" altLang="ko-KR" dirty="0"/>
+              <a:t>Connection </a:t>
+            </a:r>
+            <a:r>
+              <a:rPr lang="ko-KR" altLang="en-US" dirty="0"/>
+              <a:t> </a:t>
+            </a:r>
+            <a:r>
+              <a:rPr lang="ko-KR" altLang="en-US" dirty="0" smtClean="0"/>
+              <a:t>객체</a:t>
+            </a:r>
+            <a:endParaRPr lang="en-US" altLang="ko-KR" dirty="0" smtClean="0"/>
+          </a:p>
+          <a:p>
+            <a:pPr lvl="1">
+              <a:lnSpc>
+                <a:spcPct val="150000"/>
+              </a:lnSpc>
+            </a:pPr>
+            <a:r>
+              <a:rPr lang="ko-KR" altLang="en-US" dirty="0" smtClean="0"/>
+              <a:t>데이터베이스 </a:t>
+            </a:r>
+            <a:r>
+              <a:rPr lang="ko-KR" altLang="en-US" dirty="0"/>
+              <a:t>커넥션은 데이터베이스에 한번 연결하기 위한 작업</a:t>
+            </a:r>
+          </a:p>
+          <a:p>
+            <a:pPr lvl="1">
+              <a:lnSpc>
+                <a:spcPct val="150000"/>
+              </a:lnSpc>
+            </a:pPr>
+            <a:r>
+              <a:rPr lang="en-US" altLang="ko-KR" dirty="0"/>
+              <a:t>Connection </a:t>
+            </a:r>
+            <a:r>
+              <a:rPr lang="ko-KR" altLang="en-US" dirty="0"/>
+              <a:t> 객체는 새롭게 만들어질 때 많은 시스템 자원을 요구</a:t>
+            </a:r>
+            <a:r>
+              <a:rPr lang="en-US" altLang="ko-KR" dirty="0"/>
+              <a:t>.</a:t>
+            </a:r>
+          </a:p>
+          <a:p>
+            <a:pPr lvl="1">
+              <a:lnSpc>
+                <a:spcPct val="150000"/>
+              </a:lnSpc>
+            </a:pPr>
+            <a:r>
+              <a:rPr lang="ko-KR" altLang="en-US" dirty="0" smtClean="0"/>
+              <a:t>이러한 </a:t>
+            </a:r>
+            <a:r>
+              <a:rPr lang="ko-KR" altLang="en-US" dirty="0"/>
+              <a:t>작업들을 매번 새로운 데이터베이스 연결에 대한 요청이 들어올 때 마다 수행하는 것은 시스템에 과부하를 줌</a:t>
+            </a:r>
+          </a:p>
+          <a:p>
+            <a:pPr lvl="1">
+              <a:lnSpc>
+                <a:spcPct val="150000"/>
+              </a:lnSpc>
+            </a:pPr>
+            <a:r>
+              <a:rPr lang="ko-KR" altLang="en-US" dirty="0" smtClean="0"/>
+              <a:t>커넥션 </a:t>
+            </a:r>
+            <a:r>
+              <a:rPr lang="ko-KR" altLang="en-US" dirty="0"/>
+              <a:t>풀을 사용해서 </a:t>
+            </a:r>
+            <a:r>
+              <a:rPr lang="ko-KR" altLang="en-US" dirty="0" smtClean="0"/>
+              <a:t>개선</a:t>
+            </a:r>
+            <a:endParaRPr lang="ko-KR" altLang="en-US" dirty="0"/>
+          </a:p>
+        </p:txBody>
+      </p:sp>
+    </p:spTree>
+    <p:extLst>
+      <p:ext uri="{BB962C8B-B14F-4D97-AF65-F5344CB8AC3E}">
+        <p14:creationId xmlns:p14="http://schemas.microsoft.com/office/powerpoint/2010/main" val="3868063092"/>
+      </p:ext>
+    </p:extLst>
+  </p:cSld>
+  <p:clrMapOvr>
+    <a:masterClrMapping/>
+  </p:clrMapOvr>
+</p:sld>
+</file>
+
+<file path=ppt/slides/slide15.xml><?xml version="1.0" encoding="utf-8"?>
+<p:sld xmlns:a="http://schemas.openxmlformats.org/drawingml/2006/main" xmlns:r="http://schemas.openxmlformats.org/officeDocument/2006/relationships" xmlns:p="http://schemas.openxmlformats.org/presentationml/2006/main">
+  <p:cSld>
+    <p:spTree>
+      <p:nvGrpSpPr>
+        <p:cNvPr id="1" name=""/>
+        <p:cNvGrpSpPr/>
+        <p:nvPr/>
+      </p:nvGrpSpPr>
+      <p:grpSpPr>
+        <a:xfrm>
+          <a:off x="0" y="0"/>
+          <a:ext cx="0" cy="0"/>
+          <a:chOff x="0" y="0"/>
+          <a:chExt cx="0" cy="0"/>
+        </a:xfrm>
+      </p:grpSpPr>
+      <p:sp>
+        <p:nvSpPr>
+          <p:cNvPr id="2" name="제목 1"/>
+          <p:cNvSpPr>
+            <a:spLocks noGrp="1"/>
+          </p:cNvSpPr>
+          <p:nvPr>
+            <p:ph type="title"/>
+          </p:nvPr>
+        </p:nvSpPr>
+        <p:spPr/>
+        <p:txBody>
+          <a:bodyPr>
+            <a:normAutofit/>
+          </a:bodyPr>
+          <a:lstStyle/>
+          <a:p>
+            <a:r>
+              <a:rPr lang="en-US" altLang="ko-KR" dirty="0" smtClean="0"/>
+              <a:t>Connection pools</a:t>
+            </a:r>
+            <a:endParaRPr lang="ko-KR" altLang="en-US" dirty="0"/>
+          </a:p>
+        </p:txBody>
+      </p:sp>
+      <p:sp>
+        <p:nvSpPr>
+          <p:cNvPr id="3" name="내용 개체 틀 2"/>
+          <p:cNvSpPr>
+            <a:spLocks noGrp="1"/>
+          </p:cNvSpPr>
+          <p:nvPr>
+            <p:ph sz="quarter" idx="1"/>
+          </p:nvPr>
+        </p:nvSpPr>
+        <p:spPr/>
+        <p:txBody>
+          <a:bodyPr>
+            <a:normAutofit/>
+          </a:bodyPr>
+          <a:lstStyle/>
+          <a:p>
+            <a:r>
+              <a:rPr lang="ko-KR" altLang="en-US" dirty="0" smtClean="0"/>
+              <a:t>커넥션 </a:t>
+            </a:r>
+            <a:r>
+              <a:rPr lang="ko-KR" altLang="en-US" dirty="0"/>
+              <a:t>풀</a:t>
+            </a:r>
+            <a:r>
+              <a:rPr lang="en-US" altLang="ko-KR" dirty="0"/>
+              <a:t>(connection pools) </a:t>
+            </a:r>
+            <a:endParaRPr lang="en-US" altLang="ko-KR" dirty="0" smtClean="0"/>
+          </a:p>
+          <a:p>
+            <a:pPr lvl="1">
+              <a:spcBef>
+                <a:spcPts val="600"/>
+              </a:spcBef>
+            </a:pPr>
+            <a:r>
+              <a:rPr lang="ko-KR" altLang="en-US" dirty="0" smtClean="0"/>
+              <a:t>커넥션 </a:t>
+            </a:r>
+            <a:r>
+              <a:rPr lang="ko-KR" altLang="en-US" dirty="0"/>
+              <a:t>풀에 커넥션 객체들을 만들어 놓은 후</a:t>
+            </a:r>
+            <a:r>
+              <a:rPr lang="en-US" altLang="ko-KR" dirty="0"/>
+              <a:t>, </a:t>
+            </a:r>
+            <a:r>
+              <a:rPr lang="ko-KR" altLang="en-US" dirty="0"/>
+              <a:t>커넥션 객체가 필요한 경우 작성한 객체를 할당해 주고</a:t>
+            </a:r>
+            <a:r>
+              <a:rPr lang="en-US" altLang="ko-KR" dirty="0"/>
+              <a:t>, </a:t>
+            </a:r>
+            <a:r>
+              <a:rPr lang="ko-KR" altLang="en-US" dirty="0"/>
+              <a:t>사용이 끝난 후에는 다시 커넥션 풀로 회수 하는 </a:t>
+            </a:r>
+            <a:r>
+              <a:rPr lang="ko-KR" altLang="en-US" dirty="0" smtClean="0"/>
+              <a:t>방법</a:t>
+            </a:r>
+            <a:r>
+              <a:rPr lang="en-US" altLang="ko-KR" dirty="0" smtClean="0"/>
+              <a:t> </a:t>
+            </a:r>
+            <a:endParaRPr lang="en-US" altLang="ko-KR" dirty="0"/>
+          </a:p>
+          <a:p>
+            <a:pPr lvl="1">
+              <a:spcBef>
+                <a:spcPts val="600"/>
+              </a:spcBef>
+            </a:pPr>
+            <a:r>
+              <a:rPr lang="ko-KR" altLang="en-US" dirty="0"/>
+              <a:t>한번 만들어져서 사용된 커넥션 객체는 다시 커넥션 풀</a:t>
+            </a:r>
+            <a:r>
+              <a:rPr lang="en-US" altLang="ko-KR" dirty="0"/>
+              <a:t>(connection pools)</a:t>
+            </a:r>
+            <a:r>
+              <a:rPr lang="ko-KR" altLang="en-US" dirty="0"/>
+              <a:t>로 </a:t>
+            </a:r>
+            <a:r>
+              <a:rPr lang="ko-KR" altLang="en-US" dirty="0" smtClean="0"/>
+              <a:t>회수</a:t>
+            </a:r>
+            <a:endParaRPr lang="en-US" altLang="ko-KR" dirty="0" smtClean="0"/>
+          </a:p>
+          <a:p>
+            <a:pPr lvl="1">
+              <a:spcBef>
+                <a:spcPts val="600"/>
+              </a:spcBef>
+            </a:pPr>
+            <a:r>
+              <a:rPr lang="en-US" altLang="ko-KR" dirty="0"/>
+              <a:t>service()</a:t>
+            </a:r>
+            <a:r>
+              <a:rPr lang="ko-KR" altLang="en-US" dirty="0" err="1"/>
+              <a:t>메소드</a:t>
+            </a:r>
+            <a:r>
+              <a:rPr lang="en-US" altLang="ko-KR" dirty="0"/>
+              <a:t>(</a:t>
+            </a:r>
+            <a:r>
+              <a:rPr lang="ko-KR" altLang="en-US" dirty="0"/>
+              <a:t>사용자 요청</a:t>
+            </a:r>
+            <a:r>
+              <a:rPr lang="en-US" altLang="ko-KR" dirty="0"/>
+              <a:t>)</a:t>
+            </a:r>
+            <a:r>
+              <a:rPr lang="ko-KR" altLang="en-US" dirty="0"/>
+              <a:t>당 </a:t>
+            </a:r>
+            <a:r>
+              <a:rPr lang="en-US" altLang="ko-KR" dirty="0"/>
+              <a:t>1</a:t>
+            </a:r>
+            <a:r>
+              <a:rPr lang="ko-KR" altLang="en-US" dirty="0"/>
+              <a:t>개씩 할당</a:t>
+            </a:r>
+          </a:p>
+          <a:p>
+            <a:pPr lvl="1">
+              <a:spcBef>
+                <a:spcPts val="600"/>
+              </a:spcBef>
+            </a:pPr>
+            <a:r>
+              <a:rPr lang="ko-KR" altLang="en-US" dirty="0"/>
+              <a:t>커넥션의 개수를 제한</a:t>
+            </a:r>
+          </a:p>
+          <a:p>
+            <a:pPr lvl="1">
+              <a:spcBef>
+                <a:spcPts val="600"/>
+              </a:spcBef>
+            </a:pPr>
+            <a:r>
+              <a:rPr lang="ko-KR" altLang="en-US" dirty="0"/>
+              <a:t>커넥션 객체 관리자가 다 쓰면 자원을 회수</a:t>
+            </a:r>
+          </a:p>
+          <a:p>
+            <a:pPr lvl="1">
+              <a:spcBef>
+                <a:spcPts val="600"/>
+              </a:spcBef>
+            </a:pPr>
+            <a:endParaRPr lang="en-US" altLang="ko-KR" dirty="0"/>
+          </a:p>
+        </p:txBody>
+      </p:sp>
+      <p:pic>
+        <p:nvPicPr>
+          <p:cNvPr id="4" name="Picture 2"/>
+          <p:cNvPicPr>
+            <a:picLocks noChangeAspect="1" noChangeArrowheads="1"/>
+          </p:cNvPicPr>
+          <p:nvPr/>
+        </p:nvPicPr>
+        <p:blipFill>
+          <a:blip r:embed="rId2" cstate="print"/>
+          <a:srcRect/>
+          <a:stretch>
+            <a:fillRect/>
+          </a:stretch>
+        </p:blipFill>
+        <p:spPr bwMode="auto">
+          <a:xfrm>
+            <a:off x="2411760" y="4428331"/>
+            <a:ext cx="4419600" cy="1304925"/>
+          </a:xfrm>
+          <a:prstGeom prst="rect">
+            <a:avLst/>
+          </a:prstGeom>
+          <a:noFill/>
+          <a:ln w="9525">
+            <a:noFill/>
+            <a:miter lim="800000"/>
+            <a:headEnd/>
+            <a:tailEnd/>
+          </a:ln>
+        </p:spPr>
+      </p:pic>
+      <p:sp>
+        <p:nvSpPr>
+          <p:cNvPr id="5" name="직사각형 4"/>
+          <p:cNvSpPr/>
+          <p:nvPr/>
+        </p:nvSpPr>
+        <p:spPr>
+          <a:xfrm>
+            <a:off x="3084317" y="5765194"/>
+            <a:ext cx="3242875" cy="338554"/>
+          </a:xfrm>
+          <a:prstGeom prst="rect">
+            <a:avLst/>
+          </a:prstGeom>
+        </p:spPr>
+        <p:txBody>
+          <a:bodyPr wrap="none">
+            <a:spAutoFit/>
+          </a:bodyPr>
+          <a:lstStyle/>
+          <a:p>
+            <a:pPr algn="ctr"/>
+            <a:r>
+              <a:rPr lang="ko-KR" altLang="en-US" sz="1600" dirty="0" smtClean="0">
+                <a:solidFill>
+                  <a:srgbClr val="00AEEF"/>
+                </a:solidFill>
+              </a:rPr>
+              <a:t>▲</a:t>
+            </a:r>
+            <a:r>
+              <a:rPr lang="ko-KR" altLang="en-US" sz="1600" dirty="0" smtClean="0"/>
+              <a:t> </a:t>
+            </a:r>
+            <a:r>
+              <a:rPr lang="en-US" altLang="ko-KR" sz="1600" dirty="0" smtClean="0"/>
+              <a:t>service( ) </a:t>
+            </a:r>
+            <a:r>
+              <a:rPr lang="ko-KR" altLang="en-US" sz="1600" dirty="0" err="1" smtClean="0"/>
+              <a:t>메소드와</a:t>
+            </a:r>
+            <a:r>
+              <a:rPr lang="ko-KR" altLang="en-US" sz="1600" dirty="0" smtClean="0"/>
+              <a:t> 커넥션 객체</a:t>
+            </a:r>
+            <a:endParaRPr lang="ko-KR" altLang="en-US" sz="1600" dirty="0"/>
+          </a:p>
+        </p:txBody>
+      </p:sp>
+    </p:spTree>
+    <p:extLst>
+      <p:ext uri="{BB962C8B-B14F-4D97-AF65-F5344CB8AC3E}">
+        <p14:creationId xmlns:p14="http://schemas.microsoft.com/office/powerpoint/2010/main" val="253379722"/>
+      </p:ext>
+    </p:extLst>
+  </p:cSld>
+  <p:clrMapOvr>
+    <a:masterClrMapping/>
+  </p:clrMapOvr>
+</p:sld>
+</file>
+
+<file path=ppt/slides/slide16.xml><?xml version="1.0" encoding="utf-8"?>
+<p:sld xmlns:a="http://schemas.openxmlformats.org/drawingml/2006/main" xmlns:r="http://schemas.openxmlformats.org/officeDocument/2006/relationships" xmlns:p="http://schemas.openxmlformats.org/presentationml/2006/main">
+  <p:cSld>
+    <p:spTree>
+      <p:nvGrpSpPr>
+        <p:cNvPr id="1" name=""/>
+        <p:cNvGrpSpPr/>
+        <p:nvPr/>
+      </p:nvGrpSpPr>
+      <p:grpSpPr>
+        <a:xfrm>
+          <a:off x="0" y="0"/>
+          <a:ext cx="0" cy="0"/>
+          <a:chOff x="0" y="0"/>
+          <a:chExt cx="0" cy="0"/>
+        </a:xfrm>
+      </p:grpSpPr>
+      <p:sp>
+        <p:nvSpPr>
+          <p:cNvPr id="2" name="제목 1"/>
+          <p:cNvSpPr>
+            <a:spLocks noGrp="1"/>
+          </p:cNvSpPr>
+          <p:nvPr>
+            <p:ph type="title"/>
+          </p:nvPr>
+        </p:nvSpPr>
+        <p:spPr/>
+        <p:txBody>
+          <a:bodyPr>
+            <a:normAutofit/>
+          </a:bodyPr>
+          <a:lstStyle/>
+          <a:p>
+            <a:r>
+              <a:rPr lang="en-US" altLang="ko-KR" dirty="0"/>
+              <a:t>Connection pools</a:t>
+            </a:r>
+            <a:endParaRPr lang="ko-KR" altLang="en-US" dirty="0"/>
+          </a:p>
+        </p:txBody>
+      </p:sp>
+      <p:sp>
+        <p:nvSpPr>
+          <p:cNvPr id="3" name="내용 개체 틀 2"/>
+          <p:cNvSpPr>
+            <a:spLocks noGrp="1"/>
+          </p:cNvSpPr>
+          <p:nvPr>
+            <p:ph sz="quarter" idx="1"/>
+          </p:nvPr>
+        </p:nvSpPr>
+        <p:spPr/>
+        <p:txBody>
           <a:bodyPr/>
           <a:lstStyle/>
           <a:p>
+            <a:endParaRPr lang="ko-KR" altLang="en-US"/>
+          </a:p>
+        </p:txBody>
+      </p:sp>
+      <p:pic>
+        <p:nvPicPr>
+          <p:cNvPr id="4" name="Picture 2"/>
+          <p:cNvPicPr>
+            <a:picLocks noChangeAspect="1" noChangeArrowheads="1"/>
+          </p:cNvPicPr>
+          <p:nvPr/>
+        </p:nvPicPr>
+        <p:blipFill>
+          <a:blip r:embed="rId2" cstate="print"/>
+          <a:srcRect/>
+          <a:stretch>
+            <a:fillRect/>
+          </a:stretch>
+        </p:blipFill>
+        <p:spPr bwMode="auto">
+          <a:xfrm>
+            <a:off x="904714" y="1633246"/>
+            <a:ext cx="7406855" cy="3888432"/>
+          </a:xfrm>
+          <a:prstGeom prst="rect">
+            <a:avLst/>
+          </a:prstGeom>
+          <a:noFill/>
+          <a:ln w="9525">
+            <a:noFill/>
+            <a:miter lim="800000"/>
+            <a:headEnd/>
+            <a:tailEnd/>
+          </a:ln>
+        </p:spPr>
+      </p:pic>
+      <p:sp>
+        <p:nvSpPr>
+          <p:cNvPr id="5" name="직사각형 4"/>
+          <p:cNvSpPr/>
+          <p:nvPr/>
+        </p:nvSpPr>
+        <p:spPr>
+          <a:xfrm>
+            <a:off x="3053870" y="5542346"/>
+            <a:ext cx="3108544" cy="400110"/>
+          </a:xfrm>
+          <a:prstGeom prst="rect">
+            <a:avLst/>
+          </a:prstGeom>
+        </p:spPr>
+        <p:txBody>
+          <a:bodyPr wrap="none">
+            <a:spAutoFit/>
+          </a:bodyPr>
+          <a:lstStyle/>
+          <a:p>
+            <a:pPr algn="ctr"/>
+            <a:r>
+              <a:rPr lang="ko-KR" altLang="en-US" sz="2000" dirty="0" smtClean="0">
+                <a:solidFill>
+                  <a:srgbClr val="00AEEF"/>
+                </a:solidFill>
+              </a:rPr>
+              <a:t>▲</a:t>
+            </a:r>
+            <a:r>
+              <a:rPr lang="ko-KR" altLang="en-US" sz="2000" dirty="0" smtClean="0"/>
+              <a:t> 커넥션 풀의 구현 방법</a:t>
+            </a:r>
+            <a:endParaRPr lang="ko-KR" altLang="en-US" sz="2000" dirty="0"/>
+          </a:p>
+        </p:txBody>
+      </p:sp>
+    </p:spTree>
+    <p:extLst>
+      <p:ext uri="{BB962C8B-B14F-4D97-AF65-F5344CB8AC3E}">
+        <p14:creationId xmlns:p14="http://schemas.microsoft.com/office/powerpoint/2010/main" val="3563223830"/>
+      </p:ext>
+    </p:extLst>
+  </p:cSld>
+  <p:clrMapOvr>
+    <a:masterClrMapping/>
+  </p:clrMapOvr>
+</p:sld>
+</file>
+
+<file path=ppt/slides/slide17.xml><?xml version="1.0" encoding="utf-8"?>
+<p:sld xmlns:a="http://schemas.openxmlformats.org/drawingml/2006/main" xmlns:r="http://schemas.openxmlformats.org/officeDocument/2006/relationships" xmlns:p="http://schemas.openxmlformats.org/presentationml/2006/main">
+  <p:cSld>
+    <p:spTree>
+      <p:nvGrpSpPr>
+        <p:cNvPr id="1" name=""/>
+        <p:cNvGrpSpPr/>
+        <p:nvPr/>
+      </p:nvGrpSpPr>
+      <p:grpSpPr>
+        <a:xfrm>
+          <a:off x="0" y="0"/>
+          <a:ext cx="0" cy="0"/>
+          <a:chOff x="0" y="0"/>
+          <a:chExt cx="0" cy="0"/>
+        </a:xfrm>
+      </p:grpSpPr>
+      <p:sp>
+        <p:nvSpPr>
+          <p:cNvPr id="2" name="제목 1"/>
+          <p:cNvSpPr>
+            <a:spLocks noGrp="1"/>
+          </p:cNvSpPr>
+          <p:nvPr>
+            <p:ph type="title"/>
+          </p:nvPr>
+        </p:nvSpPr>
+        <p:spPr/>
+        <p:txBody>
+          <a:bodyPr>
+            <a:normAutofit/>
+          </a:bodyPr>
+          <a:lstStyle/>
+          <a:p>
+            <a:r>
+              <a:rPr lang="en-US" altLang="ko-KR" dirty="0"/>
+              <a:t>Connection pools</a:t>
+            </a:r>
+            <a:endParaRPr lang="ko-KR" altLang="en-US" dirty="0"/>
+          </a:p>
+        </p:txBody>
+      </p:sp>
+      <p:sp>
+        <p:nvSpPr>
+          <p:cNvPr id="3" name="내용 개체 틀 2"/>
+          <p:cNvSpPr>
+            <a:spLocks noGrp="1"/>
+          </p:cNvSpPr>
+          <p:nvPr>
+            <p:ph sz="quarter" idx="1"/>
+          </p:nvPr>
+        </p:nvSpPr>
+        <p:spPr/>
+        <p:txBody>
+          <a:bodyPr/>
+          <a:lstStyle/>
+          <a:p>
+            <a:pPr>
+              <a:lnSpc>
+                <a:spcPct val="150000"/>
+              </a:lnSpc>
+            </a:pPr>
+            <a:r>
+              <a:rPr lang="en-US" altLang="ko-KR" dirty="0" err="1" smtClean="0"/>
+              <a:t>DBCP</a:t>
+            </a:r>
+            <a:r>
+              <a:rPr lang="en-US" altLang="ko-KR" dirty="0" smtClean="0"/>
+              <a:t> </a:t>
+            </a:r>
+            <a:r>
+              <a:rPr lang="en-US" altLang="ko-KR" dirty="0"/>
+              <a:t>API</a:t>
+            </a:r>
+            <a:r>
+              <a:rPr lang="ko-KR" altLang="en-US" dirty="0"/>
+              <a:t>를 </a:t>
+            </a:r>
+            <a:r>
+              <a:rPr lang="ko-KR" altLang="en-US" dirty="0" smtClean="0"/>
+              <a:t>사용한 </a:t>
+            </a:r>
+            <a:r>
+              <a:rPr lang="ko-KR" altLang="en-US" dirty="0"/>
+              <a:t>커넥션 풀을 </a:t>
+            </a:r>
+            <a:r>
+              <a:rPr lang="ko-KR" altLang="en-US" dirty="0" smtClean="0"/>
+              <a:t>사용법</a:t>
+            </a:r>
+            <a:endParaRPr lang="ko-KR" altLang="en-US" dirty="0"/>
+          </a:p>
+          <a:p>
+            <a:pPr marL="274320" lvl="1" indent="0">
+              <a:lnSpc>
+                <a:spcPct val="150000"/>
+              </a:lnSpc>
+              <a:buNone/>
+            </a:pPr>
+            <a:r>
+              <a:rPr lang="ko-KR" altLang="en-US" dirty="0"/>
+              <a:t>① </a:t>
+            </a:r>
+            <a:r>
+              <a:rPr lang="en-US" altLang="ko-KR" dirty="0" err="1"/>
+              <a:t>DBCP</a:t>
+            </a:r>
+            <a:r>
+              <a:rPr lang="en-US" altLang="ko-KR" dirty="0"/>
+              <a:t> API</a:t>
+            </a:r>
+            <a:r>
+              <a:rPr lang="ko-KR" altLang="en-US" dirty="0"/>
+              <a:t>관련 </a:t>
+            </a:r>
+            <a:r>
+              <a:rPr lang="en-US" altLang="ko-KR" dirty="0"/>
+              <a:t>jar</a:t>
+            </a:r>
+            <a:r>
+              <a:rPr lang="ko-KR" altLang="en-US" dirty="0"/>
+              <a:t>파일 </a:t>
+            </a:r>
+            <a:endParaRPr lang="en-US" altLang="ko-KR" dirty="0"/>
+          </a:p>
+          <a:p>
+            <a:pPr marL="274320" lvl="1" indent="0">
+              <a:lnSpc>
+                <a:spcPct val="150000"/>
+              </a:lnSpc>
+              <a:buNone/>
+            </a:pPr>
+            <a:r>
+              <a:rPr lang="en-US" altLang="ko-KR" dirty="0" smtClean="0"/>
+              <a:t>	</a:t>
+            </a:r>
+            <a:r>
+              <a:rPr lang="en-US" altLang="ko-KR" dirty="0" smtClean="0">
+                <a:sym typeface="Wingdings" panose="05000000000000000000" pitchFamily="2" charset="2"/>
+              </a:rPr>
+              <a:t> tomcat-</a:t>
+            </a:r>
+            <a:r>
+              <a:rPr lang="en-US" altLang="ko-KR" dirty="0" err="1" smtClean="0">
+                <a:sym typeface="Wingdings" panose="05000000000000000000" pitchFamily="2" charset="2"/>
+              </a:rPr>
+              <a:t>dbcp.jar</a:t>
+            </a:r>
+            <a:r>
+              <a:rPr lang="en-US" altLang="ko-KR" dirty="0" smtClean="0">
+                <a:sym typeface="Wingdings" panose="05000000000000000000" pitchFamily="2" charset="2"/>
+              </a:rPr>
+              <a:t> (</a:t>
+            </a:r>
+            <a:r>
+              <a:rPr lang="ko-KR" altLang="en-US" dirty="0" err="1" smtClean="0">
+                <a:sym typeface="Wingdings" panose="05000000000000000000" pitchFamily="2" charset="2"/>
+              </a:rPr>
+              <a:t>톰캣</a:t>
+            </a:r>
+            <a:r>
+              <a:rPr lang="ko-KR" altLang="en-US" dirty="0" smtClean="0">
+                <a:sym typeface="Wingdings" panose="05000000000000000000" pitchFamily="2" charset="2"/>
+              </a:rPr>
+              <a:t> 제공 라이브러리</a:t>
+            </a:r>
+            <a:r>
+              <a:rPr lang="en-US" altLang="ko-KR" dirty="0" smtClean="0">
+                <a:sym typeface="Wingdings" panose="05000000000000000000" pitchFamily="2" charset="2"/>
+              </a:rPr>
+              <a:t>)</a:t>
+            </a:r>
+            <a:endParaRPr lang="ko-KR" altLang="en-US" dirty="0"/>
+          </a:p>
+          <a:p>
+            <a:pPr marL="274320" lvl="1" indent="0">
+              <a:lnSpc>
+                <a:spcPct val="150000"/>
+              </a:lnSpc>
+              <a:buNone/>
+            </a:pPr>
+            <a:r>
+              <a:rPr lang="ko-KR" altLang="en-US" dirty="0"/>
+              <a:t>② </a:t>
+            </a:r>
+            <a:r>
+              <a:rPr lang="ko-KR" altLang="en-US" dirty="0" smtClean="0"/>
+              <a:t>리소스 정의</a:t>
+            </a:r>
+            <a:r>
+              <a:rPr lang="ko-KR" altLang="en-US" dirty="0" smtClean="0"/>
+              <a:t> </a:t>
+            </a:r>
+            <a:r>
+              <a:rPr lang="en-US" altLang="ko-KR" dirty="0"/>
+              <a:t>- </a:t>
+            </a:r>
+            <a:r>
+              <a:rPr lang="en-US" altLang="ko-KR" dirty="0" err="1" smtClean="0"/>
+              <a:t>context.xml</a:t>
+            </a:r>
+            <a:r>
+              <a:rPr lang="en-US" altLang="ko-KR" dirty="0" smtClean="0"/>
+              <a:t> </a:t>
+            </a:r>
+            <a:endParaRPr lang="en-US" altLang="ko-KR" dirty="0"/>
+          </a:p>
+          <a:p>
+            <a:pPr marL="274320" lvl="1" indent="0">
+              <a:lnSpc>
+                <a:spcPct val="150000"/>
+              </a:lnSpc>
+              <a:buNone/>
+            </a:pPr>
+            <a:r>
+              <a:rPr lang="en-US" altLang="ko-KR" dirty="0"/>
+              <a:t>③ </a:t>
+            </a:r>
+            <a:r>
+              <a:rPr lang="ko-KR" altLang="en-US" dirty="0" smtClean="0"/>
+              <a:t>커넥션 </a:t>
+            </a:r>
+            <a:r>
+              <a:rPr lang="ko-KR" altLang="en-US" dirty="0"/>
+              <a:t>풀 사용</a:t>
+            </a:r>
+          </a:p>
+          <a:p>
+            <a:pPr>
+              <a:lnSpc>
+                <a:spcPct val="150000"/>
+              </a:lnSpc>
+            </a:pPr>
+            <a:endParaRPr lang="ko-KR" altLang="en-US" dirty="0"/>
+          </a:p>
+        </p:txBody>
+      </p:sp>
+    </p:spTree>
+    <p:extLst>
+      <p:ext uri="{BB962C8B-B14F-4D97-AF65-F5344CB8AC3E}">
+        <p14:creationId xmlns:p14="http://schemas.microsoft.com/office/powerpoint/2010/main" val="878958621"/>
+      </p:ext>
+    </p:extLst>
+  </p:cSld>
+  <p:clrMapOvr>
+    <a:masterClrMapping/>
+  </p:clrMapOvr>
+</p:sld>
+</file>
+
+<file path=ppt/slides/slide18.xml><?xml version="1.0" encoding="utf-8"?>
+<p:sld xmlns:a="http://schemas.openxmlformats.org/drawingml/2006/main" xmlns:r="http://schemas.openxmlformats.org/officeDocument/2006/relationships" xmlns:p="http://schemas.openxmlformats.org/presentationml/2006/main">
+  <p:cSld>
+    <p:spTree>
+      <p:nvGrpSpPr>
+        <p:cNvPr id="1" name=""/>
+        <p:cNvGrpSpPr/>
+        <p:nvPr/>
+      </p:nvGrpSpPr>
+      <p:grpSpPr>
+        <a:xfrm>
+          <a:off x="0" y="0"/>
+          <a:ext cx="0" cy="0"/>
+          <a:chOff x="0" y="0"/>
+          <a:chExt cx="0" cy="0"/>
+        </a:xfrm>
+      </p:grpSpPr>
+      <p:sp>
+        <p:nvSpPr>
+          <p:cNvPr id="2" name="제목 1"/>
+          <p:cNvSpPr>
+            <a:spLocks noGrp="1"/>
+          </p:cNvSpPr>
+          <p:nvPr>
+            <p:ph type="title"/>
+          </p:nvPr>
+        </p:nvSpPr>
+        <p:spPr/>
+        <p:txBody>
+          <a:bodyPr/>
+          <a:lstStyle/>
+          <a:p>
+            <a:r>
+              <a:rPr lang="en-US" altLang="ko-KR" dirty="0"/>
+              <a:t>Connection pools</a:t>
+            </a:r>
+            <a:endParaRPr lang="ko-KR" altLang="en-US" dirty="0"/>
+          </a:p>
+        </p:txBody>
+      </p:sp>
+      <p:sp>
+        <p:nvSpPr>
+          <p:cNvPr id="3" name="내용 개체 틀 2"/>
+          <p:cNvSpPr>
+            <a:spLocks noGrp="1"/>
+          </p:cNvSpPr>
+          <p:nvPr>
+            <p:ph sz="quarter" idx="1"/>
+          </p:nvPr>
+        </p:nvSpPr>
+        <p:spPr/>
+        <p:txBody>
+          <a:bodyPr/>
+          <a:lstStyle/>
+          <a:p>
+            <a:r>
+              <a:rPr lang="ko-KR" altLang="en-US" dirty="0" smtClean="0"/>
+              <a:t>리소스 정의</a:t>
+            </a:r>
+            <a:r>
+              <a:rPr lang="en-US" altLang="ko-KR" dirty="0" smtClean="0"/>
+              <a:t>- </a:t>
+            </a:r>
+            <a:r>
+              <a:rPr lang="en-US" altLang="ko-KR" dirty="0" err="1" smtClean="0"/>
+              <a:t>context.xml</a:t>
+            </a:r>
+            <a:r>
+              <a:rPr lang="en-US" altLang="ko-KR" dirty="0" smtClean="0"/>
+              <a:t> </a:t>
+            </a:r>
+            <a:endParaRPr lang="en-US" altLang="ko-KR" dirty="0"/>
+          </a:p>
+          <a:p>
+            <a:pPr lvl="1"/>
+            <a:r>
+              <a:rPr lang="en-US" altLang="ko-KR" dirty="0" smtClean="0"/>
+              <a:t>&lt;</a:t>
+            </a:r>
+            <a:r>
+              <a:rPr lang="en-US" altLang="ko-KR" dirty="0"/>
+              <a:t>Context&gt;</a:t>
+            </a:r>
+            <a:r>
+              <a:rPr lang="ko-KR" altLang="en-US" dirty="0" err="1"/>
+              <a:t>엘리먼트의</a:t>
+            </a:r>
+            <a:r>
+              <a:rPr lang="ko-KR" altLang="en-US" dirty="0"/>
+              <a:t> </a:t>
+            </a:r>
+            <a:r>
+              <a:rPr lang="ko-KR" altLang="en-US" dirty="0" smtClean="0"/>
+              <a:t>하위 </a:t>
+            </a:r>
+            <a:r>
+              <a:rPr lang="ko-KR" altLang="en-US" dirty="0" err="1"/>
+              <a:t>엘리먼트로</a:t>
+            </a:r>
+            <a:r>
+              <a:rPr lang="ko-KR" altLang="en-US" dirty="0"/>
+              <a:t> 추가</a:t>
+            </a:r>
+          </a:p>
+          <a:p>
+            <a:endParaRPr lang="en-US" altLang="ko-KR" dirty="0"/>
+          </a:p>
+          <a:p>
+            <a:endParaRPr lang="en-US" altLang="ko-KR" dirty="0" smtClean="0"/>
+          </a:p>
+          <a:p>
+            <a:endParaRPr lang="en-US" altLang="ko-KR" dirty="0"/>
+          </a:p>
+          <a:p>
+            <a:endParaRPr lang="en-US" altLang="ko-KR" dirty="0" smtClean="0"/>
+          </a:p>
+          <a:p>
+            <a:endParaRPr lang="en-US" altLang="ko-KR" dirty="0"/>
+          </a:p>
+          <a:p>
+            <a:pPr lvl="1"/>
+            <a:r>
+              <a:rPr lang="en-US" altLang="ko-KR" dirty="0" err="1" smtClean="0"/>
+              <a:t>context</a:t>
+            </a:r>
+            <a:r>
+              <a:rPr lang="en-US" altLang="ko-KR" dirty="0" err="1" smtClean="0"/>
+              <a:t>.xml</a:t>
+            </a:r>
+            <a:r>
+              <a:rPr lang="ko-KR" altLang="en-US" dirty="0" smtClean="0"/>
+              <a:t> </a:t>
+            </a:r>
+            <a:r>
+              <a:rPr lang="ko-KR" altLang="en-US" dirty="0"/>
+              <a:t>파일의 위치</a:t>
+            </a:r>
+          </a:p>
+          <a:p>
+            <a:pPr lvl="2"/>
+            <a:r>
+              <a:rPr lang="ko-KR" altLang="en-US" dirty="0"/>
+              <a:t>실제 서비스 환경</a:t>
+            </a:r>
+            <a:r>
+              <a:rPr lang="en-US" altLang="ko-KR" dirty="0"/>
+              <a:t>(</a:t>
+            </a:r>
+            <a:r>
+              <a:rPr lang="ko-KR" altLang="en-US" dirty="0" err="1"/>
+              <a:t>톰캣홈</a:t>
+            </a:r>
+            <a:r>
+              <a:rPr lang="en-US" altLang="ko-KR" dirty="0"/>
+              <a:t>\</a:t>
+            </a:r>
+            <a:r>
+              <a:rPr lang="en-US" altLang="ko-KR" dirty="0" err="1"/>
+              <a:t>conf</a:t>
+            </a:r>
+            <a:r>
+              <a:rPr lang="en-US" altLang="ko-KR" dirty="0"/>
+              <a:t>)</a:t>
+            </a:r>
+          </a:p>
+          <a:p>
+            <a:pPr lvl="2"/>
+            <a:r>
+              <a:rPr lang="ko-KR" altLang="en-US" dirty="0" err="1"/>
+              <a:t>이클립스</a:t>
+            </a:r>
+            <a:r>
+              <a:rPr lang="ko-KR" altLang="en-US" dirty="0"/>
+              <a:t> 가상 환경</a:t>
+            </a:r>
+            <a:r>
+              <a:rPr lang="en-US" altLang="ko-KR" dirty="0"/>
+              <a:t>([Project Explorer] </a:t>
+            </a:r>
+            <a:r>
+              <a:rPr lang="ko-KR" altLang="en-US" dirty="0" err="1"/>
+              <a:t>뷰의</a:t>
+            </a:r>
+            <a:r>
+              <a:rPr lang="ko-KR" altLang="en-US" dirty="0"/>
+              <a:t> </a:t>
+            </a:r>
+            <a:r>
+              <a:rPr lang="en-US" altLang="ko-KR" dirty="0"/>
+              <a:t>[Servers]-[Tomcat </a:t>
+            </a:r>
+            <a:r>
+              <a:rPr lang="en-US" altLang="ko-KR" dirty="0" smtClean="0"/>
+              <a:t>v8.5 </a:t>
+            </a:r>
+            <a:r>
+              <a:rPr lang="en-US" altLang="ko-KR" dirty="0"/>
+              <a:t>Server ~])</a:t>
+            </a:r>
+          </a:p>
+          <a:p>
+            <a:endParaRPr lang="ko-KR" altLang="en-US" dirty="0"/>
+          </a:p>
+        </p:txBody>
+      </p:sp>
+      <p:sp>
+        <p:nvSpPr>
+          <p:cNvPr id="4" name="TextBox 3"/>
+          <p:cNvSpPr txBox="1"/>
+          <p:nvPr/>
+        </p:nvSpPr>
+        <p:spPr>
+          <a:xfrm>
+            <a:off x="1403648" y="1988840"/>
+            <a:ext cx="6984776" cy="1754326"/>
+          </a:xfrm>
+          <a:prstGeom prst="rect">
+            <a:avLst/>
+          </a:prstGeom>
+          <a:noFill/>
+        </p:spPr>
+        <p:txBody>
+          <a:bodyPr wrap="square" rtlCol="0">
+            <a:spAutoFit/>
+          </a:bodyPr>
+          <a:lstStyle/>
+          <a:p>
+            <a:r>
+              <a:rPr lang="en-US" altLang="ko-KR" dirty="0">
+                <a:solidFill>
+                  <a:srgbClr val="008080"/>
+                </a:solidFill>
+                <a:latin typeface="Consolas"/>
+              </a:rPr>
+              <a:t>&lt;</a:t>
+            </a:r>
+            <a:r>
+              <a:rPr lang="en-US" altLang="ko-KR" dirty="0">
+                <a:solidFill>
+                  <a:srgbClr val="3F7F7F"/>
+                </a:solidFill>
+                <a:latin typeface="Consolas"/>
+              </a:rPr>
+              <a:t>Resource </a:t>
+            </a:r>
+            <a:r>
+              <a:rPr lang="en-US" altLang="ko-KR" dirty="0">
+                <a:solidFill>
+                  <a:srgbClr val="7F007F"/>
+                </a:solidFill>
+                <a:latin typeface="Consolas"/>
+              </a:rPr>
+              <a:t>name</a:t>
+            </a:r>
+            <a:r>
+              <a:rPr lang="en-US" altLang="ko-KR" dirty="0">
+                <a:solidFill>
+                  <a:srgbClr val="000000"/>
+                </a:solidFill>
+                <a:latin typeface="Consolas"/>
+              </a:rPr>
+              <a:t>=</a:t>
+            </a:r>
+            <a:r>
+              <a:rPr lang="en-US" altLang="ko-KR" i="1" dirty="0">
+                <a:solidFill>
+                  <a:srgbClr val="2A00FF"/>
+                </a:solidFill>
+                <a:latin typeface="Consolas"/>
+              </a:rPr>
+              <a:t>"</a:t>
+            </a:r>
+            <a:r>
+              <a:rPr lang="en-US" altLang="ko-KR" i="1" dirty="0" err="1">
+                <a:solidFill>
+                  <a:srgbClr val="2A00FF"/>
+                </a:solidFill>
+                <a:latin typeface="Consolas"/>
+              </a:rPr>
+              <a:t>jdbc</a:t>
+            </a:r>
+            <a:r>
+              <a:rPr lang="en-US" altLang="ko-KR" i="1" dirty="0">
+                <a:solidFill>
+                  <a:srgbClr val="2A00FF"/>
+                </a:solidFill>
+                <a:latin typeface="Consolas"/>
+              </a:rPr>
+              <a:t>/</a:t>
+            </a:r>
+            <a:r>
+              <a:rPr lang="en-US" altLang="ko-KR" i="1" dirty="0" err="1">
+                <a:solidFill>
+                  <a:srgbClr val="2A00FF"/>
+                </a:solidFill>
+                <a:latin typeface="Consolas"/>
+              </a:rPr>
+              <a:t>jsptest</a:t>
+            </a:r>
+            <a:r>
+              <a:rPr lang="en-US" altLang="ko-KR" i="1" dirty="0">
+                <a:solidFill>
+                  <a:srgbClr val="2A00FF"/>
+                </a:solidFill>
+                <a:latin typeface="Consolas"/>
+              </a:rPr>
+              <a:t>" </a:t>
+            </a:r>
+            <a:r>
+              <a:rPr lang="en-US" altLang="ko-KR" i="1" dirty="0" err="1">
+                <a:solidFill>
+                  <a:srgbClr val="7F007F"/>
+                </a:solidFill>
+                <a:latin typeface="Consolas"/>
+              </a:rPr>
+              <a:t>auth</a:t>
+            </a:r>
+            <a:r>
+              <a:rPr lang="en-US" altLang="ko-KR" i="1" dirty="0">
+                <a:solidFill>
+                  <a:srgbClr val="000000"/>
+                </a:solidFill>
+                <a:latin typeface="Consolas"/>
+              </a:rPr>
+              <a:t>=</a:t>
+            </a:r>
+            <a:r>
+              <a:rPr lang="en-US" altLang="ko-KR" i="1" dirty="0">
+                <a:solidFill>
+                  <a:srgbClr val="2A00FF"/>
+                </a:solidFill>
+                <a:latin typeface="Consolas"/>
+              </a:rPr>
+              <a:t>"Container" </a:t>
+            </a:r>
+            <a:endParaRPr lang="en-US" altLang="ko-KR" i="1" dirty="0" smtClean="0">
+              <a:solidFill>
+                <a:srgbClr val="2A00FF"/>
+              </a:solidFill>
+              <a:latin typeface="Consolas"/>
+            </a:endParaRPr>
+          </a:p>
+          <a:p>
+            <a:r>
+              <a:rPr lang="en-US" altLang="ko-KR" i="1" dirty="0" smtClean="0">
+                <a:solidFill>
+                  <a:srgbClr val="7F007F"/>
+                </a:solidFill>
+                <a:latin typeface="Consolas"/>
+              </a:rPr>
+              <a:t>type</a:t>
+            </a:r>
+            <a:r>
+              <a:rPr lang="en-US" altLang="ko-KR" i="1" dirty="0">
+                <a:solidFill>
+                  <a:srgbClr val="000000"/>
+                </a:solidFill>
+                <a:latin typeface="Consolas"/>
+              </a:rPr>
+              <a:t>=</a:t>
+            </a:r>
+            <a:r>
+              <a:rPr lang="en-US" altLang="ko-KR" i="1" dirty="0">
+                <a:solidFill>
+                  <a:srgbClr val="2A00FF"/>
+                </a:solidFill>
+                <a:latin typeface="Consolas"/>
+              </a:rPr>
+              <a:t>"</a:t>
+            </a:r>
+            <a:r>
+              <a:rPr lang="en-US" altLang="ko-KR" i="1" dirty="0" err="1">
+                <a:solidFill>
+                  <a:srgbClr val="2A00FF"/>
+                </a:solidFill>
+                <a:latin typeface="Consolas"/>
+              </a:rPr>
+              <a:t>javax.sql.DataSource</a:t>
+            </a:r>
+            <a:r>
+              <a:rPr lang="en-US" altLang="ko-KR" i="1" dirty="0">
+                <a:solidFill>
+                  <a:srgbClr val="2A00FF"/>
+                </a:solidFill>
+                <a:latin typeface="Consolas"/>
+              </a:rPr>
+              <a:t>" </a:t>
+            </a:r>
+            <a:endParaRPr lang="en-US" altLang="ko-KR" i="1" dirty="0" smtClean="0">
+              <a:solidFill>
+                <a:srgbClr val="2A00FF"/>
+              </a:solidFill>
+              <a:latin typeface="Consolas"/>
+            </a:endParaRPr>
+          </a:p>
+          <a:p>
+            <a:r>
+              <a:rPr lang="en-US" altLang="ko-KR" i="1" dirty="0" err="1" smtClean="0">
+                <a:solidFill>
+                  <a:srgbClr val="7F007F"/>
+                </a:solidFill>
+                <a:latin typeface="Consolas"/>
+              </a:rPr>
+              <a:t>driverClassName</a:t>
+            </a:r>
+            <a:r>
+              <a:rPr lang="en-US" altLang="ko-KR" i="1" dirty="0">
+                <a:solidFill>
+                  <a:srgbClr val="000000"/>
+                </a:solidFill>
+                <a:latin typeface="Consolas"/>
+              </a:rPr>
+              <a:t>=</a:t>
+            </a:r>
+            <a:r>
+              <a:rPr lang="en-US" altLang="ko-KR" i="1" dirty="0">
+                <a:solidFill>
+                  <a:srgbClr val="2A00FF"/>
+                </a:solidFill>
+                <a:latin typeface="Consolas"/>
+              </a:rPr>
+              <a:t>"</a:t>
+            </a:r>
+            <a:r>
+              <a:rPr lang="en-US" altLang="ko-KR" i="1" dirty="0" err="1">
+                <a:solidFill>
+                  <a:srgbClr val="2A00FF"/>
+                </a:solidFill>
+                <a:latin typeface="Consolas"/>
+              </a:rPr>
+              <a:t>com.mysql.jdbc.Driver</a:t>
+            </a:r>
+            <a:r>
+              <a:rPr lang="en-US" altLang="ko-KR" i="1" dirty="0">
+                <a:solidFill>
+                  <a:srgbClr val="2A00FF"/>
+                </a:solidFill>
+                <a:latin typeface="Consolas"/>
+              </a:rPr>
+              <a:t>" </a:t>
+            </a:r>
+          </a:p>
+          <a:p>
+            <a:r>
+              <a:rPr lang="en-US" altLang="ko-KR" dirty="0" smtClean="0">
+                <a:solidFill>
+                  <a:srgbClr val="7F007F"/>
+                </a:solidFill>
+                <a:latin typeface="Consolas"/>
+              </a:rPr>
+              <a:t>username</a:t>
+            </a:r>
+            <a:r>
+              <a:rPr lang="en-US" altLang="ko-KR" dirty="0">
+                <a:solidFill>
+                  <a:srgbClr val="000000"/>
+                </a:solidFill>
+                <a:latin typeface="Consolas"/>
+              </a:rPr>
+              <a:t>=</a:t>
+            </a:r>
+            <a:r>
+              <a:rPr lang="en-US" altLang="ko-KR" i="1" dirty="0">
+                <a:solidFill>
+                  <a:srgbClr val="2A00FF"/>
+                </a:solidFill>
+                <a:latin typeface="Consolas"/>
+              </a:rPr>
+              <a:t>"</a:t>
+            </a:r>
+            <a:r>
+              <a:rPr lang="en-US" altLang="ko-KR" i="1" dirty="0" err="1">
+                <a:solidFill>
+                  <a:srgbClr val="2A00FF"/>
+                </a:solidFill>
+                <a:latin typeface="Consolas"/>
+              </a:rPr>
+              <a:t>jspid</a:t>
+            </a:r>
+            <a:r>
+              <a:rPr lang="en-US" altLang="ko-KR" i="1" dirty="0">
+                <a:solidFill>
+                  <a:srgbClr val="2A00FF"/>
+                </a:solidFill>
+                <a:latin typeface="Consolas"/>
+              </a:rPr>
+              <a:t>" </a:t>
+            </a:r>
+            <a:r>
+              <a:rPr lang="en-US" altLang="ko-KR" i="1" dirty="0">
+                <a:solidFill>
+                  <a:srgbClr val="7F007F"/>
+                </a:solidFill>
+                <a:latin typeface="Consolas"/>
+              </a:rPr>
+              <a:t>password</a:t>
+            </a:r>
+            <a:r>
+              <a:rPr lang="en-US" altLang="ko-KR" i="1" dirty="0">
+                <a:solidFill>
+                  <a:srgbClr val="000000"/>
+                </a:solidFill>
+                <a:latin typeface="Consolas"/>
+              </a:rPr>
+              <a:t>=</a:t>
+            </a:r>
+            <a:r>
+              <a:rPr lang="en-US" altLang="ko-KR" i="1" dirty="0">
+                <a:solidFill>
+                  <a:srgbClr val="2A00FF"/>
+                </a:solidFill>
+                <a:latin typeface="Consolas"/>
+              </a:rPr>
+              <a:t>"</a:t>
+            </a:r>
+            <a:r>
+              <a:rPr lang="en-US" altLang="ko-KR" i="1" dirty="0" err="1">
+                <a:solidFill>
+                  <a:srgbClr val="2A00FF"/>
+                </a:solidFill>
+                <a:latin typeface="Consolas"/>
+              </a:rPr>
+              <a:t>jsppass</a:t>
+            </a:r>
+            <a:r>
+              <a:rPr lang="en-US" altLang="ko-KR" i="1" dirty="0">
+                <a:solidFill>
+                  <a:srgbClr val="2A00FF"/>
+                </a:solidFill>
+                <a:latin typeface="Consolas"/>
+              </a:rPr>
+              <a:t>" </a:t>
+            </a:r>
+            <a:endParaRPr lang="en-US" altLang="ko-KR" i="1" dirty="0" smtClean="0">
+              <a:solidFill>
+                <a:srgbClr val="2A00FF"/>
+              </a:solidFill>
+              <a:latin typeface="Consolas"/>
+            </a:endParaRPr>
+          </a:p>
+          <a:p>
+            <a:r>
+              <a:rPr lang="en-US" altLang="ko-KR" i="1" dirty="0" err="1" smtClean="0">
+                <a:solidFill>
+                  <a:srgbClr val="7F007F"/>
+                </a:solidFill>
+                <a:latin typeface="Consolas"/>
+              </a:rPr>
+              <a:t>url</a:t>
+            </a:r>
+            <a:r>
+              <a:rPr lang="en-US" altLang="ko-KR" i="1" dirty="0">
+                <a:solidFill>
+                  <a:srgbClr val="000000"/>
+                </a:solidFill>
+                <a:latin typeface="Consolas"/>
+              </a:rPr>
+              <a:t>=</a:t>
+            </a:r>
+            <a:r>
+              <a:rPr lang="en-US" altLang="ko-KR" i="1" dirty="0">
+                <a:solidFill>
+                  <a:srgbClr val="2A00FF"/>
+                </a:solidFill>
+                <a:latin typeface="Consolas"/>
+              </a:rPr>
+              <a:t>"</a:t>
+            </a:r>
+            <a:r>
+              <a:rPr lang="en-US" altLang="ko-KR" i="1" dirty="0" err="1">
+                <a:solidFill>
+                  <a:srgbClr val="2A00FF"/>
+                </a:solidFill>
+                <a:latin typeface="Consolas"/>
+              </a:rPr>
+              <a:t>jdbc:mysql</a:t>
+            </a:r>
+            <a:r>
+              <a:rPr lang="en-US" altLang="ko-KR" i="1" dirty="0">
+                <a:solidFill>
+                  <a:srgbClr val="2A00FF"/>
+                </a:solidFill>
+                <a:latin typeface="Consolas"/>
+              </a:rPr>
+              <a:t>://localhost:3306/</a:t>
+            </a:r>
+            <a:r>
+              <a:rPr lang="en-US" altLang="ko-KR" i="1" dirty="0" err="1">
+                <a:solidFill>
+                  <a:srgbClr val="2A00FF"/>
+                </a:solidFill>
+                <a:latin typeface="Consolas"/>
+              </a:rPr>
+              <a:t>jsptest</a:t>
+            </a:r>
+            <a:r>
+              <a:rPr lang="en-US" altLang="ko-KR" i="1" dirty="0">
+                <a:solidFill>
+                  <a:srgbClr val="2A00FF"/>
+                </a:solidFill>
+                <a:latin typeface="Consolas"/>
+              </a:rPr>
+              <a:t>" </a:t>
+            </a:r>
+            <a:endParaRPr lang="en-US" altLang="ko-KR" i="1" dirty="0" smtClean="0">
+              <a:solidFill>
+                <a:srgbClr val="2A00FF"/>
+              </a:solidFill>
+              <a:latin typeface="Consolas"/>
+            </a:endParaRPr>
+          </a:p>
+          <a:p>
+            <a:r>
+              <a:rPr lang="en-US" altLang="ko-KR" i="1" dirty="0" err="1" smtClean="0">
+                <a:solidFill>
+                  <a:srgbClr val="7F007F"/>
+                </a:solidFill>
+                <a:latin typeface="Consolas"/>
+              </a:rPr>
+              <a:t>maxWait</a:t>
+            </a:r>
+            <a:r>
+              <a:rPr lang="en-US" altLang="ko-KR" i="1" dirty="0">
+                <a:solidFill>
+                  <a:srgbClr val="000000"/>
+                </a:solidFill>
+                <a:latin typeface="Consolas"/>
+              </a:rPr>
+              <a:t>=</a:t>
+            </a:r>
+            <a:r>
+              <a:rPr lang="en-US" altLang="ko-KR" i="1" dirty="0">
+                <a:solidFill>
+                  <a:srgbClr val="2A00FF"/>
+                </a:solidFill>
+                <a:latin typeface="Consolas"/>
+              </a:rPr>
+              <a:t>"5000" </a:t>
+            </a:r>
+            <a:r>
+              <a:rPr lang="en-US" altLang="ko-KR" i="1" dirty="0">
+                <a:solidFill>
+                  <a:srgbClr val="008080"/>
+                </a:solidFill>
+                <a:latin typeface="Consolas"/>
+              </a:rPr>
+              <a:t>/&gt;</a:t>
+            </a:r>
+            <a:endParaRPr lang="ko-KR" altLang="en-US" dirty="0"/>
+          </a:p>
+        </p:txBody>
+      </p:sp>
+    </p:spTree>
+    <p:extLst>
+      <p:ext uri="{BB962C8B-B14F-4D97-AF65-F5344CB8AC3E}">
+        <p14:creationId xmlns:p14="http://schemas.microsoft.com/office/powerpoint/2010/main" val="793609073"/>
+      </p:ext>
+    </p:extLst>
+  </p:cSld>
+  <p:clrMapOvr>
+    <a:masterClrMapping/>
+  </p:clrMapOvr>
+</p:sld>
+</file>
+
+<file path=ppt/slides/slide19.xml><?xml version="1.0" encoding="utf-8"?>
+<p:sld xmlns:a="http://schemas.openxmlformats.org/drawingml/2006/main" xmlns:r="http://schemas.openxmlformats.org/officeDocument/2006/relationships" xmlns:p="http://schemas.openxmlformats.org/presentationml/2006/main">
+  <p:cSld>
+    <p:spTree>
+      <p:nvGrpSpPr>
+        <p:cNvPr id="1" name=""/>
+        <p:cNvGrpSpPr/>
+        <p:nvPr/>
+      </p:nvGrpSpPr>
+      <p:grpSpPr>
+        <a:xfrm>
+          <a:off x="0" y="0"/>
+          <a:ext cx="0" cy="0"/>
+          <a:chOff x="0" y="0"/>
+          <a:chExt cx="0" cy="0"/>
+        </a:xfrm>
+      </p:grpSpPr>
+      <p:sp>
+        <p:nvSpPr>
+          <p:cNvPr id="2" name="제목 1"/>
+          <p:cNvSpPr>
+            <a:spLocks noGrp="1"/>
+          </p:cNvSpPr>
+          <p:nvPr>
+            <p:ph type="title"/>
+          </p:nvPr>
+        </p:nvSpPr>
+        <p:spPr/>
+        <p:txBody>
+          <a:bodyPr/>
+          <a:lstStyle/>
+          <a:p>
+            <a:r>
+              <a:rPr lang="en-US" altLang="ko-KR" dirty="0"/>
+              <a:t>Connection pools</a:t>
+            </a:r>
+            <a:endParaRPr lang="ko-KR" altLang="en-US" dirty="0"/>
+          </a:p>
+        </p:txBody>
+      </p:sp>
+      <p:sp>
+        <p:nvSpPr>
+          <p:cNvPr id="3" name="내용 개체 틀 2"/>
+          <p:cNvSpPr>
+            <a:spLocks noGrp="1"/>
+          </p:cNvSpPr>
+          <p:nvPr>
+            <p:ph sz="quarter" idx="1"/>
+          </p:nvPr>
+        </p:nvSpPr>
+        <p:spPr/>
+        <p:txBody>
+          <a:bodyPr/>
+          <a:lstStyle/>
+          <a:p>
+            <a:r>
+              <a:rPr lang="en-US" altLang="ko-KR" dirty="0" err="1"/>
+              <a:t>JSP</a:t>
+            </a:r>
+            <a:r>
+              <a:rPr lang="ko-KR" altLang="en-US" dirty="0" smtClean="0"/>
+              <a:t>페이지에서 </a:t>
+            </a:r>
+            <a:r>
+              <a:rPr lang="ko-KR" altLang="en-US" dirty="0"/>
+              <a:t>커넥션 풀 사용</a:t>
+            </a:r>
+          </a:p>
+          <a:p>
+            <a:endParaRPr lang="ko-KR" altLang="en-US" dirty="0"/>
+          </a:p>
+          <a:p>
+            <a:pPr lvl="1"/>
+            <a:r>
+              <a:rPr lang="en-US" altLang="ko-KR" dirty="0"/>
+              <a:t>&lt;%@ page import = </a:t>
+            </a:r>
+            <a:r>
+              <a:rPr lang="en-US" altLang="ko-KR" i="1" dirty="0"/>
+              <a:t>"</a:t>
+            </a:r>
+            <a:r>
+              <a:rPr lang="en-US" altLang="ko-KR" i="1" dirty="0" err="1"/>
+              <a:t>java.sql</a:t>
+            </a:r>
+            <a:r>
+              <a:rPr lang="en-US" altLang="ko-KR" i="1" dirty="0"/>
+              <a:t>.*,</a:t>
+            </a:r>
+            <a:r>
+              <a:rPr lang="en-US" altLang="ko-KR" i="1" dirty="0" err="1"/>
+              <a:t>javax.sql</a:t>
+            </a:r>
+            <a:r>
+              <a:rPr lang="en-US" altLang="ko-KR" i="1" dirty="0"/>
+              <a:t>.*, </a:t>
+            </a:r>
+            <a:r>
+              <a:rPr lang="en-US" altLang="ko-KR" i="1" dirty="0" err="1"/>
+              <a:t>javax.naming</a:t>
+            </a:r>
+            <a:r>
+              <a:rPr lang="en-US" altLang="ko-KR" i="1" dirty="0"/>
+              <a:t>.*" </a:t>
+            </a:r>
+            <a:r>
+              <a:rPr lang="en-US" altLang="ko-KR" i="1" dirty="0" smtClean="0"/>
+              <a:t>%&gt;</a:t>
+            </a:r>
+          </a:p>
+          <a:p>
+            <a:pPr lvl="1"/>
+            <a:endParaRPr lang="en-US" altLang="ko-KR" dirty="0" smtClean="0"/>
+          </a:p>
+          <a:p>
+            <a:pPr lvl="1"/>
+            <a:r>
+              <a:rPr lang="en-US" altLang="ko-KR" dirty="0" smtClean="0"/>
+              <a:t>Context </a:t>
+            </a:r>
+            <a:r>
+              <a:rPr lang="en-US" altLang="ko-KR" dirty="0" err="1"/>
+              <a:t>initCtx</a:t>
+            </a:r>
+            <a:r>
+              <a:rPr lang="en-US" altLang="ko-KR" dirty="0"/>
+              <a:t> = new </a:t>
+            </a:r>
+            <a:r>
+              <a:rPr lang="en-US" altLang="ko-KR" dirty="0" err="1"/>
+              <a:t>InitialContext</a:t>
+            </a:r>
+            <a:r>
+              <a:rPr lang="en-US" altLang="ko-KR" dirty="0"/>
+              <a:t>();</a:t>
+            </a:r>
+          </a:p>
+          <a:p>
+            <a:pPr lvl="1"/>
+            <a:r>
+              <a:rPr lang="en-US" altLang="ko-KR" dirty="0" err="1" smtClean="0"/>
+              <a:t>DataSource</a:t>
+            </a:r>
+            <a:r>
+              <a:rPr lang="en-US" altLang="ko-KR" dirty="0" smtClean="0"/>
+              <a:t> </a:t>
+            </a:r>
+            <a:r>
+              <a:rPr lang="en-US" altLang="ko-KR" dirty="0"/>
+              <a:t>ds = (</a:t>
+            </a:r>
+            <a:r>
+              <a:rPr lang="en-US" altLang="ko-KR" dirty="0" err="1"/>
+              <a:t>DataSource</a:t>
+            </a:r>
+            <a:r>
+              <a:rPr lang="en-US" altLang="ko-KR" dirty="0"/>
+              <a:t>)</a:t>
+            </a:r>
+            <a:r>
+              <a:rPr lang="en-US" altLang="ko-KR" dirty="0" err="1"/>
+              <a:t>initCtx.lookup</a:t>
+            </a:r>
+            <a:r>
+              <a:rPr lang="en-US" altLang="ko-KR" dirty="0"/>
+              <a:t>("</a:t>
+            </a:r>
+            <a:r>
+              <a:rPr lang="en-US" altLang="ko-KR" dirty="0" err="1"/>
+              <a:t>java:comp</a:t>
+            </a:r>
+            <a:r>
+              <a:rPr lang="en-US" altLang="ko-KR" dirty="0"/>
+              <a:t>/</a:t>
+            </a:r>
+            <a:r>
+              <a:rPr lang="en-US" altLang="ko-KR" dirty="0" err="1"/>
+              <a:t>env</a:t>
+            </a:r>
+            <a:r>
+              <a:rPr lang="en-US" altLang="ko-KR" dirty="0"/>
+              <a:t>/</a:t>
+            </a:r>
+            <a:r>
+              <a:rPr lang="en-US" altLang="ko-KR" dirty="0" err="1"/>
+              <a:t>jdbc</a:t>
+            </a:r>
+            <a:r>
+              <a:rPr lang="en-US" altLang="ko-KR" dirty="0"/>
+              <a:t>/</a:t>
+            </a:r>
+            <a:r>
+              <a:rPr lang="en-US" altLang="ko-KR" dirty="0" err="1"/>
+              <a:t>jsptest</a:t>
+            </a:r>
+            <a:r>
+              <a:rPr lang="en-US" altLang="ko-KR" dirty="0"/>
+              <a:t>");</a:t>
+            </a:r>
+          </a:p>
+          <a:p>
+            <a:pPr lvl="1"/>
+            <a:r>
+              <a:rPr lang="en-US" altLang="ko-KR" dirty="0" smtClean="0"/>
+              <a:t>conn </a:t>
+            </a:r>
+            <a:r>
+              <a:rPr lang="en-US" altLang="ko-KR" dirty="0"/>
+              <a:t>= </a:t>
+            </a:r>
+            <a:r>
+              <a:rPr lang="en-US" altLang="ko-KR" dirty="0" err="1"/>
+              <a:t>ds.getConnection</a:t>
+            </a:r>
+            <a:r>
+              <a:rPr lang="en-US" altLang="ko-KR" dirty="0"/>
+              <a:t>();</a:t>
+            </a:r>
+            <a:endParaRPr lang="ko-KR" altLang="en-US" dirty="0"/>
+          </a:p>
+        </p:txBody>
+      </p:sp>
+    </p:spTree>
+    <p:extLst>
+      <p:ext uri="{BB962C8B-B14F-4D97-AF65-F5344CB8AC3E}">
+        <p14:creationId xmlns:p14="http://schemas.microsoft.com/office/powerpoint/2010/main" val="2561777221"/>
+      </p:ext>
+    </p:extLst>
+  </p:cSld>
+  <p:clrMapOvr>
+    <a:masterClrMapping/>
+  </p:clrMapOvr>
+</p:sld>
+</file>
+
+<file path=ppt/slides/slide2.xml><?xml version="1.0" encoding="utf-8"?>
+<p:sld xmlns:a="http://schemas.openxmlformats.org/drawingml/2006/main" xmlns:r="http://schemas.openxmlformats.org/officeDocument/2006/relationships" xmlns:p="http://schemas.openxmlformats.org/presentationml/2006/main">
+  <p:cSld>
+    <p:spTree>
+      <p:nvGrpSpPr>
+        <p:cNvPr id="1" name=""/>
+        <p:cNvGrpSpPr/>
+        <p:nvPr/>
+      </p:nvGrpSpPr>
+      <p:grpSpPr>
+        <a:xfrm>
+          <a:off x="0" y="0"/>
+          <a:ext cx="0" cy="0"/>
+          <a:chOff x="0" y="0"/>
+          <a:chExt cx="0" cy="0"/>
+        </a:xfrm>
+      </p:grpSpPr>
+      <p:sp>
+        <p:nvSpPr>
+          <p:cNvPr id="2" name="제목 1"/>
+          <p:cNvSpPr>
+            <a:spLocks noGrp="1"/>
+          </p:cNvSpPr>
+          <p:nvPr>
+            <p:ph type="title"/>
+          </p:nvPr>
+        </p:nvSpPr>
+        <p:spPr/>
+        <p:txBody>
+          <a:bodyPr/>
+          <a:lstStyle/>
+          <a:p>
             <a:r>
               <a:rPr lang="en-US" altLang="ko-KR" dirty="0" err="1"/>
               <a:t>JDBC</a:t>
             </a:r>
-            <a:r>
-              <a:rPr lang="en-US" altLang="ko-KR" dirty="0"/>
+            <a:endParaRPr lang="ko-KR" altLang="en-US" dirty="0"/>
+          </a:p>
+        </p:txBody>
+      </p:sp>
+      <p:sp>
+        <p:nvSpPr>
+          <p:cNvPr id="3" name="내용 개체 틀 2"/>
+          <p:cNvSpPr>
+            <a:spLocks noGrp="1"/>
+          </p:cNvSpPr>
+          <p:nvPr>
+            <p:ph sz="quarter" idx="1"/>
+          </p:nvPr>
+        </p:nvSpPr>
+        <p:spPr/>
+        <p:txBody>
+          <a:bodyPr/>
+          <a:lstStyle/>
+          <a:p>
+            <a:pPr>
+              <a:lnSpc>
+                <a:spcPct val="125000"/>
+              </a:lnSpc>
+            </a:pPr>
+            <a:r>
+              <a:rPr lang="ko-KR" altLang="en-US" sz="1800" dirty="0"/>
+              <a:t>자바 프로그램</a:t>
+            </a:r>
+            <a:r>
+              <a:rPr lang="en-US" altLang="ko-KR" sz="1800" dirty="0"/>
+              <a:t>(</a:t>
+            </a:r>
+            <a:r>
+              <a:rPr lang="en-US" altLang="ko-KR" sz="1800" dirty="0" err="1"/>
+              <a:t>JSP</a:t>
+            </a:r>
+            <a:r>
+              <a:rPr lang="ko-KR" altLang="en-US" sz="1800" dirty="0"/>
+              <a:t>포함</a:t>
+            </a:r>
+            <a:r>
+              <a:rPr lang="en-US" altLang="ko-KR" sz="1800" dirty="0"/>
+              <a:t>)</a:t>
+            </a:r>
+            <a:r>
+              <a:rPr lang="ko-KR" altLang="en-US" sz="1800" dirty="0"/>
+              <a:t>과 </a:t>
+            </a:r>
+            <a:r>
+              <a:rPr lang="ko-KR" altLang="en-US" sz="1800" dirty="0" err="1"/>
+              <a:t>관계형</a:t>
+            </a:r>
+            <a:r>
+              <a:rPr lang="ko-KR" altLang="en-US" sz="1800" dirty="0"/>
               <a:t> </a:t>
             </a:r>
             <a:r>
-              <a:rPr lang="ko-KR" altLang="en-US" dirty="0"/>
-              <a:t>프로그래밍에 사용되는 객체</a:t>
-            </a:r>
+              <a:rPr lang="ko-KR" altLang="en-US" sz="1800" dirty="0" err="1"/>
+              <a:t>테이터</a:t>
+            </a:r>
+            <a:r>
+              <a:rPr lang="ko-KR" altLang="en-US" sz="1800" dirty="0"/>
+              <a:t> 원본</a:t>
+            </a:r>
+            <a:r>
+              <a:rPr lang="en-US" altLang="ko-KR" sz="1800" dirty="0"/>
+              <a:t>(</a:t>
+            </a:r>
+            <a:r>
+              <a:rPr lang="ko-KR" altLang="en-US" sz="1800" dirty="0"/>
+              <a:t>데이터베이스</a:t>
+            </a:r>
+            <a:r>
+              <a:rPr lang="en-US" altLang="ko-KR" sz="1800" dirty="0"/>
+              <a:t>, </a:t>
+            </a:r>
+            <a:r>
+              <a:rPr lang="ko-KR" altLang="en-US" sz="1800" dirty="0"/>
+              <a:t>테이블</a:t>
+            </a:r>
+            <a:r>
+              <a:rPr lang="en-US" altLang="ko-KR" sz="1800" dirty="0"/>
+              <a:t>...)</a:t>
+            </a:r>
+            <a:r>
+              <a:rPr lang="ko-KR" altLang="en-US" sz="1800" dirty="0"/>
+              <a:t>을 연결하는 </a:t>
+            </a:r>
+            <a:r>
+              <a:rPr lang="ko-KR" altLang="en-US" sz="1800" dirty="0" smtClean="0"/>
+              <a:t>인터페이스</a:t>
+            </a:r>
+            <a:endParaRPr lang="en-US" altLang="ko-KR" sz="1800" dirty="0" smtClean="0"/>
+          </a:p>
+          <a:p>
+            <a:pPr>
+              <a:lnSpc>
+                <a:spcPct val="125000"/>
+              </a:lnSpc>
+            </a:pPr>
+            <a:r>
+              <a:rPr lang="ko-KR" altLang="en-US" sz="1800" dirty="0"/>
+              <a:t>자바 언어로 데이터베이스 프로그래밍을 하기 위한 라이브러리</a:t>
+            </a:r>
+          </a:p>
+          <a:p>
+            <a:pPr>
+              <a:lnSpc>
+                <a:spcPct val="125000"/>
+              </a:lnSpc>
+            </a:pPr>
+            <a:r>
+              <a:rPr lang="ko-KR" altLang="en-US" sz="1800" dirty="0"/>
+              <a:t>특정한 </a:t>
+            </a:r>
+            <a:r>
+              <a:rPr lang="en-US" altLang="ko-KR" sz="1800" dirty="0"/>
+              <a:t>DBMS</a:t>
+            </a:r>
+            <a:r>
+              <a:rPr lang="ko-KR" altLang="en-US" sz="1800" dirty="0"/>
+              <a:t>에 종속되지 않는 관련 </a:t>
+            </a:r>
+            <a:r>
+              <a:rPr lang="en-US" altLang="ko-KR" sz="1800" dirty="0"/>
+              <a:t>API</a:t>
+            </a:r>
+            <a:r>
+              <a:rPr lang="ko-KR" altLang="en-US" sz="1800" dirty="0"/>
+              <a:t>를 </a:t>
+            </a:r>
+            <a:r>
+              <a:rPr lang="ko-KR" altLang="en-US" sz="1800" dirty="0" smtClean="0"/>
+              <a:t>제공</a:t>
+            </a:r>
+            <a:endParaRPr lang="en-US" altLang="ko-KR" sz="1800" dirty="0" smtClean="0"/>
+          </a:p>
+          <a:p>
+            <a:pPr marL="274320" lvl="1">
+              <a:lnSpc>
+                <a:spcPct val="125000"/>
+              </a:lnSpc>
+              <a:spcBef>
+                <a:spcPts val="600"/>
+              </a:spcBef>
+              <a:buClr>
+                <a:schemeClr val="accent1"/>
+              </a:buClr>
+            </a:pPr>
+            <a:r>
+              <a:rPr lang="en-US" altLang="ko-KR" dirty="0" err="1"/>
+              <a:t>JDBC</a:t>
+            </a:r>
+            <a:r>
+              <a:rPr lang="en-US" altLang="ko-KR" dirty="0"/>
+              <a:t> </a:t>
+            </a:r>
+            <a:r>
+              <a:rPr lang="ko-KR" altLang="en-US" dirty="0"/>
+              <a:t>라이브러리는 ‘</a:t>
+            </a:r>
+            <a:r>
+              <a:rPr lang="en-US" altLang="ko-KR" dirty="0" err="1"/>
+              <a:t>java.sql</a:t>
+            </a:r>
+            <a:r>
+              <a:rPr lang="en-US" altLang="ko-KR" dirty="0"/>
+              <a:t>’ </a:t>
+            </a:r>
+            <a:r>
+              <a:rPr lang="ko-KR" altLang="en-US" dirty="0"/>
+              <a:t>패키지에의 구현</a:t>
+            </a:r>
+          </a:p>
+          <a:p>
+            <a:pPr marL="0" indent="0">
+              <a:lnSpc>
+                <a:spcPct val="150000"/>
+              </a:lnSpc>
+              <a:buNone/>
+            </a:pPr>
+            <a:endParaRPr lang="ko-KR" altLang="en-US" sz="1800" dirty="0"/>
+          </a:p>
+        </p:txBody>
+      </p:sp>
+      <p:grpSp>
+        <p:nvGrpSpPr>
+          <p:cNvPr id="10" name="그룹 9"/>
+          <p:cNvGrpSpPr/>
+          <p:nvPr/>
+        </p:nvGrpSpPr>
+        <p:grpSpPr>
+          <a:xfrm>
+            <a:off x="2387276" y="3356992"/>
+            <a:ext cx="4320481" cy="2784974"/>
+            <a:chOff x="1331640" y="2279650"/>
+            <a:chExt cx="6480721" cy="4177461"/>
+          </a:xfrm>
+        </p:grpSpPr>
+        <p:pic>
+          <p:nvPicPr>
+            <p:cNvPr id="5" name="Picture 2"/>
+            <p:cNvPicPr>
+              <a:picLocks noChangeAspect="1" noChangeArrowheads="1"/>
+            </p:cNvPicPr>
+            <p:nvPr/>
+          </p:nvPicPr>
+          <p:blipFill>
+            <a:blip r:embed="rId2" cstate="print"/>
+            <a:srcRect/>
+            <a:stretch>
+              <a:fillRect/>
+            </a:stretch>
+          </p:blipFill>
+          <p:spPr bwMode="auto">
+            <a:xfrm>
+              <a:off x="1331640" y="2279650"/>
+              <a:ext cx="6480000" cy="3470059"/>
+            </a:xfrm>
+            <a:prstGeom prst="rect">
+              <a:avLst/>
+            </a:prstGeom>
+            <a:noFill/>
+            <a:ln w="9525">
+              <a:noFill/>
+              <a:miter lim="800000"/>
+              <a:headEnd/>
+              <a:tailEnd/>
+            </a:ln>
+          </p:spPr>
+        </p:pic>
+        <p:sp>
+          <p:nvSpPr>
+            <p:cNvPr id="6" name="TextBox 5"/>
+            <p:cNvSpPr txBox="1"/>
+            <p:nvPr/>
+          </p:nvSpPr>
+          <p:spPr>
+            <a:xfrm>
+              <a:off x="1381014" y="5949280"/>
+              <a:ext cx="1080120" cy="507831"/>
+            </a:xfrm>
+            <a:prstGeom prst="rect">
+              <a:avLst/>
+            </a:prstGeom>
+            <a:noFill/>
+          </p:spPr>
+          <p:txBody>
+            <a:bodyPr wrap="square" rtlCol="0">
+              <a:spAutoFit/>
+            </a:bodyPr>
+            <a:lstStyle/>
+            <a:p>
+              <a:pPr algn="ctr"/>
+              <a:r>
+                <a:rPr lang="en-US" altLang="ko-KR" sz="1600" dirty="0" smtClean="0">
+                  <a:latin typeface="+mn-ea"/>
+                </a:rPr>
+                <a:t>DB2</a:t>
+              </a:r>
+              <a:endParaRPr lang="ko-KR" altLang="en-US" sz="1600" dirty="0">
+                <a:latin typeface="+mn-ea"/>
+              </a:endParaRPr>
+            </a:p>
+          </p:txBody>
+        </p:sp>
+        <p:sp>
+          <p:nvSpPr>
+            <p:cNvPr id="7" name="TextBox 6"/>
+            <p:cNvSpPr txBox="1"/>
+            <p:nvPr/>
+          </p:nvSpPr>
+          <p:spPr>
+            <a:xfrm>
+              <a:off x="3095836" y="5949280"/>
+              <a:ext cx="1188130" cy="507831"/>
+            </a:xfrm>
+            <a:prstGeom prst="rect">
+              <a:avLst/>
+            </a:prstGeom>
+            <a:noFill/>
+          </p:spPr>
+          <p:txBody>
+            <a:bodyPr wrap="square" rtlCol="0">
+              <a:spAutoFit/>
+            </a:bodyPr>
+            <a:lstStyle/>
+            <a:p>
+              <a:pPr algn="ctr"/>
+              <a:r>
+                <a:rPr lang="en-US" altLang="ko-KR" sz="1600" dirty="0" smtClean="0">
+                  <a:latin typeface="+mn-ea"/>
+                </a:rPr>
+                <a:t>Oracle</a:t>
+              </a:r>
+              <a:endParaRPr lang="ko-KR" altLang="en-US" sz="1600" dirty="0">
+                <a:latin typeface="+mn-ea"/>
+              </a:endParaRPr>
+            </a:p>
+          </p:txBody>
+        </p:sp>
+        <p:sp>
+          <p:nvSpPr>
+            <p:cNvPr id="8" name="TextBox 7"/>
+            <p:cNvSpPr txBox="1"/>
+            <p:nvPr/>
+          </p:nvSpPr>
+          <p:spPr>
+            <a:xfrm>
+              <a:off x="4788024" y="5949280"/>
+              <a:ext cx="1368151" cy="507831"/>
+            </a:xfrm>
+            <a:prstGeom prst="rect">
+              <a:avLst/>
+            </a:prstGeom>
+            <a:noFill/>
+          </p:spPr>
+          <p:txBody>
+            <a:bodyPr wrap="square" rtlCol="0">
+              <a:spAutoFit/>
+            </a:bodyPr>
+            <a:lstStyle/>
+            <a:p>
+              <a:pPr algn="ctr"/>
+              <a:r>
+                <a:rPr lang="en-US" altLang="ko-KR" sz="1600" smtClean="0">
+                  <a:latin typeface="+mn-ea"/>
+                </a:rPr>
+                <a:t>Sybase</a:t>
+              </a:r>
+              <a:endParaRPr lang="ko-KR" altLang="en-US" sz="1600">
+                <a:latin typeface="+mn-ea"/>
+              </a:endParaRPr>
+            </a:p>
+          </p:txBody>
+        </p:sp>
+        <p:sp>
+          <p:nvSpPr>
+            <p:cNvPr id="9" name="TextBox 8"/>
+            <p:cNvSpPr txBox="1"/>
+            <p:nvPr/>
+          </p:nvSpPr>
+          <p:spPr>
+            <a:xfrm>
+              <a:off x="6444210" y="5949280"/>
+              <a:ext cx="1368151" cy="507831"/>
+            </a:xfrm>
+            <a:prstGeom prst="rect">
+              <a:avLst/>
+            </a:prstGeom>
+            <a:noFill/>
+          </p:spPr>
+          <p:txBody>
+            <a:bodyPr wrap="square" rtlCol="0">
+              <a:spAutoFit/>
+            </a:bodyPr>
+            <a:lstStyle/>
+            <a:p>
+              <a:pPr algn="ctr"/>
+              <a:r>
+                <a:rPr lang="en-US" altLang="ko-KR" sz="1600" smtClean="0">
+                  <a:latin typeface="+mn-ea"/>
+                </a:rPr>
+                <a:t>MS sql</a:t>
+              </a:r>
+              <a:endParaRPr lang="ko-KR" altLang="en-US" sz="1600">
+                <a:latin typeface="+mn-ea"/>
+              </a:endParaRPr>
+            </a:p>
+          </p:txBody>
+        </p:sp>
+      </p:grpSp>
+    </p:spTree>
+    <p:extLst>
+      <p:ext uri="{BB962C8B-B14F-4D97-AF65-F5344CB8AC3E}">
+        <p14:creationId xmlns:p14="http://schemas.microsoft.com/office/powerpoint/2010/main" val="2253817550"/>
+      </p:ext>
+    </p:extLst>
+  </p:cSld>
+  <p:clrMapOvr>
+    <a:masterClrMapping/>
+  </p:clrMapOvr>
+</p:sld>
+</file>
+
+<file path=ppt/slides/slide20.xml><?xml version="1.0" encoding="utf-8"?>
+<p:sld xmlns:a="http://schemas.openxmlformats.org/drawingml/2006/main" xmlns:r="http://schemas.openxmlformats.org/officeDocument/2006/relationships" xmlns:p="http://schemas.openxmlformats.org/presentationml/2006/main">
+  <p:cSld>
+    <p:spTree>
+      <p:nvGrpSpPr>
+        <p:cNvPr id="1" name=""/>
+        <p:cNvGrpSpPr/>
+        <p:nvPr/>
+      </p:nvGrpSpPr>
+      <p:grpSpPr>
+        <a:xfrm>
+          <a:off x="0" y="0"/>
+          <a:ext cx="0" cy="0"/>
+          <a:chOff x="0" y="0"/>
+          <a:chExt cx="0" cy="0"/>
+        </a:xfrm>
+      </p:grpSpPr>
+      <p:sp>
+        <p:nvSpPr>
+          <p:cNvPr id="2" name="제목 1"/>
+          <p:cNvSpPr>
+            <a:spLocks noGrp="1"/>
+          </p:cNvSpPr>
+          <p:nvPr>
+            <p:ph type="title"/>
+          </p:nvPr>
+        </p:nvSpPr>
+        <p:spPr/>
+        <p:txBody>
+          <a:bodyPr/>
+          <a:lstStyle/>
+          <a:p>
+            <a:r>
+              <a:rPr lang="ko-KR" altLang="en-US" dirty="0" smtClean="0"/>
+              <a:t>쿼리 실행 객체</a:t>
+            </a:r>
+            <a:endParaRPr lang="ko-KR" altLang="en-US" dirty="0"/>
+          </a:p>
+        </p:txBody>
+      </p:sp>
+      <p:sp>
+        <p:nvSpPr>
+          <p:cNvPr id="3" name="내용 개체 틀 2"/>
+          <p:cNvSpPr>
+            <a:spLocks noGrp="1"/>
+          </p:cNvSpPr>
+          <p:nvPr>
+            <p:ph sz="quarter" idx="1"/>
+          </p:nvPr>
+        </p:nvSpPr>
+        <p:spPr/>
+        <p:txBody>
+          <a:bodyPr/>
+          <a:lstStyle/>
+          <a:p>
+            <a:r>
+              <a:rPr lang="en-US" altLang="ko-KR" dirty="0"/>
+              <a:t>Statement </a:t>
+            </a:r>
+            <a:r>
+              <a:rPr lang="ko-KR" altLang="en-US" dirty="0"/>
+              <a:t>인터페이스</a:t>
+            </a:r>
+            <a:endParaRPr lang="en-US" altLang="ko-KR" dirty="0" smtClean="0"/>
           </a:p>
           <a:p>
             <a:pPr lvl="1"/>
+            <a:r>
+              <a:rPr lang="ko-KR" altLang="en-US" dirty="0" smtClean="0"/>
+              <a:t>실제 </a:t>
+            </a:r>
+            <a:r>
+              <a:rPr lang="ko-KR" altLang="en-US" dirty="0"/>
+              <a:t>데이터베이스에 </a:t>
+            </a:r>
+            <a:r>
+              <a:rPr lang="en-US" altLang="ko-KR" dirty="0"/>
+              <a:t>SQL </a:t>
+            </a:r>
+            <a:r>
+              <a:rPr lang="ko-KR" altLang="en-US" dirty="0"/>
+              <a:t>문을 보내기 위해 필요한 객체</a:t>
+            </a:r>
+          </a:p>
+          <a:p>
+            <a:pPr lvl="1"/>
+            <a:endParaRPr lang="ko-KR" altLang="en-US" dirty="0"/>
+          </a:p>
+          <a:p>
+            <a:pPr lvl="1"/>
+            <a:r>
+              <a:rPr lang="ko-KR" altLang="en-US" dirty="0" smtClean="0"/>
+              <a:t>삽입</a:t>
+            </a:r>
+            <a:r>
+              <a:rPr lang="en-US" altLang="ko-KR" dirty="0"/>
+              <a:t>, </a:t>
+            </a:r>
+            <a:r>
+              <a:rPr lang="ko-KR" altLang="en-US" dirty="0"/>
+              <a:t>수정</a:t>
+            </a:r>
+            <a:r>
+              <a:rPr lang="en-US" altLang="ko-KR" dirty="0"/>
+              <a:t>, </a:t>
+            </a:r>
+            <a:r>
+              <a:rPr lang="ko-KR" altLang="en-US" dirty="0"/>
+              <a:t>삭제</a:t>
+            </a:r>
+            <a:r>
+              <a:rPr lang="en-US" altLang="ko-KR" dirty="0"/>
+              <a:t>, </a:t>
+            </a:r>
+            <a:r>
+              <a:rPr lang="ko-KR" altLang="en-US" dirty="0"/>
+              <a:t>검색을 처리하는 </a:t>
+            </a:r>
+            <a:r>
+              <a:rPr lang="en-US" altLang="ko-KR" dirty="0" err="1"/>
+              <a:t>DML</a:t>
+            </a:r>
+            <a:r>
+              <a:rPr lang="en-US" altLang="ko-KR" dirty="0"/>
+              <a:t> </a:t>
+            </a:r>
+            <a:r>
+              <a:rPr lang="ko-KR" altLang="en-US" dirty="0"/>
+              <a:t>문을 사용할 때 </a:t>
+            </a:r>
+            <a:r>
+              <a:rPr lang="en-US" altLang="ko-KR" dirty="0"/>
+              <a:t>Statement </a:t>
+            </a:r>
+            <a:r>
+              <a:rPr lang="ko-KR" altLang="en-US" dirty="0"/>
+              <a:t>인터페이스를 사용</a:t>
+            </a:r>
+          </a:p>
+          <a:p>
+            <a:pPr lvl="1"/>
+            <a:endParaRPr lang="ko-KR" altLang="en-US" dirty="0"/>
+          </a:p>
+          <a:p>
+            <a:pPr lvl="1"/>
+            <a:r>
+              <a:rPr lang="en-US" altLang="ko-KR" dirty="0" smtClean="0"/>
+              <a:t>Connection </a:t>
+            </a:r>
+            <a:r>
+              <a:rPr lang="ko-KR" altLang="en-US" dirty="0"/>
+              <a:t>객체가 먼저 존재해야 사용 </a:t>
+            </a:r>
+            <a:r>
+              <a:rPr lang="ko-KR" altLang="en-US" dirty="0" smtClean="0"/>
+              <a:t>가능</a:t>
+            </a:r>
+            <a:endParaRPr lang="en-US" altLang="ko-KR" dirty="0" smtClean="0"/>
+          </a:p>
+          <a:p>
+            <a:pPr lvl="1"/>
+            <a:endParaRPr lang="en-US" altLang="ko-KR" dirty="0" smtClean="0"/>
+          </a:p>
+          <a:p>
+            <a:pPr lvl="1"/>
+            <a:r>
+              <a:rPr lang="ko-KR" altLang="en-US" dirty="0"/>
+              <a:t>쿼리의 수행속도가 가장 </a:t>
+            </a:r>
+            <a:r>
+              <a:rPr lang="ko-KR" altLang="en-US" dirty="0" smtClean="0"/>
+              <a:t>느리고 불편</a:t>
+            </a:r>
+            <a:r>
+              <a:rPr lang="en-US" altLang="ko-KR" dirty="0" smtClean="0"/>
+              <a:t>,</a:t>
+            </a:r>
+            <a:r>
+              <a:rPr lang="ko-KR" altLang="en-US" dirty="0" smtClean="0"/>
+              <a:t> </a:t>
+            </a:r>
+            <a:r>
+              <a:rPr lang="ko-KR" altLang="en-US" dirty="0"/>
+              <a:t>요즘에는 거의 사용 안 함</a:t>
+            </a:r>
+          </a:p>
+          <a:p>
+            <a:endParaRPr lang="ko-KR" altLang="en-US" dirty="0"/>
+          </a:p>
+        </p:txBody>
+      </p:sp>
+      <p:pic>
+        <p:nvPicPr>
+          <p:cNvPr id="4" name="그림 3"/>
+          <p:cNvPicPr>
+            <a:picLocks noChangeAspect="1"/>
+          </p:cNvPicPr>
+          <p:nvPr/>
+        </p:nvPicPr>
+        <p:blipFill>
+          <a:blip r:embed="rId2"/>
+          <a:stretch>
+            <a:fillRect/>
+          </a:stretch>
+        </p:blipFill>
+        <p:spPr>
+          <a:xfrm>
+            <a:off x="683567" y="4293096"/>
+            <a:ext cx="7572375" cy="1400175"/>
+          </a:xfrm>
+          <a:prstGeom prst="rect">
+            <a:avLst/>
+          </a:prstGeom>
+        </p:spPr>
+      </p:pic>
+    </p:spTree>
+    <p:extLst>
+      <p:ext uri="{BB962C8B-B14F-4D97-AF65-F5344CB8AC3E}">
+        <p14:creationId xmlns:p14="http://schemas.microsoft.com/office/powerpoint/2010/main" val="123688053"/>
+      </p:ext>
+    </p:extLst>
+  </p:cSld>
+  <p:clrMapOvr>
+    <a:masterClrMapping/>
+  </p:clrMapOvr>
+</p:sld>
+</file>
+
+<file path=ppt/slides/slide21.xml><?xml version="1.0" encoding="utf-8"?>
+<p:sld xmlns:a="http://schemas.openxmlformats.org/drawingml/2006/main" xmlns:r="http://schemas.openxmlformats.org/officeDocument/2006/relationships" xmlns:p="http://schemas.openxmlformats.org/presentationml/2006/main">
+  <p:cSld>
+    <p:spTree>
+      <p:nvGrpSpPr>
+        <p:cNvPr id="1" name=""/>
+        <p:cNvGrpSpPr/>
+        <p:nvPr/>
+      </p:nvGrpSpPr>
+      <p:grpSpPr>
+        <a:xfrm>
+          <a:off x="0" y="0"/>
+          <a:ext cx="0" cy="0"/>
+          <a:chOff x="0" y="0"/>
+          <a:chExt cx="0" cy="0"/>
+        </a:xfrm>
+      </p:grpSpPr>
+      <p:sp>
+        <p:nvSpPr>
+          <p:cNvPr id="2" name="제목 1"/>
+          <p:cNvSpPr>
+            <a:spLocks noGrp="1"/>
+          </p:cNvSpPr>
+          <p:nvPr>
+            <p:ph type="title"/>
+          </p:nvPr>
+        </p:nvSpPr>
+        <p:spPr/>
+        <p:txBody>
+          <a:bodyPr>
+            <a:normAutofit/>
+          </a:bodyPr>
+          <a:lstStyle/>
+          <a:p>
+            <a:r>
+              <a:rPr lang="ko-KR" altLang="en-US" dirty="0"/>
+              <a:t>쿼리 실행 객체</a:t>
+            </a:r>
+          </a:p>
+        </p:txBody>
+      </p:sp>
+      <p:sp>
+        <p:nvSpPr>
+          <p:cNvPr id="3" name="내용 개체 틀 2"/>
+          <p:cNvSpPr>
+            <a:spLocks noGrp="1"/>
+          </p:cNvSpPr>
+          <p:nvPr>
+            <p:ph sz="quarter" idx="1"/>
+          </p:nvPr>
+        </p:nvSpPr>
+        <p:spPr/>
+        <p:txBody>
+          <a:bodyPr/>
+          <a:lstStyle/>
+          <a:p>
             <a:r>
               <a:rPr lang="en-US" altLang="ko-KR" dirty="0" err="1" smtClean="0"/>
               <a:t>PreparedStatement</a:t>
             </a:r>
             <a:r>
+              <a:rPr lang="ko-KR" altLang="en-US" dirty="0" smtClean="0"/>
+              <a:t>인터페이스</a:t>
+            </a:r>
+            <a:endParaRPr lang="en-US" altLang="ko-KR" dirty="0" smtClean="0"/>
+          </a:p>
+          <a:p>
+            <a:pPr lvl="1"/>
+            <a:r>
+              <a:rPr lang="en-US" altLang="ko-KR" dirty="0" smtClean="0"/>
+              <a:t>Statement </a:t>
+            </a:r>
+            <a:r>
+              <a:rPr lang="ko-KR" altLang="en-US" dirty="0"/>
+              <a:t>인터페이스를 상속받은 인터페이스로 </a:t>
+            </a:r>
+            <a:r>
+              <a:rPr lang="en-US" altLang="ko-KR" dirty="0"/>
+              <a:t>Statement</a:t>
+            </a:r>
+            <a:r>
+              <a:rPr lang="ko-KR" altLang="en-US" dirty="0"/>
+              <a:t>와 같은 역할</a:t>
+            </a:r>
+          </a:p>
+          <a:p>
+            <a:pPr lvl="1"/>
+            <a:endParaRPr lang="ko-KR" altLang="en-US" dirty="0"/>
+          </a:p>
+          <a:p>
+            <a:pPr lvl="1"/>
+            <a:r>
+              <a:rPr lang="en-US" altLang="ko-KR" dirty="0" err="1" smtClean="0"/>
+              <a:t>PreparedStatement</a:t>
+            </a:r>
+            <a:r>
               <a:rPr lang="en-US" altLang="ko-KR" dirty="0" smtClean="0"/>
               <a:t> </a:t>
             </a:r>
             <a:r>
               <a:rPr lang="ko-KR" altLang="en-US" dirty="0"/>
+              <a:t>객체를 사용하면 객체 생성 시 단 한 번만 구문 분석을 거치므로 </a:t>
+            </a:r>
+            <a:r>
+              <a:rPr lang="ko-KR" altLang="en-US" dirty="0" smtClean="0"/>
+              <a:t>효율적</a:t>
+            </a:r>
+            <a:endParaRPr lang="en-US" altLang="ko-KR" dirty="0" smtClean="0"/>
+          </a:p>
+          <a:p>
+            <a:pPr lvl="1"/>
+            <a:endParaRPr lang="en-US" altLang="ko-KR" dirty="0" smtClean="0"/>
+          </a:p>
+          <a:p>
+            <a:pPr lvl="1"/>
+            <a:r>
+              <a:rPr lang="ko-KR" altLang="en-US" dirty="0"/>
+              <a:t>값 </a:t>
+            </a:r>
+            <a:r>
+              <a:rPr lang="ko-KR" altLang="en-US" dirty="0" err="1"/>
+              <a:t>매핑을</a:t>
+            </a:r>
+            <a:r>
+              <a:rPr lang="ko-KR" altLang="en-US" dirty="0"/>
+              <a:t> 할 수 있어 </a:t>
+            </a:r>
+            <a:r>
+              <a:rPr lang="en-US" altLang="ko-KR" dirty="0"/>
+              <a:t>Statement </a:t>
+            </a:r>
+            <a:r>
+              <a:rPr lang="ko-KR" altLang="en-US" dirty="0"/>
+              <a:t>인터페이스보다 편리하게 </a:t>
+            </a:r>
+            <a:r>
+              <a:rPr lang="en-US" altLang="ko-KR" dirty="0"/>
+              <a:t>SQL</a:t>
+            </a:r>
+            <a:r>
+              <a:rPr lang="ko-KR" altLang="en-US" dirty="0"/>
+              <a:t>문 전송 </a:t>
+            </a:r>
+            <a:r>
+              <a:rPr lang="ko-KR" altLang="en-US" dirty="0" smtClean="0"/>
+              <a:t>가능</a:t>
+            </a:r>
+            <a:endParaRPr lang="en-US" altLang="ko-KR" dirty="0" smtClean="0"/>
+          </a:p>
+          <a:p>
+            <a:pPr lvl="1"/>
+            <a:r>
+              <a:rPr lang="ko-KR" altLang="en-US" dirty="0"/>
+              <a:t>각각의 인수에 대해 </a:t>
+            </a:r>
+            <a:r>
+              <a:rPr lang="ko-KR" altLang="en-US" dirty="0" err="1"/>
+              <a:t>위치홀더</a:t>
+            </a:r>
+            <a:r>
+              <a:rPr lang="en-US" altLang="ko-KR" dirty="0"/>
+              <a:t>(placeholder)</a:t>
+            </a:r>
+            <a:r>
+              <a:rPr lang="ko-KR" altLang="en-US" dirty="0"/>
+              <a:t>를 사용하여 </a:t>
+            </a:r>
+            <a:r>
+              <a:rPr lang="en-US" altLang="ko-KR" dirty="0"/>
+              <a:t>SQL </a:t>
+            </a:r>
+            <a:r>
+              <a:rPr lang="ko-KR" altLang="en-US" dirty="0"/>
+              <a:t>문장을 정의</a:t>
+            </a:r>
+            <a:r>
+              <a:rPr lang="en-US" altLang="ko-KR" dirty="0"/>
+              <a:t>, </a:t>
+            </a:r>
+            <a:r>
+              <a:rPr lang="ko-KR" altLang="en-US" dirty="0" err="1"/>
+              <a:t>위치홀더는</a:t>
+            </a:r>
+            <a:r>
+              <a:rPr lang="ko-KR" altLang="en-US" dirty="0"/>
+              <a:t> 물음표</a:t>
+            </a:r>
+            <a:r>
+              <a:rPr lang="en-US" altLang="ko-KR" dirty="0"/>
+              <a:t>(?)</a:t>
+            </a:r>
+            <a:r>
+              <a:rPr lang="ko-KR" altLang="en-US" dirty="0"/>
+              <a:t>로 표현</a:t>
+            </a:r>
+          </a:p>
+          <a:p>
+            <a:pPr lvl="3"/>
+            <a:r>
+              <a:rPr lang="en-US" altLang="ko-KR" dirty="0" err="1"/>
+              <a:t>setXxx</a:t>
+            </a:r>
+            <a:r>
+              <a:rPr lang="en-US" altLang="ko-KR" dirty="0"/>
+              <a:t>() </a:t>
+            </a:r>
+            <a:r>
+              <a:rPr lang="ko-KR" altLang="en-US" dirty="0" err="1"/>
+              <a:t>메소드를</a:t>
+            </a:r>
+            <a:r>
+              <a:rPr lang="ko-KR" altLang="en-US" dirty="0"/>
+              <a:t> 사용해서 실제 값으로 대치</a:t>
+            </a:r>
+          </a:p>
+          <a:p>
+            <a:pPr lvl="3"/>
+            <a:r>
+              <a:rPr lang="en-US" altLang="ko-KR" dirty="0"/>
+              <a:t>String </a:t>
+            </a:r>
+            <a:r>
+              <a:rPr lang="en-US" altLang="ko-KR" dirty="0" err="1"/>
+              <a:t>sql</a:t>
+            </a:r>
+            <a:r>
+              <a:rPr lang="en-US" altLang="ko-KR" dirty="0"/>
+              <a:t>= "insert into member values (?,?,?,?)";</a:t>
+            </a:r>
+          </a:p>
+          <a:p>
+            <a:pPr lvl="3"/>
+            <a:r>
+              <a:rPr lang="en-US" altLang="ko-KR" dirty="0" err="1"/>
+              <a:t>PreparedStatement</a:t>
+            </a:r>
+            <a:r>
+              <a:rPr lang="en-US" altLang="ko-KR" dirty="0"/>
+              <a:t> </a:t>
+            </a:r>
+            <a:r>
+              <a:rPr lang="en-US" altLang="ko-KR" dirty="0" err="1"/>
+              <a:t>pstmt</a:t>
+            </a:r>
+            <a:r>
+              <a:rPr lang="en-US" altLang="ko-KR" dirty="0"/>
+              <a:t>=</a:t>
+            </a:r>
+            <a:r>
+              <a:rPr lang="en-US" altLang="ko-KR" dirty="0" err="1"/>
+              <a:t>conn.prepareStatement</a:t>
+            </a:r>
+            <a:r>
+              <a:rPr lang="en-US" altLang="ko-KR" dirty="0"/>
+              <a:t>(</a:t>
+            </a:r>
+            <a:r>
+              <a:rPr lang="en-US" altLang="ko-KR" dirty="0" err="1"/>
+              <a:t>sql</a:t>
+            </a:r>
+            <a:r>
+              <a:rPr lang="en-US" altLang="ko-KR" dirty="0"/>
+              <a:t>);</a:t>
+            </a:r>
+          </a:p>
+          <a:p>
+            <a:pPr lvl="3"/>
+            <a:r>
+              <a:rPr lang="en-US" altLang="ko-KR" dirty="0" err="1"/>
+              <a:t>pstmt.setString</a:t>
+            </a:r>
+            <a:r>
+              <a:rPr lang="en-US" altLang="ko-KR" dirty="0"/>
+              <a:t>(1,id);</a:t>
+            </a:r>
+          </a:p>
+          <a:p>
+            <a:pPr lvl="3"/>
+            <a:r>
+              <a:rPr lang="en-US" altLang="ko-KR" dirty="0" err="1"/>
+              <a:t>pstmt.setString</a:t>
+            </a:r>
+            <a:r>
+              <a:rPr lang="en-US" altLang="ko-KR" dirty="0"/>
+              <a:t>(2,passwd</a:t>
+            </a:r>
+            <a:r>
+              <a:rPr lang="en-US" altLang="ko-KR" dirty="0" smtClean="0"/>
+              <a:t>);</a:t>
+            </a:r>
+            <a:endParaRPr lang="ko-KR" altLang="en-US" dirty="0"/>
+          </a:p>
+          <a:p>
+            <a:endParaRPr lang="ko-KR" altLang="en-US" dirty="0"/>
+          </a:p>
+        </p:txBody>
+      </p:sp>
+    </p:spTree>
+    <p:extLst>
+      <p:ext uri="{BB962C8B-B14F-4D97-AF65-F5344CB8AC3E}">
+        <p14:creationId xmlns:p14="http://schemas.microsoft.com/office/powerpoint/2010/main" val="825342196"/>
+      </p:ext>
+    </p:extLst>
+  </p:cSld>
+  <p:clrMapOvr>
+    <a:masterClrMapping/>
+  </p:clrMapOvr>
+</p:sld>
+</file>
+
+<file path=ppt/slides/slide22.xml><?xml version="1.0" encoding="utf-8"?>
+<p:sld xmlns:a="http://schemas.openxmlformats.org/drawingml/2006/main" xmlns:r="http://schemas.openxmlformats.org/officeDocument/2006/relationships" xmlns:p="http://schemas.openxmlformats.org/presentationml/2006/main">
+  <p:cSld>
+    <p:spTree>
+      <p:nvGrpSpPr>
+        <p:cNvPr id="1" name=""/>
+        <p:cNvGrpSpPr/>
+        <p:nvPr/>
+      </p:nvGrpSpPr>
+      <p:grpSpPr>
+        <a:xfrm>
+          <a:off x="0" y="0"/>
+          <a:ext cx="0" cy="0"/>
+          <a:chOff x="0" y="0"/>
+          <a:chExt cx="0" cy="0"/>
+        </a:xfrm>
+      </p:grpSpPr>
+      <p:sp>
+        <p:nvSpPr>
+          <p:cNvPr id="2" name="제목 1"/>
+          <p:cNvSpPr>
+            <a:spLocks noGrp="1"/>
+          </p:cNvSpPr>
+          <p:nvPr>
+            <p:ph type="title"/>
+          </p:nvPr>
+        </p:nvSpPr>
+        <p:spPr/>
+        <p:txBody>
+          <a:bodyPr>
+            <a:normAutofit/>
+          </a:bodyPr>
+          <a:lstStyle/>
+          <a:p>
+            <a:r>
+              <a:rPr lang="ko-KR" altLang="en-US" dirty="0"/>
+              <a:t>쿼리 실행 객체</a:t>
+            </a:r>
+          </a:p>
+        </p:txBody>
+      </p:sp>
+      <p:sp>
+        <p:nvSpPr>
+          <p:cNvPr id="3" name="내용 개체 틀 2"/>
+          <p:cNvSpPr>
+            <a:spLocks noGrp="1"/>
+          </p:cNvSpPr>
+          <p:nvPr>
+            <p:ph sz="quarter" idx="1"/>
+          </p:nvPr>
+        </p:nvSpPr>
+        <p:spPr/>
+        <p:txBody>
+          <a:bodyPr/>
+          <a:lstStyle/>
+          <a:p>
+            <a:pPr>
+              <a:lnSpc>
+                <a:spcPct val="150000"/>
+              </a:lnSpc>
+            </a:pPr>
+            <a:r>
+              <a:rPr lang="en-US" altLang="ko-KR" dirty="0" err="1" smtClean="0"/>
+              <a:t>PreparedStatement</a:t>
+            </a:r>
+            <a:r>
+              <a:rPr lang="ko-KR" altLang="en-US" dirty="0" smtClean="0"/>
               <a:t>인터페이스</a:t>
             </a:r>
-          </a:p>
-          <a:p>
-            <a:pPr lvl="2"/>
+            <a:endParaRPr lang="en-US" altLang="ko-KR" dirty="0" smtClean="0"/>
+          </a:p>
+          <a:p>
+            <a:pPr lvl="1">
+              <a:lnSpc>
+                <a:spcPct val="150000"/>
+              </a:lnSpc>
+            </a:pPr>
             <a:r>
               <a:rPr lang="en-US" altLang="ko-KR" dirty="0" err="1"/>
               <a:t>prepareStatement</a:t>
@@ -4484,21 +8201,25 @@
             </a:r>
           </a:p>
           <a:p>
-            <a:pPr lvl="3"/>
+            <a:pPr>
+              <a:lnSpc>
+                <a:spcPct val="150000"/>
+              </a:lnSpc>
+            </a:pPr>
             <a:endParaRPr lang="ko-KR" altLang="en-US" dirty="0"/>
           </a:p>
         </p:txBody>
       </p:sp>
       <p:graphicFrame>
         <p:nvGraphicFramePr>
-          <p:cNvPr id="5" name="표 4"/>
+          <p:cNvPr id="4" name="표 3"/>
           <p:cNvGraphicFramePr>
             <a:graphicFrameLocks noGrp="1"/>
           </p:cNvGraphicFramePr>
           <p:nvPr>
             <p:extLst>
               <p:ext uri="{D42A27DB-BD31-4B8C-83A1-F6EECF244321}">
-                <p14:modId xmlns:p14="http://schemas.microsoft.com/office/powerpoint/2010/main" val="2636579990"/>
+                <p14:modId xmlns:p14="http://schemas.microsoft.com/office/powerpoint/2010/main" val="3639854493"/>
               </p:ext>
             </p:extLst>
           </p:nvPr>
@@ -5053,7 +8774,7 @@
     </p:spTree>
     <p:extLst>
       <p:ext uri="{BB962C8B-B14F-4D97-AF65-F5344CB8AC3E}">
-        <p14:creationId xmlns:p14="http://schemas.microsoft.com/office/powerpoint/2010/main" val="356772999"/>
+        <p14:creationId xmlns:p14="http://schemas.microsoft.com/office/powerpoint/2010/main" val="1603070886"/>
       </p:ext>
     </p:extLst>
   </p:cSld>
@@ -5063,7 +8784,7 @@
 </p:sld>
 </file>
 
-<file path=ppt/slides/slide12.xml><?xml version="1.0" encoding="utf-8"?>
+<file path=ppt/slides/slide23.xml><?xml version="1.0" encoding="utf-8"?>
 <p:sld xmlns:a="http://schemas.openxmlformats.org/drawingml/2006/main" xmlns:r="http://schemas.openxmlformats.org/officeDocument/2006/relationships" xmlns:p="http://schemas.openxmlformats.org/presentationml/2006/main">
   <p:cSld>
     <p:spTree>
@@ -5096,10 +8817,9 @@
           <a:lstStyle/>
           <a:p>
             <a:r>
-              <a:rPr lang="en-US" altLang="ko-KR" dirty="0" err="1"/>
-              <a:t>JDBC</a:t>
-            </a:r>
-            <a:endParaRPr lang="ko-KR" altLang="en-US" dirty="0"/>
+              <a:rPr lang="ko-KR" altLang="en-US" dirty="0"/>
+              <a:t>쿼리 실행 객체</a:t>
+            </a:r>
           </a:p>
         </p:txBody>
       </p:sp>
@@ -5119,39 +8839,66 @@
           <a:lstStyle/>
           <a:p>
             <a:r>
-              <a:rPr lang="en-US" altLang="ko-KR" dirty="0" err="1"/>
-              <a:t>JDBC</a:t>
-            </a:r>
-            <a:r>
-              <a:rPr lang="en-US" altLang="ko-KR" dirty="0"/>
-              <a:t> </a:t>
-            </a:r>
-            <a:r>
-              <a:rPr lang="ko-KR" altLang="en-US" dirty="0"/>
-              <a:t>프로그래밍에 사용되는 객체</a:t>
-            </a:r>
-          </a:p>
-          <a:p>
-            <a:pPr lvl="1">
-              <a:lnSpc>
-                <a:spcPct val="125000"/>
-              </a:lnSpc>
-              <a:spcBef>
-                <a:spcPts val="0"/>
-              </a:spcBef>
-            </a:pPr>
-            <a:r>
-              <a:rPr lang="en-US" altLang="ko-KR" dirty="0" err="1"/>
+              <a:rPr lang="en-US" altLang="ko-KR" dirty="0" err="1" smtClean="0"/>
               <a:t>CallableStatement</a:t>
             </a:r>
-            <a:r>
-              <a:rPr lang="en-US" altLang="ko-KR" dirty="0"/>
-              <a:t> </a:t>
-            </a:r>
-            <a:r>
-              <a:rPr lang="ko-KR" altLang="en-US" dirty="0"/>
-              <a:t>인터페이스</a:t>
-            </a:r>
+            <a:endParaRPr lang="en-US" altLang="ko-KR" dirty="0" smtClean="0"/>
+          </a:p>
+          <a:p>
+            <a:pPr lvl="1"/>
+            <a:r>
+              <a:rPr lang="ko-KR" altLang="en-US" dirty="0">
+                <a:latin typeface="맑은 고딕" panose="020B0503020000020004" pitchFamily="50" charset="-127"/>
+              </a:rPr>
+              <a:t>데이터베이스 내의 저장 프로시저</a:t>
+            </a:r>
+            <a:r>
+              <a:rPr lang="en-US" altLang="ko-KR" dirty="0">
+                <a:latin typeface="맑은 고딕" panose="020B0503020000020004" pitchFamily="50" charset="-127"/>
+              </a:rPr>
+              <a:t>(Stored Procedure)</a:t>
+            </a:r>
+            <a:r>
+              <a:rPr lang="ko-KR" altLang="en-US" dirty="0">
+                <a:latin typeface="맑은 고딕" panose="020B0503020000020004" pitchFamily="50" charset="-127"/>
+              </a:rPr>
+              <a:t>를 호출하기 위해 존재하는 객체</a:t>
+            </a:r>
+            <a:endParaRPr lang="en-US" altLang="ko-KR" dirty="0">
+              <a:latin typeface="맑은 고딕" panose="020B0503020000020004" pitchFamily="50" charset="-127"/>
+            </a:endParaRPr>
+          </a:p>
+          <a:p>
+            <a:pPr lvl="1"/>
+            <a:r>
+              <a:rPr lang="en-US" altLang="ko-KR" dirty="0"/>
+              <a:t>Connection </a:t>
+            </a:r>
+            <a:r>
+              <a:rPr lang="ko-KR" altLang="en-US" dirty="0"/>
+              <a:t>객체의 </a:t>
+            </a:r>
+            <a:r>
+              <a:rPr lang="en-US" altLang="ko-KR" dirty="0" err="1"/>
+              <a:t>prepareCall</a:t>
+            </a:r>
+            <a:r>
+              <a:rPr lang="en-US" altLang="ko-KR" dirty="0"/>
+              <a:t>() </a:t>
+            </a:r>
+            <a:r>
+              <a:rPr lang="ko-KR" altLang="en-US" dirty="0" err="1"/>
+              <a:t>메소드를</a:t>
+            </a:r>
+            <a:r>
+              <a:rPr lang="ko-KR" altLang="en-US" dirty="0"/>
+              <a:t> 사용해서 객체 </a:t>
+            </a:r>
+            <a:r>
+              <a:rPr lang="ko-KR" altLang="en-US" dirty="0" smtClean="0"/>
+              <a:t>생성</a:t>
+            </a:r>
+            <a:endParaRPr lang="en-US" altLang="ko-KR" dirty="0" smtClean="0"/>
           </a:p>
           <a:p>
             <a:pPr lvl="2">
@@ -5163,28 +8910,50 @@
               </a:spcBef>
             </a:pPr>
             <a:r>
-              <a:rPr lang="en-US" altLang="ko-KR" dirty="0" smtClean="0"/>
-              <a:t>Connection </a:t>
-            </a:r>
-            <a:r>
-              <a:rPr lang="ko-KR" altLang="en-US" dirty="0"/>
-              <a:t>객체의 </a:t>
-            </a:r>
-            <a:r>
-              <a:rPr lang="en-US" altLang="ko-KR" dirty="0" err="1"/>
-              <a:t>prepareCall</a:t>
-            </a:r>
-            <a:r>
-              <a:rPr lang="en-US" altLang="ko-KR" dirty="0"/>
-              <a:t>() </a:t>
-            </a:r>
-            <a:r>
-              <a:rPr lang="ko-KR" altLang="en-US" dirty="0" err="1"/>
-              <a:t>메소드를</a:t>
-            </a:r>
-            <a:r>
-              <a:rPr lang="ko-KR" altLang="en-US" dirty="0"/>
-              <a:t> 사용해서 객체 생성</a:t>
+              <a:rPr lang="ko-KR" altLang="en-US" dirty="0"/>
+              <a:t>데이터베이스에 저장된 프로시저</a:t>
+            </a:r>
+            <a:r>
+              <a:rPr lang="en-US" altLang="ko-KR" dirty="0"/>
+              <a:t>(</a:t>
+            </a:r>
+            <a:r>
+              <a:rPr lang="ko-KR" altLang="en-US" dirty="0"/>
+              <a:t>함수</a:t>
+            </a:r>
+            <a:r>
+              <a:rPr lang="en-US" altLang="ko-KR" dirty="0"/>
+              <a:t>)</a:t>
+            </a:r>
+            <a:r>
+              <a:rPr lang="ko-KR" altLang="en-US" dirty="0"/>
+              <a:t>를 단지 호출하는 것만으로 처리가 가능</a:t>
+            </a:r>
+          </a:p>
+          <a:p>
+            <a:pPr lvl="3">
+              <a:lnSpc>
+                <a:spcPct val="125000"/>
+              </a:lnSpc>
+              <a:spcBef>
+                <a:spcPts val="0"/>
+              </a:spcBef>
+            </a:pPr>
+            <a:r>
+              <a:rPr lang="ko-KR" altLang="en-US" dirty="0"/>
+              <a:t>예 </a:t>
+            </a:r>
+            <a:r>
+              <a:rPr lang="en-US" altLang="ko-KR" dirty="0"/>
+              <a:t>: </a:t>
+            </a:r>
+            <a:r>
+              <a:rPr lang="en-US" altLang="ko-KR" dirty="0" err="1"/>
+              <a:t>conn.prepareCall</a:t>
+            </a:r>
+            <a:r>
+              <a:rPr lang="en-US" altLang="ko-KR" dirty="0"/>
+              <a:t>(" {call query1 }");</a:t>
             </a:r>
           </a:p>
           <a:p>
@@ -5197,96 +8966,6 @@
               </a:spcBef>
             </a:pPr>
             <a:r>
-              <a:rPr lang="ko-KR" altLang="en-US" dirty="0" err="1" smtClean="0"/>
-              <a:t>스토어드</a:t>
-            </a:r>
-            <a:r>
-              <a:rPr lang="ko-KR" altLang="en-US" dirty="0" smtClean="0"/>
-              <a:t> </a:t>
-            </a:r>
-            <a:r>
-              <a:rPr lang="ko-KR" altLang="en-US" dirty="0"/>
-              <a:t>프로시저 </a:t>
-            </a:r>
-            <a:r>
-              <a:rPr lang="en-US" altLang="ko-KR" dirty="0"/>
-              <a:t>(Stored Procedure) </a:t>
-            </a:r>
-            <a:r>
-              <a:rPr lang="ko-KR" altLang="en-US" dirty="0"/>
-              <a:t>사용을 제공</a:t>
-            </a:r>
-          </a:p>
-          <a:p>
-            <a:pPr lvl="2">
-              <a:lnSpc>
-                <a:spcPct val="125000"/>
-              </a:lnSpc>
-              <a:spcBef>
-                <a:spcPts val="0"/>
-              </a:spcBef>
-            </a:pPr>
-            <a:r>
-              <a:rPr lang="ko-KR" altLang="en-US" dirty="0"/>
-              <a:t>데이터베이스에 저장된 프로시저</a:t>
-            </a:r>
-            <a:r>
-              <a:rPr lang="en-US" altLang="ko-KR" dirty="0"/>
-              <a:t>(</a:t>
-            </a:r>
-            <a:r>
-              <a:rPr lang="ko-KR" altLang="en-US" dirty="0"/>
-              <a:t>함수</a:t>
-            </a:r>
-            <a:r>
-              <a:rPr lang="en-US" altLang="ko-KR" dirty="0"/>
-              <a:t>)</a:t>
-            </a:r>
-            <a:r>
-              <a:rPr lang="ko-KR" altLang="en-US" dirty="0"/>
-              <a:t>를 단지 호출하는 것만으로 처리가 가능</a:t>
-            </a:r>
-          </a:p>
-          <a:p>
-            <a:pPr lvl="3">
-              <a:lnSpc>
-                <a:spcPct val="125000"/>
-              </a:lnSpc>
-              <a:spcBef>
-                <a:spcPts val="0"/>
-              </a:spcBef>
-            </a:pPr>
-            <a:r>
-              <a:rPr lang="ko-KR" altLang="en-US" dirty="0"/>
-              <a:t>예 </a:t>
-            </a:r>
-            <a:r>
-              <a:rPr lang="en-US" altLang="ko-KR" dirty="0"/>
-              <a:t>: </a:t>
-            </a:r>
-            <a:r>
-              <a:rPr lang="en-US" altLang="ko-KR" dirty="0" err="1"/>
-              <a:t>conn.prepareCall</a:t>
-            </a:r>
-            <a:r>
-              <a:rPr lang="en-US" altLang="ko-KR" dirty="0"/>
-              <a:t>(" {call query1 </a:t>
-            </a:r>
-            <a:r>
-              <a:rPr lang="en-US" altLang="ko-KR" dirty="0" smtClean="0"/>
-              <a:t>}");</a:t>
-            </a:r>
-          </a:p>
-          <a:p>
-            <a:pPr lvl="2">
-              <a:lnSpc>
-                <a:spcPct val="125000"/>
-              </a:lnSpc>
-              <a:spcBef>
-                <a:spcPts val="0"/>
-              </a:spcBef>
-            </a:pPr>
-            <a:r>
               <a:rPr lang="en-US" altLang="ko-KR" dirty="0" err="1"/>
               <a:t>prepareCall</a:t>
             </a:r>
@@ -5324,11 +9003,14 @@
             </a:r>
           </a:p>
           <a:p>
-            <a:pPr lvl="2"/>
-            <a:endParaRPr lang="en-US" altLang="ko-KR" dirty="0"/>
-          </a:p>
-          <a:p>
-            <a:pPr lvl="3"/>
+            <a:pPr lvl="1"/>
+            <a:endParaRPr lang="ko-KR" altLang="en-US" dirty="0"/>
+          </a:p>
+          <a:p>
+            <a:pPr lvl="1"/>
+            <a:endParaRPr lang="ko-KR" altLang="en-US" dirty="0"/>
+          </a:p>
+          <a:p>
             <a:endParaRPr lang="ko-KR" altLang="en-US" dirty="0"/>
           </a:p>
         </p:txBody>
@@ -5342,13 +9024,13 @@
           <p:nvPr>
             <p:extLst>
               <p:ext uri="{D42A27DB-BD31-4B8C-83A1-F6EECF244321}">
-                <p14:modId xmlns:p14="http://schemas.microsoft.com/office/powerpoint/2010/main" val="4218939997"/>
+                <p14:modId xmlns:p14="http://schemas.microsoft.com/office/powerpoint/2010/main" val="3544984826"/>
               </p:ext>
             </p:extLst>
           </p:nvPr>
         </p:nvGraphicFramePr>
         <p:xfrm>
-          <a:off x="1691680" y="4422610"/>
+          <a:off x="1691680" y="4365104"/>
           <a:ext cx="5760000" cy="1742694"/>
         </p:xfrm>
         <a:graphic>
@@ -5661,3879 +9343,7 @@
     </p:spTree>
     <p:extLst>
       <p:ext uri="{BB962C8B-B14F-4D97-AF65-F5344CB8AC3E}">
-        <p14:creationId xmlns:p14="http://schemas.microsoft.com/office/powerpoint/2010/main" val="2237720937"/>
-      </p:ext>
-    </p:extLst>
-  </p:cSld>
-  <p:clrMapOvr>
-    <a:masterClrMapping/>
-  </p:clrMapOvr>
-</p:sld>
-</file>
-
-<file path=ppt/slides/slide13.xml><?xml version="1.0" encoding="utf-8"?>
-<p:sld xmlns:a="http://schemas.openxmlformats.org/drawingml/2006/main" xmlns:r="http://schemas.openxmlformats.org/officeDocument/2006/relationships" xmlns:p="http://schemas.openxmlformats.org/presentationml/2006/main">
-  <p:cSld>
-    <p:spTree>
-      <p:nvGrpSpPr>
-        <p:cNvPr id="1" name=""/>
-        <p:cNvGrpSpPr/>
-        <p:nvPr/>
-      </p:nvGrpSpPr>
-      <p:grpSpPr>
-        <a:xfrm>
-          <a:off x="0" y="0"/>
-          <a:ext cx="0" cy="0"/>
-          <a:chOff x="0" y="0"/>
-          <a:chExt cx="0" cy="0"/>
-        </a:xfrm>
-      </p:grpSpPr>
-      <p:sp>
-        <p:nvSpPr>
-          <p:cNvPr id="2" name="제목 1"/>
-          <p:cNvSpPr>
-            <a:spLocks noGrp="1"/>
-          </p:cNvSpPr>
-          <p:nvPr>
-            <p:ph type="title"/>
-          </p:nvPr>
-        </p:nvSpPr>
-        <p:spPr/>
-        <p:txBody>
-          <a:bodyPr/>
-          <a:lstStyle/>
-          <a:p>
-            <a:r>
-              <a:rPr lang="en-US" altLang="ko-KR" dirty="0" err="1"/>
-              <a:t>JDBC</a:t>
-            </a:r>
-            <a:endParaRPr lang="ko-KR" altLang="en-US" dirty="0"/>
-          </a:p>
-        </p:txBody>
-      </p:sp>
-      <p:sp>
-        <p:nvSpPr>
-          <p:cNvPr id="3" name="내용 개체 틀 2"/>
-          <p:cNvSpPr>
-            <a:spLocks noGrp="1"/>
-          </p:cNvSpPr>
-          <p:nvPr>
-            <p:ph sz="quarter" idx="1"/>
-          </p:nvPr>
-        </p:nvSpPr>
-        <p:spPr/>
-        <p:txBody>
-          <a:bodyPr/>
-          <a:lstStyle/>
-          <a:p>
-            <a:pPr>
-              <a:lnSpc>
-                <a:spcPct val="125000"/>
-              </a:lnSpc>
-            </a:pPr>
-            <a:r>
-              <a:rPr lang="en-US" altLang="ko-KR" dirty="0" err="1"/>
-              <a:t>JDBC</a:t>
-            </a:r>
-            <a:r>
-              <a:rPr lang="en-US" altLang="ko-KR" dirty="0"/>
-              <a:t> </a:t>
-            </a:r>
-            <a:r>
-              <a:rPr lang="ko-KR" altLang="en-US" dirty="0"/>
-              <a:t>프로그래밍에 사용되는 객체</a:t>
-            </a:r>
-          </a:p>
-          <a:p>
-            <a:pPr lvl="1">
-              <a:lnSpc>
-                <a:spcPct val="125000"/>
-              </a:lnSpc>
-              <a:spcBef>
-                <a:spcPts val="600"/>
-              </a:spcBef>
-            </a:pPr>
-            <a:r>
-              <a:rPr lang="en-US" altLang="ko-KR" dirty="0" err="1"/>
-              <a:t>ResultSet</a:t>
-            </a:r>
-            <a:r>
-              <a:rPr lang="en-US" altLang="ko-KR" dirty="0"/>
-              <a:t> </a:t>
-            </a:r>
-            <a:r>
-              <a:rPr lang="ko-KR" altLang="en-US" dirty="0"/>
-              <a:t>인터페이스</a:t>
-            </a:r>
-          </a:p>
-          <a:p>
-            <a:pPr lvl="2">
-              <a:lnSpc>
-                <a:spcPct val="125000"/>
-              </a:lnSpc>
-              <a:spcBef>
-                <a:spcPts val="600"/>
-              </a:spcBef>
-            </a:pPr>
-            <a:r>
-              <a:rPr lang="en-US" altLang="ko-KR" dirty="0" smtClean="0"/>
-              <a:t>Select</a:t>
-            </a:r>
-            <a:r>
-              <a:rPr lang="ko-KR" altLang="en-US" dirty="0"/>
-              <a:t>문을 실행하는 </a:t>
-            </a:r>
-            <a:r>
-              <a:rPr lang="en-US" altLang="ko-KR" dirty="0" err="1"/>
-              <a:t>executeQuery</a:t>
-            </a:r>
-            <a:r>
-              <a:rPr lang="en-US" altLang="ko-KR" dirty="0"/>
-              <a:t>() </a:t>
-            </a:r>
-            <a:r>
-              <a:rPr lang="ko-KR" altLang="en-US" dirty="0" err="1"/>
-              <a:t>메소드</a:t>
-            </a:r>
-            <a:r>
-              <a:rPr lang="ko-KR" altLang="en-US" dirty="0"/>
-              <a:t> 수행 성공 시</a:t>
-            </a:r>
-            <a:r>
-              <a:rPr lang="en-US" altLang="ko-KR" dirty="0"/>
-              <a:t>, </a:t>
-            </a:r>
-            <a:r>
-              <a:rPr lang="ko-KR" altLang="en-US" dirty="0"/>
-              <a:t>결과물로 </a:t>
-            </a:r>
-            <a:r>
-              <a:rPr lang="en-US" altLang="ko-KR" dirty="0" err="1"/>
-              <a:t>ResultSet</a:t>
-            </a:r>
-            <a:r>
-              <a:rPr lang="en-US" altLang="ko-KR" dirty="0"/>
-              <a:t> </a:t>
-            </a:r>
-            <a:r>
-              <a:rPr lang="ko-KR" altLang="en-US" dirty="0"/>
-              <a:t>객체 반환</a:t>
-            </a:r>
-          </a:p>
-          <a:p>
-            <a:pPr lvl="2">
-              <a:lnSpc>
-                <a:spcPct val="125000"/>
-              </a:lnSpc>
-              <a:spcBef>
-                <a:spcPts val="600"/>
-              </a:spcBef>
-            </a:pPr>
-            <a:r>
-              <a:rPr lang="en-US" altLang="ko-KR" dirty="0" err="1" smtClean="0"/>
-              <a:t>ResultSet</a:t>
-            </a:r>
-            <a:r>
-              <a:rPr lang="en-US" altLang="ko-KR" dirty="0" smtClean="0"/>
-              <a:t> </a:t>
-            </a:r>
-            <a:r>
-              <a:rPr lang="ko-KR" altLang="en-US" dirty="0"/>
-              <a:t>객체는 ‘커서</a:t>
-            </a:r>
-            <a:r>
-              <a:rPr lang="en-US" altLang="ko-KR" dirty="0"/>
-              <a:t>(cursor)'</a:t>
-            </a:r>
-            <a:r>
-              <a:rPr lang="ko-KR" altLang="en-US" dirty="0"/>
-              <a:t>라 불리는 것을 가지고 있는데</a:t>
-            </a:r>
-            <a:r>
-              <a:rPr lang="en-US" altLang="ko-KR" dirty="0"/>
-              <a:t>, </a:t>
-            </a:r>
-            <a:r>
-              <a:rPr lang="ko-KR" altLang="en-US" dirty="0"/>
-              <a:t>이것을 사용해 </a:t>
-            </a:r>
-            <a:r>
-              <a:rPr lang="en-US" altLang="ko-KR" dirty="0" err="1"/>
-              <a:t>ResultSet</a:t>
-            </a:r>
-            <a:r>
-              <a:rPr lang="en-US" altLang="ko-KR" dirty="0"/>
-              <a:t> </a:t>
-            </a:r>
-            <a:r>
-              <a:rPr lang="ko-KR" altLang="en-US" dirty="0"/>
-              <a:t>객체에서 특정 레코드를 참조</a:t>
-            </a:r>
-          </a:p>
-          <a:p>
-            <a:pPr lvl="2">
-              <a:lnSpc>
-                <a:spcPct val="125000"/>
-              </a:lnSpc>
-              <a:spcBef>
-                <a:spcPts val="600"/>
-              </a:spcBef>
-            </a:pPr>
-            <a:r>
-              <a:rPr lang="en-US" altLang="ko-KR" dirty="0" err="1"/>
-              <a:t>ResultSet</a:t>
-            </a:r>
-            <a:r>
-              <a:rPr lang="en-US" altLang="ko-KR" dirty="0"/>
-              <a:t> </a:t>
-            </a:r>
-            <a:r>
-              <a:rPr lang="ko-KR" altLang="en-US" dirty="0"/>
-              <a:t>객체의 </a:t>
-            </a:r>
-            <a:r>
-              <a:rPr lang="en-US" altLang="ko-KR" dirty="0"/>
-              <a:t>next() </a:t>
-            </a:r>
-            <a:r>
-              <a:rPr lang="ko-KR" altLang="en-US" dirty="0" err="1"/>
-              <a:t>메소드를</a:t>
-            </a:r>
-            <a:r>
-              <a:rPr lang="ko-KR" altLang="en-US" dirty="0"/>
-              <a:t> 사용해서 다음 위치로 커서 이동</a:t>
-            </a:r>
-            <a:endParaRPr lang="en-US" altLang="ko-KR" dirty="0"/>
-          </a:p>
-          <a:p>
-            <a:pPr lvl="2">
-              <a:lnSpc>
-                <a:spcPct val="125000"/>
-              </a:lnSpc>
-              <a:spcBef>
-                <a:spcPts val="600"/>
-              </a:spcBef>
-            </a:pPr>
-            <a:endParaRPr lang="ko-KR" altLang="en-US" dirty="0"/>
-          </a:p>
-        </p:txBody>
-      </p:sp>
-      <p:pic>
-        <p:nvPicPr>
-          <p:cNvPr id="4" name="Picture 2"/>
-          <p:cNvPicPr>
-            <a:picLocks noChangeAspect="1" noChangeArrowheads="1"/>
-          </p:cNvPicPr>
-          <p:nvPr/>
-        </p:nvPicPr>
-        <p:blipFill>
-          <a:blip r:embed="rId2" cstate="print"/>
-          <a:srcRect/>
-          <a:stretch>
-            <a:fillRect/>
-          </a:stretch>
-        </p:blipFill>
-        <p:spPr bwMode="auto">
-          <a:xfrm>
-            <a:off x="1619671" y="4322605"/>
-            <a:ext cx="6041802" cy="1373434"/>
-          </a:xfrm>
-          <a:prstGeom prst="rect">
-            <a:avLst/>
-          </a:prstGeom>
-          <a:noFill/>
-          <a:ln w="9525">
-            <a:noFill/>
-            <a:miter lim="800000"/>
-            <a:headEnd/>
-            <a:tailEnd/>
-          </a:ln>
-        </p:spPr>
-      </p:pic>
-      <p:sp>
-        <p:nvSpPr>
-          <p:cNvPr id="5" name="직사각형 4"/>
-          <p:cNvSpPr/>
-          <p:nvPr/>
-        </p:nvSpPr>
-        <p:spPr>
-          <a:xfrm>
-            <a:off x="3099125" y="5826750"/>
-            <a:ext cx="3082895" cy="338554"/>
-          </a:xfrm>
-          <a:prstGeom prst="rect">
-            <a:avLst/>
-          </a:prstGeom>
-        </p:spPr>
-        <p:txBody>
-          <a:bodyPr wrap="none">
-            <a:spAutoFit/>
-          </a:bodyPr>
-          <a:lstStyle/>
-          <a:p>
-            <a:pPr algn="ctr"/>
-            <a:r>
-              <a:rPr lang="ko-KR" altLang="en-US" sz="1600" dirty="0" smtClean="0">
-                <a:solidFill>
-                  <a:srgbClr val="00AEEF"/>
-                </a:solidFill>
-              </a:rPr>
-              <a:t>▲</a:t>
-            </a:r>
-            <a:r>
-              <a:rPr lang="ko-KR" altLang="en-US" sz="1600" dirty="0" smtClean="0"/>
-              <a:t> </a:t>
-            </a:r>
-            <a:r>
-              <a:rPr lang="ko-KR" altLang="en-US" sz="1600" dirty="0" err="1" smtClean="0"/>
-              <a:t>레코드셋에서</a:t>
-            </a:r>
-            <a:r>
-              <a:rPr lang="ko-KR" altLang="en-US" sz="1600" dirty="0" smtClean="0"/>
-              <a:t> 초기 커서 위치</a:t>
-            </a:r>
-            <a:endParaRPr lang="ko-KR" altLang="en-US" sz="1600" dirty="0"/>
-          </a:p>
-        </p:txBody>
-      </p:sp>
-    </p:spTree>
-    <p:extLst>
-      <p:ext uri="{BB962C8B-B14F-4D97-AF65-F5344CB8AC3E}">
-        <p14:creationId xmlns:p14="http://schemas.microsoft.com/office/powerpoint/2010/main" val="2587245636"/>
-      </p:ext>
-    </p:extLst>
-  </p:cSld>
-  <p:clrMapOvr>
-    <a:masterClrMapping/>
-  </p:clrMapOvr>
-</p:sld>
-</file>
-
-<file path=ppt/slides/slide14.xml><?xml version="1.0" encoding="utf-8"?>
-<p:sld xmlns:a="http://schemas.openxmlformats.org/drawingml/2006/main" xmlns:r="http://schemas.openxmlformats.org/officeDocument/2006/relationships" xmlns:p="http://schemas.openxmlformats.org/presentationml/2006/main">
-  <p:cSld>
-    <p:spTree>
-      <p:nvGrpSpPr>
-        <p:cNvPr id="1" name=""/>
-        <p:cNvGrpSpPr/>
-        <p:nvPr/>
-      </p:nvGrpSpPr>
-      <p:grpSpPr>
-        <a:xfrm>
-          <a:off x="0" y="0"/>
-          <a:ext cx="0" cy="0"/>
-          <a:chOff x="0" y="0"/>
-          <a:chExt cx="0" cy="0"/>
-        </a:xfrm>
-      </p:grpSpPr>
-      <p:sp>
-        <p:nvSpPr>
-          <p:cNvPr id="2" name="제목 1"/>
-          <p:cNvSpPr>
-            <a:spLocks noGrp="1"/>
-          </p:cNvSpPr>
-          <p:nvPr>
-            <p:ph type="title"/>
-          </p:nvPr>
-        </p:nvSpPr>
-        <p:spPr/>
-        <p:txBody>
-          <a:bodyPr>
-            <a:normAutofit/>
-          </a:bodyPr>
-          <a:lstStyle/>
-          <a:p>
-            <a:r>
-              <a:rPr lang="en-US" altLang="ko-KR" dirty="0" err="1"/>
-              <a:t>JDBC</a:t>
-            </a:r>
-            <a:r>
-              <a:rPr lang="ko-KR" altLang="en-US" dirty="0"/>
-              <a:t>를 사용한 </a:t>
-            </a:r>
-            <a:r>
-              <a:rPr lang="en-US" altLang="ko-KR" dirty="0" err="1"/>
-              <a:t>JSP</a:t>
-            </a:r>
-            <a:r>
-              <a:rPr lang="ko-KR" altLang="en-US" dirty="0"/>
-              <a:t>와 데이터베이스의 </a:t>
-            </a:r>
-            <a:r>
-              <a:rPr lang="ko-KR" altLang="en-US" dirty="0" smtClean="0"/>
-              <a:t>연동</a:t>
-            </a:r>
-            <a:endParaRPr lang="ko-KR" altLang="en-US" dirty="0"/>
-          </a:p>
-        </p:txBody>
-      </p:sp>
-      <p:sp>
-        <p:nvSpPr>
-          <p:cNvPr id="3" name="내용 개체 틀 2"/>
-          <p:cNvSpPr>
-            <a:spLocks noGrp="1"/>
-          </p:cNvSpPr>
-          <p:nvPr>
-            <p:ph sz="quarter" idx="1"/>
-          </p:nvPr>
-        </p:nvSpPr>
-        <p:spPr/>
-        <p:txBody>
-          <a:bodyPr>
-            <a:normAutofit/>
-          </a:bodyPr>
-          <a:lstStyle/>
-          <a:p>
-            <a:pPr>
-              <a:lnSpc>
-                <a:spcPct val="125000"/>
-              </a:lnSpc>
-            </a:pPr>
-            <a:r>
-              <a:rPr lang="en-US" altLang="ko-KR" dirty="0" err="1"/>
-              <a:t>JSP</a:t>
-            </a:r>
-            <a:r>
-              <a:rPr lang="ko-KR" altLang="en-US" dirty="0"/>
-              <a:t> 페이지에서 테이블에 레코드 추가</a:t>
-            </a:r>
-          </a:p>
-          <a:p>
-            <a:pPr lvl="1">
-              <a:lnSpc>
-                <a:spcPct val="125000"/>
-              </a:lnSpc>
-            </a:pPr>
-            <a:r>
-              <a:rPr lang="ko-KR" altLang="en-US" dirty="0" smtClean="0"/>
-              <a:t>데이터베이스와 </a:t>
-            </a:r>
-            <a:r>
-              <a:rPr lang="ko-KR" altLang="en-US" dirty="0"/>
-              <a:t>커넥션을 설정한 후 </a:t>
-            </a:r>
-            <a:r>
-              <a:rPr lang="en-US" altLang="ko-KR" dirty="0"/>
-              <a:t>insert</a:t>
-            </a:r>
-            <a:r>
-              <a:rPr lang="ko-KR" altLang="en-US" dirty="0"/>
-              <a:t>문을 사용</a:t>
-            </a:r>
-          </a:p>
-          <a:p>
-            <a:pPr lvl="2">
-              <a:lnSpc>
-                <a:spcPct val="125000"/>
-              </a:lnSpc>
-            </a:pPr>
-            <a:r>
-              <a:rPr lang="ko-KR" altLang="en-US" dirty="0" smtClean="0"/>
-              <a:t>커넥션</a:t>
-            </a:r>
-            <a:endParaRPr lang="ko-KR" altLang="en-US" dirty="0"/>
-          </a:p>
-          <a:p>
-            <a:pPr lvl="3">
-              <a:lnSpc>
-                <a:spcPct val="125000"/>
-              </a:lnSpc>
-            </a:pPr>
-            <a:r>
-              <a:rPr lang="en-US" altLang="ko-KR" dirty="0"/>
-              <a:t>String </a:t>
-            </a:r>
-            <a:r>
-              <a:rPr lang="en-US" altLang="ko-KR" dirty="0" err="1"/>
-              <a:t>jdbcUrl</a:t>
-            </a:r>
-            <a:r>
-              <a:rPr lang="en-US" altLang="ko-KR" dirty="0"/>
-              <a:t>="</a:t>
-            </a:r>
-            <a:r>
-              <a:rPr lang="en-US" altLang="ko-KR" dirty="0" err="1"/>
-              <a:t>jdbc:mysql</a:t>
-            </a:r>
-            <a:r>
-              <a:rPr lang="en-US" altLang="ko-KR" dirty="0"/>
-              <a:t>://localhost:3306/</a:t>
-            </a:r>
-            <a:r>
-              <a:rPr lang="en-US" altLang="ko-KR" dirty="0" err="1"/>
-              <a:t>jsptest</a:t>
-            </a:r>
-            <a:r>
-              <a:rPr lang="en-US" altLang="ko-KR" dirty="0"/>
-              <a:t>"; //URL</a:t>
-            </a:r>
-            <a:endParaRPr lang="ko-KR" altLang="en-US" dirty="0"/>
-          </a:p>
-          <a:p>
-            <a:pPr lvl="3">
-              <a:lnSpc>
-                <a:spcPct val="125000"/>
-              </a:lnSpc>
-            </a:pPr>
-            <a:r>
-              <a:rPr lang="en-US" altLang="ko-KR" dirty="0"/>
-              <a:t>String </a:t>
-            </a:r>
-            <a:r>
-              <a:rPr lang="en-US" altLang="ko-KR" dirty="0" err="1"/>
-              <a:t>dbId</a:t>
-            </a:r>
-            <a:r>
-              <a:rPr lang="en-US" altLang="ko-KR" dirty="0"/>
-              <a:t>="</a:t>
-            </a:r>
-            <a:r>
-              <a:rPr lang="en-US" altLang="ko-KR" dirty="0" err="1"/>
-              <a:t>jspid</a:t>
-            </a:r>
-            <a:r>
-              <a:rPr lang="en-US" altLang="ko-KR" dirty="0"/>
-              <a:t>"; //</a:t>
-            </a:r>
-            <a:r>
-              <a:rPr lang="ko-KR" altLang="en-US" dirty="0"/>
-              <a:t>사용자 계정</a:t>
-            </a:r>
-          </a:p>
-          <a:p>
-            <a:pPr lvl="3">
-              <a:lnSpc>
-                <a:spcPct val="125000"/>
-              </a:lnSpc>
-            </a:pPr>
-            <a:r>
-              <a:rPr lang="en-US" altLang="ko-KR" dirty="0"/>
-              <a:t>String </a:t>
-            </a:r>
-            <a:r>
-              <a:rPr lang="en-US" altLang="ko-KR" dirty="0" err="1"/>
-              <a:t>dbPass</a:t>
-            </a:r>
-            <a:r>
-              <a:rPr lang="en-US" altLang="ko-KR" dirty="0"/>
-              <a:t>="</a:t>
-            </a:r>
-            <a:r>
-              <a:rPr lang="en-US" altLang="ko-KR" dirty="0" err="1"/>
-              <a:t>jsppass</a:t>
-            </a:r>
-            <a:r>
-              <a:rPr lang="en-US" altLang="ko-KR" dirty="0"/>
-              <a:t>"; //</a:t>
-            </a:r>
-            <a:r>
-              <a:rPr lang="ko-KR" altLang="en-US" dirty="0"/>
-              <a:t>계정 패스워드</a:t>
-            </a:r>
-          </a:p>
-          <a:p>
-            <a:pPr lvl="3">
-              <a:lnSpc>
-                <a:spcPct val="125000"/>
-              </a:lnSpc>
-            </a:pPr>
-            <a:r>
-              <a:rPr lang="en-US" altLang="ko-KR" dirty="0" err="1"/>
-              <a:t>Class.forName</a:t>
-            </a:r>
-            <a:r>
-              <a:rPr lang="en-US" altLang="ko-KR" dirty="0"/>
-              <a:t>("</a:t>
-            </a:r>
-            <a:r>
-              <a:rPr lang="en-US" altLang="ko-KR" dirty="0" err="1"/>
-              <a:t>com.mysql.jdbc.Driver</a:t>
-            </a:r>
-            <a:r>
-              <a:rPr lang="en-US" altLang="ko-KR" dirty="0"/>
-              <a:t>");</a:t>
-            </a:r>
-            <a:endParaRPr lang="ko-KR" altLang="en-US" dirty="0"/>
-          </a:p>
-          <a:p>
-            <a:pPr lvl="3">
-              <a:lnSpc>
-                <a:spcPct val="125000"/>
-              </a:lnSpc>
-            </a:pPr>
-            <a:r>
-              <a:rPr lang="en-US" altLang="ko-KR" dirty="0"/>
-              <a:t>conn=</a:t>
-            </a:r>
-            <a:r>
-              <a:rPr lang="en-US" altLang="ko-KR" dirty="0" err="1"/>
-              <a:t>DriverManager.getConnection</a:t>
-            </a:r>
-            <a:r>
-              <a:rPr lang="en-US" altLang="ko-KR" dirty="0"/>
-              <a:t>(</a:t>
-            </a:r>
-            <a:r>
-              <a:rPr lang="en-US" altLang="ko-KR" dirty="0" err="1"/>
-              <a:t>jdbcUrl,dbId</a:t>
-            </a:r>
-            <a:r>
-              <a:rPr lang="ko-KR" altLang="en-US" dirty="0"/>
-              <a:t> </a:t>
-            </a:r>
-            <a:r>
-              <a:rPr lang="en-US" altLang="ko-KR" dirty="0"/>
-              <a:t>,</a:t>
-            </a:r>
-            <a:r>
-              <a:rPr lang="en-US" altLang="ko-KR" dirty="0" err="1"/>
-              <a:t>dbPass</a:t>
-            </a:r>
-            <a:r>
-              <a:rPr lang="ko-KR" altLang="en-US" dirty="0"/>
-              <a:t> </a:t>
-            </a:r>
-            <a:r>
-              <a:rPr lang="en-US" altLang="ko-KR" dirty="0" smtClean="0"/>
-              <a:t>);</a:t>
-            </a:r>
-          </a:p>
-          <a:p>
-            <a:pPr lvl="2">
-              <a:lnSpc>
-                <a:spcPct val="125000"/>
-              </a:lnSpc>
-            </a:pPr>
-            <a:r>
-              <a:rPr lang="ko-KR" altLang="en-US" dirty="0"/>
-              <a:t>레코드 </a:t>
-            </a:r>
-            <a:r>
-              <a:rPr lang="ko-KR" altLang="en-US" dirty="0" smtClean="0"/>
-              <a:t>추가 쿼</a:t>
-            </a:r>
-            <a:r>
-              <a:rPr lang="ko-KR" altLang="en-US" dirty="0"/>
-              <a:t>리</a:t>
-            </a:r>
-          </a:p>
-          <a:p>
-            <a:pPr lvl="3">
-              <a:lnSpc>
-                <a:spcPct val="125000"/>
-              </a:lnSpc>
-            </a:pPr>
-            <a:r>
-              <a:rPr lang="en-US" altLang="ko-KR" dirty="0"/>
-              <a:t>String </a:t>
-            </a:r>
-            <a:r>
-              <a:rPr lang="en-US" altLang="ko-KR" dirty="0" err="1"/>
-              <a:t>sql</a:t>
-            </a:r>
-            <a:r>
-              <a:rPr lang="en-US" altLang="ko-KR" dirty="0"/>
-              <a:t>= "insert into member values </a:t>
-            </a:r>
-            <a:r>
-              <a:rPr lang="en-US" altLang="ko-KR" dirty="0" smtClean="0"/>
-              <a:t>(?,?,?,?)";</a:t>
-            </a:r>
-            <a:endParaRPr lang="en-US" altLang="ko-KR" dirty="0"/>
-          </a:p>
-          <a:p>
-            <a:pPr lvl="2">
-              <a:lnSpc>
-                <a:spcPct val="125000"/>
-              </a:lnSpc>
-            </a:pPr>
-            <a:r>
-              <a:rPr lang="ko-KR" altLang="en-US" dirty="0"/>
-              <a:t>쿼리 수행</a:t>
-            </a:r>
-          </a:p>
-          <a:p>
-            <a:pPr lvl="3">
-              <a:lnSpc>
-                <a:spcPct val="125000"/>
-              </a:lnSpc>
-            </a:pPr>
-            <a:r>
-              <a:rPr lang="en-US" altLang="ko-KR" dirty="0" err="1"/>
-              <a:t>pstmt.executeUpdate</a:t>
-            </a:r>
-            <a:r>
-              <a:rPr lang="en-US" altLang="ko-KR" dirty="0" smtClean="0"/>
-              <a:t>();</a:t>
-            </a:r>
-            <a:endParaRPr lang="en-US" altLang="ko-KR" dirty="0"/>
-          </a:p>
-        </p:txBody>
-      </p:sp>
-    </p:spTree>
-    <p:extLst>
-      <p:ext uri="{BB962C8B-B14F-4D97-AF65-F5344CB8AC3E}">
-        <p14:creationId xmlns:p14="http://schemas.microsoft.com/office/powerpoint/2010/main" val="642419532"/>
-      </p:ext>
-    </p:extLst>
-  </p:cSld>
-  <p:clrMapOvr>
-    <a:masterClrMapping/>
-  </p:clrMapOvr>
-</p:sld>
-</file>
-
-<file path=ppt/slides/slide15.xml><?xml version="1.0" encoding="utf-8"?>
-<p:sld xmlns:a="http://schemas.openxmlformats.org/drawingml/2006/main" xmlns:r="http://schemas.openxmlformats.org/officeDocument/2006/relationships" xmlns:p="http://schemas.openxmlformats.org/presentationml/2006/main">
-  <p:cSld>
-    <p:spTree>
-      <p:nvGrpSpPr>
-        <p:cNvPr id="1" name=""/>
-        <p:cNvGrpSpPr/>
-        <p:nvPr/>
-      </p:nvGrpSpPr>
-      <p:grpSpPr>
-        <a:xfrm>
-          <a:off x="0" y="0"/>
-          <a:ext cx="0" cy="0"/>
-          <a:chOff x="0" y="0"/>
-          <a:chExt cx="0" cy="0"/>
-        </a:xfrm>
-      </p:grpSpPr>
-      <p:sp>
-        <p:nvSpPr>
-          <p:cNvPr id="2" name="제목 1"/>
-          <p:cNvSpPr>
-            <a:spLocks noGrp="1"/>
-          </p:cNvSpPr>
-          <p:nvPr>
-            <p:ph type="title"/>
-          </p:nvPr>
-        </p:nvSpPr>
-        <p:spPr/>
-        <p:txBody>
-          <a:bodyPr>
-            <a:normAutofit/>
-          </a:bodyPr>
-          <a:lstStyle/>
-          <a:p>
-            <a:r>
-              <a:rPr lang="en-US" altLang="ko-KR" dirty="0" err="1"/>
-              <a:t>JDBC</a:t>
-            </a:r>
-            <a:r>
-              <a:rPr lang="ko-KR" altLang="en-US" dirty="0"/>
-              <a:t>를 사용한 </a:t>
-            </a:r>
-            <a:r>
-              <a:rPr lang="en-US" altLang="ko-KR" dirty="0" err="1"/>
-              <a:t>JSP</a:t>
-            </a:r>
-            <a:r>
-              <a:rPr lang="ko-KR" altLang="en-US" dirty="0"/>
-              <a:t>와 데이터베이스의 </a:t>
-            </a:r>
-            <a:r>
-              <a:rPr lang="ko-KR" altLang="en-US" dirty="0" smtClean="0"/>
-              <a:t>연동</a:t>
-            </a:r>
-            <a:endParaRPr lang="ko-KR" altLang="en-US" dirty="0"/>
-          </a:p>
-        </p:txBody>
-      </p:sp>
-      <p:sp>
-        <p:nvSpPr>
-          <p:cNvPr id="3" name="내용 개체 틀 2"/>
-          <p:cNvSpPr>
-            <a:spLocks noGrp="1"/>
-          </p:cNvSpPr>
-          <p:nvPr>
-            <p:ph sz="quarter" idx="1"/>
-          </p:nvPr>
-        </p:nvSpPr>
-        <p:spPr/>
-        <p:txBody>
-          <a:bodyPr>
-            <a:normAutofit fontScale="92500" lnSpcReduction="20000"/>
-          </a:bodyPr>
-          <a:lstStyle/>
-          <a:p>
-            <a:pPr>
-              <a:lnSpc>
-                <a:spcPct val="125000"/>
-              </a:lnSpc>
-            </a:pPr>
-            <a:r>
-              <a:rPr lang="en-US" altLang="ko-KR" dirty="0" err="1"/>
-              <a:t>JSP</a:t>
-            </a:r>
-            <a:r>
-              <a:rPr lang="en-US" altLang="ko-KR" dirty="0"/>
-              <a:t> </a:t>
-            </a:r>
-            <a:r>
-              <a:rPr lang="ko-KR" altLang="en-US" dirty="0"/>
-              <a:t>페이지에서 테이블의 레코드를 화면에 표시</a:t>
-            </a:r>
-          </a:p>
-          <a:p>
-            <a:pPr lvl="1">
-              <a:lnSpc>
-                <a:spcPct val="125000"/>
-              </a:lnSpc>
-            </a:pPr>
-            <a:r>
-              <a:rPr lang="ko-KR" altLang="en-US" dirty="0" smtClean="0"/>
-              <a:t>데이터베이스와 </a:t>
-            </a:r>
-            <a:r>
-              <a:rPr lang="ko-KR" altLang="en-US" dirty="0"/>
-              <a:t>커넥션을 설정한 후 </a:t>
-            </a:r>
-            <a:r>
-              <a:rPr lang="en-US" altLang="ko-KR" dirty="0"/>
-              <a:t>insert</a:t>
-            </a:r>
-            <a:r>
-              <a:rPr lang="ko-KR" altLang="en-US" dirty="0"/>
-              <a:t>문을 사용</a:t>
-            </a:r>
-          </a:p>
-          <a:p>
-            <a:pPr lvl="2">
-              <a:lnSpc>
-                <a:spcPct val="125000"/>
-              </a:lnSpc>
-            </a:pPr>
-            <a:r>
-              <a:rPr lang="ko-KR" altLang="en-US" dirty="0" smtClean="0"/>
-              <a:t>커넥션</a:t>
-            </a:r>
-            <a:endParaRPr lang="en-US" altLang="ko-KR" dirty="0" smtClean="0"/>
-          </a:p>
-          <a:p>
-            <a:pPr lvl="3">
-              <a:lnSpc>
-                <a:spcPct val="125000"/>
-              </a:lnSpc>
-            </a:pPr>
-            <a:r>
-              <a:rPr lang="ko-KR" altLang="en-US" dirty="0" err="1" smtClean="0"/>
-              <a:t>앞페이지와</a:t>
-            </a:r>
-            <a:r>
-              <a:rPr lang="ko-KR" altLang="en-US" dirty="0" smtClean="0"/>
-              <a:t> 동일</a:t>
-            </a:r>
-            <a:endParaRPr lang="ko-KR" altLang="en-US" dirty="0"/>
-          </a:p>
-          <a:p>
-            <a:pPr lvl="2">
-              <a:lnSpc>
-                <a:spcPct val="125000"/>
-              </a:lnSpc>
-            </a:pPr>
-            <a:r>
-              <a:rPr lang="ko-KR" altLang="en-US" dirty="0"/>
-              <a:t>레코드 </a:t>
-            </a:r>
-            <a:r>
-              <a:rPr lang="ko-KR" altLang="en-US" dirty="0" smtClean="0"/>
-              <a:t>검색 쿼리 작성</a:t>
-            </a:r>
-            <a:endParaRPr lang="ko-KR" altLang="en-US" dirty="0"/>
-          </a:p>
-          <a:p>
-            <a:pPr lvl="3">
-              <a:lnSpc>
-                <a:spcPct val="125000"/>
-              </a:lnSpc>
-            </a:pPr>
-            <a:r>
-              <a:rPr lang="en-US" altLang="ko-KR" dirty="0"/>
-              <a:t>String </a:t>
-            </a:r>
-            <a:r>
-              <a:rPr lang="en-US" altLang="ko-KR" dirty="0" err="1"/>
-              <a:t>sql</a:t>
-            </a:r>
-            <a:r>
-              <a:rPr lang="en-US" altLang="ko-KR" dirty="0"/>
-              <a:t>= "select * from member";</a:t>
-            </a:r>
-          </a:p>
-          <a:p>
-            <a:pPr lvl="2">
-              <a:lnSpc>
-                <a:spcPct val="125000"/>
-              </a:lnSpc>
-            </a:pPr>
-            <a:r>
-              <a:rPr lang="ko-KR" altLang="en-US" dirty="0"/>
-              <a:t>쿼리 수행</a:t>
-            </a:r>
-          </a:p>
-          <a:p>
-            <a:pPr lvl="3">
-              <a:lnSpc>
-                <a:spcPct val="125000"/>
-              </a:lnSpc>
-            </a:pPr>
-            <a:r>
-              <a:rPr lang="en-US" altLang="ko-KR" dirty="0" err="1"/>
-              <a:t>rs</a:t>
-            </a:r>
-            <a:r>
-              <a:rPr lang="en-US" altLang="ko-KR" dirty="0"/>
-              <a:t>=</a:t>
-            </a:r>
-            <a:r>
-              <a:rPr lang="en-US" altLang="ko-KR" dirty="0" err="1"/>
-              <a:t>pstmt.executeQuery</a:t>
-            </a:r>
-            <a:r>
-              <a:rPr lang="en-US" altLang="ko-KR" dirty="0" smtClean="0"/>
-              <a:t>();</a:t>
-            </a:r>
-          </a:p>
-          <a:p>
-            <a:pPr lvl="2">
-              <a:lnSpc>
-                <a:spcPct val="125000"/>
-              </a:lnSpc>
-            </a:pPr>
-            <a:r>
-              <a:rPr lang="ko-KR" altLang="en-US" dirty="0" err="1"/>
-              <a:t>레코드셋</a:t>
-            </a:r>
-            <a:r>
-              <a:rPr lang="ko-KR" altLang="en-US" dirty="0"/>
-              <a:t> 처리</a:t>
-            </a:r>
-          </a:p>
-          <a:p>
-            <a:pPr marL="868680" lvl="3" indent="0">
-              <a:lnSpc>
-                <a:spcPct val="125000"/>
-              </a:lnSpc>
-              <a:buNone/>
-            </a:pPr>
-            <a:r>
-              <a:rPr lang="en-US" altLang="ko-KR" dirty="0"/>
-              <a:t>while(</a:t>
-            </a:r>
-            <a:r>
-              <a:rPr lang="en-US" altLang="ko-KR" dirty="0" err="1"/>
-              <a:t>rs.next</a:t>
-            </a:r>
-            <a:r>
-              <a:rPr lang="en-US" altLang="ko-KR" dirty="0"/>
-              <a:t>()){</a:t>
-            </a:r>
-          </a:p>
-          <a:p>
-            <a:pPr marL="868680" lvl="3" indent="0">
-              <a:lnSpc>
-                <a:spcPct val="125000"/>
-              </a:lnSpc>
-              <a:buNone/>
-            </a:pPr>
-            <a:r>
-              <a:rPr lang="en-US" altLang="ko-KR" dirty="0" smtClean="0"/>
-              <a:t>	   String </a:t>
-            </a:r>
-            <a:r>
-              <a:rPr lang="en-US" altLang="ko-KR" dirty="0"/>
-              <a:t>id= </a:t>
-            </a:r>
-            <a:r>
-              <a:rPr lang="en-US" altLang="ko-KR" dirty="0" err="1"/>
-              <a:t>rs.getString</a:t>
-            </a:r>
-            <a:r>
-              <a:rPr lang="en-US" altLang="ko-KR" dirty="0"/>
-              <a:t>("id");</a:t>
-            </a:r>
-          </a:p>
-          <a:p>
-            <a:pPr marL="868680" lvl="3" indent="0">
-              <a:lnSpc>
-                <a:spcPct val="125000"/>
-              </a:lnSpc>
-              <a:buNone/>
-            </a:pPr>
-            <a:r>
-              <a:rPr lang="en-US" altLang="ko-KR" dirty="0" smtClean="0"/>
-              <a:t>    String </a:t>
-            </a:r>
-            <a:r>
-              <a:rPr lang="en-US" altLang="ko-KR" dirty="0" err="1"/>
-              <a:t>passwd</a:t>
-            </a:r>
-            <a:r>
-              <a:rPr lang="en-US" altLang="ko-KR" dirty="0"/>
-              <a:t>= </a:t>
-            </a:r>
-            <a:r>
-              <a:rPr lang="en-US" altLang="ko-KR" dirty="0" err="1"/>
-              <a:t>rs.getString</a:t>
-            </a:r>
-            <a:r>
-              <a:rPr lang="en-US" altLang="ko-KR" dirty="0"/>
-              <a:t>("</a:t>
-            </a:r>
-            <a:r>
-              <a:rPr lang="en-US" altLang="ko-KR" dirty="0" err="1"/>
-              <a:t>passwd</a:t>
-            </a:r>
-            <a:r>
-              <a:rPr lang="en-US" altLang="ko-KR" dirty="0"/>
-              <a:t>");</a:t>
-            </a:r>
-          </a:p>
-          <a:p>
-            <a:pPr marL="868680" lvl="3" indent="0">
-              <a:lnSpc>
-                <a:spcPct val="125000"/>
-              </a:lnSpc>
-              <a:buNone/>
-            </a:pPr>
-            <a:r>
-              <a:rPr lang="en-US" altLang="ko-KR" dirty="0"/>
-              <a:t>....</a:t>
-            </a:r>
-          </a:p>
-          <a:p>
-            <a:pPr marL="868680" lvl="3" indent="0">
-              <a:lnSpc>
-                <a:spcPct val="125000"/>
-              </a:lnSpc>
-              <a:buNone/>
-            </a:pPr>
-            <a:r>
-              <a:rPr lang="en-US" altLang="ko-KR" dirty="0" smtClean="0"/>
-              <a:t>}</a:t>
-            </a:r>
-            <a:endParaRPr lang="en-US" altLang="ko-KR" dirty="0"/>
-          </a:p>
-        </p:txBody>
-      </p:sp>
-    </p:spTree>
-    <p:extLst>
-      <p:ext uri="{BB962C8B-B14F-4D97-AF65-F5344CB8AC3E}">
-        <p14:creationId xmlns:p14="http://schemas.microsoft.com/office/powerpoint/2010/main" val="2518158633"/>
-      </p:ext>
-    </p:extLst>
-  </p:cSld>
-  <p:clrMapOvr>
-    <a:masterClrMapping/>
-  </p:clrMapOvr>
-</p:sld>
-</file>
-
-<file path=ppt/slides/slide16.xml><?xml version="1.0" encoding="utf-8"?>
-<p:sld xmlns:a="http://schemas.openxmlformats.org/drawingml/2006/main" xmlns:r="http://schemas.openxmlformats.org/officeDocument/2006/relationships" xmlns:p="http://schemas.openxmlformats.org/presentationml/2006/main">
-  <p:cSld>
-    <p:spTree>
-      <p:nvGrpSpPr>
-        <p:cNvPr id="1" name=""/>
-        <p:cNvGrpSpPr/>
-        <p:nvPr/>
-      </p:nvGrpSpPr>
-      <p:grpSpPr>
-        <a:xfrm>
-          <a:off x="0" y="0"/>
-          <a:ext cx="0" cy="0"/>
-          <a:chOff x="0" y="0"/>
-          <a:chExt cx="0" cy="0"/>
-        </a:xfrm>
-      </p:grpSpPr>
-      <p:sp>
-        <p:nvSpPr>
-          <p:cNvPr id="2" name="제목 1"/>
-          <p:cNvSpPr>
-            <a:spLocks noGrp="1"/>
-          </p:cNvSpPr>
-          <p:nvPr>
-            <p:ph type="title"/>
-          </p:nvPr>
-        </p:nvSpPr>
-        <p:spPr/>
-        <p:txBody>
-          <a:bodyPr>
-            <a:normAutofit/>
-          </a:bodyPr>
-          <a:lstStyle/>
-          <a:p>
-            <a:r>
-              <a:rPr lang="en-US" altLang="ko-KR" dirty="0" err="1"/>
-              <a:t>JDBC</a:t>
-            </a:r>
-            <a:r>
-              <a:rPr lang="ko-KR" altLang="en-US" dirty="0"/>
-              <a:t>를 사용한 </a:t>
-            </a:r>
-            <a:r>
-              <a:rPr lang="en-US" altLang="ko-KR" dirty="0" err="1"/>
-              <a:t>JSP</a:t>
-            </a:r>
-            <a:r>
-              <a:rPr lang="ko-KR" altLang="en-US" dirty="0"/>
-              <a:t>와 데이터베이스의 </a:t>
-            </a:r>
-            <a:r>
-              <a:rPr lang="ko-KR" altLang="en-US" dirty="0" smtClean="0"/>
-              <a:t>연동</a:t>
-            </a:r>
-            <a:endParaRPr lang="ko-KR" altLang="en-US" dirty="0"/>
-          </a:p>
-        </p:txBody>
-      </p:sp>
-      <p:sp>
-        <p:nvSpPr>
-          <p:cNvPr id="3" name="내용 개체 틀 2"/>
-          <p:cNvSpPr>
-            <a:spLocks noGrp="1"/>
-          </p:cNvSpPr>
-          <p:nvPr>
-            <p:ph sz="quarter" idx="1"/>
-          </p:nvPr>
-        </p:nvSpPr>
-        <p:spPr/>
-        <p:txBody>
-          <a:bodyPr>
-            <a:normAutofit/>
-          </a:bodyPr>
-          <a:lstStyle/>
-          <a:p>
-            <a:pPr>
-              <a:lnSpc>
-                <a:spcPct val="125000"/>
-              </a:lnSpc>
-            </a:pPr>
-            <a:r>
-              <a:rPr lang="en-US" altLang="ko-KR" dirty="0" err="1"/>
-              <a:t>JSP</a:t>
-            </a:r>
-            <a:r>
-              <a:rPr lang="en-US" altLang="ko-KR" dirty="0"/>
-              <a:t> </a:t>
-            </a:r>
-            <a:r>
-              <a:rPr lang="ko-KR" altLang="en-US" dirty="0"/>
-              <a:t>페이지에서 테이블에 저장된 레코드 </a:t>
-            </a:r>
-            <a:r>
-              <a:rPr lang="ko-KR" altLang="en-US" dirty="0" smtClean="0"/>
-              <a:t>수정</a:t>
-            </a:r>
-            <a:r>
-              <a:rPr lang="en-US" altLang="ko-KR" dirty="0" smtClean="0"/>
-              <a:t>/</a:t>
-            </a:r>
-            <a:r>
-              <a:rPr lang="ko-KR" altLang="en-US" dirty="0" smtClean="0"/>
-              <a:t>삭제</a:t>
-            </a:r>
-            <a:endParaRPr lang="ko-KR" altLang="en-US" dirty="0"/>
-          </a:p>
-          <a:p>
-            <a:pPr lvl="1">
-              <a:lnSpc>
-                <a:spcPct val="125000"/>
-              </a:lnSpc>
-            </a:pPr>
-            <a:r>
-              <a:rPr lang="ko-KR" altLang="en-US" dirty="0" smtClean="0"/>
-              <a:t>데이터베이스와 </a:t>
-            </a:r>
-            <a:r>
-              <a:rPr lang="ko-KR" altLang="en-US" dirty="0"/>
-              <a:t>커넥션을 설정한 후 </a:t>
-            </a:r>
-            <a:r>
-              <a:rPr lang="en-US" altLang="ko-KR" dirty="0" smtClean="0"/>
-              <a:t>update/delete</a:t>
-            </a:r>
-            <a:r>
-              <a:rPr lang="ko-KR" altLang="en-US" dirty="0" smtClean="0"/>
-              <a:t>문을 </a:t>
-            </a:r>
-            <a:r>
-              <a:rPr lang="ko-KR" altLang="en-US" dirty="0"/>
-              <a:t>사용</a:t>
-            </a:r>
-          </a:p>
-          <a:p>
-            <a:pPr lvl="2">
-              <a:lnSpc>
-                <a:spcPct val="125000"/>
-              </a:lnSpc>
-            </a:pPr>
-            <a:r>
-              <a:rPr lang="ko-KR" altLang="en-US" dirty="0" smtClean="0"/>
-              <a:t>커넥션</a:t>
-            </a:r>
-            <a:endParaRPr lang="en-US" altLang="ko-KR" dirty="0" smtClean="0"/>
-          </a:p>
-          <a:p>
-            <a:pPr lvl="3">
-              <a:lnSpc>
-                <a:spcPct val="125000"/>
-              </a:lnSpc>
-            </a:pPr>
-            <a:r>
-              <a:rPr lang="ko-KR" altLang="en-US" dirty="0" err="1" smtClean="0"/>
-              <a:t>앞페이지와</a:t>
-            </a:r>
-            <a:r>
-              <a:rPr lang="ko-KR" altLang="en-US" dirty="0" smtClean="0"/>
-              <a:t> 동일</a:t>
-            </a:r>
-            <a:endParaRPr lang="ko-KR" altLang="en-US" dirty="0"/>
-          </a:p>
-          <a:p>
-            <a:pPr lvl="2">
-              <a:lnSpc>
-                <a:spcPct val="125000"/>
-              </a:lnSpc>
-            </a:pPr>
-            <a:r>
-              <a:rPr lang="ko-KR" altLang="en-US" dirty="0" smtClean="0"/>
-              <a:t>레코드 수정</a:t>
-            </a:r>
-            <a:r>
-              <a:rPr lang="en-US" altLang="ko-KR" dirty="0" smtClean="0"/>
-              <a:t>/</a:t>
-            </a:r>
-            <a:r>
-              <a:rPr lang="ko-KR" altLang="en-US" dirty="0" smtClean="0"/>
-              <a:t>삭제 쿼리 작성</a:t>
-            </a:r>
-            <a:endParaRPr lang="en-US" altLang="ko-KR" dirty="0" smtClean="0"/>
-          </a:p>
-          <a:p>
-            <a:pPr lvl="3">
-              <a:lnSpc>
-                <a:spcPct val="125000"/>
-              </a:lnSpc>
-            </a:pPr>
-            <a:r>
-              <a:rPr lang="en-US" altLang="ko-KR" dirty="0" err="1"/>
-              <a:t>sql</a:t>
-            </a:r>
-            <a:r>
-              <a:rPr lang="en-US" altLang="ko-KR" dirty="0"/>
-              <a:t>= </a:t>
-            </a:r>
-            <a:r>
-              <a:rPr lang="en-US" altLang="ko-KR" dirty="0" smtClean="0"/>
-              <a:t>“</a:t>
-            </a:r>
-            <a:r>
-              <a:rPr lang="en-US" altLang="ko-KR" dirty="0"/>
-              <a:t>update member set name</a:t>
-            </a:r>
-            <a:r>
-              <a:rPr lang="en-US" altLang="ko-KR" dirty="0" smtClean="0"/>
-              <a:t>=? where </a:t>
-            </a:r>
-            <a:r>
-              <a:rPr lang="en-US" altLang="ko-KR" dirty="0"/>
-              <a:t>id= ? </a:t>
-            </a:r>
-            <a:r>
-              <a:rPr lang="en-US" altLang="ko-KR" dirty="0" smtClean="0"/>
-              <a:t>";</a:t>
-            </a:r>
-            <a:endParaRPr lang="en-US" altLang="ko-KR" dirty="0"/>
-          </a:p>
-          <a:p>
-            <a:pPr lvl="3">
-              <a:lnSpc>
-                <a:spcPct val="125000"/>
-              </a:lnSpc>
-            </a:pPr>
-            <a:r>
-              <a:rPr lang="en-US" altLang="ko-KR" dirty="0" err="1" smtClean="0"/>
-              <a:t>sql</a:t>
-            </a:r>
-            <a:r>
-              <a:rPr lang="en-US" altLang="ko-KR" dirty="0"/>
-              <a:t>= "delete from member where id= ? </a:t>
-            </a:r>
-            <a:r>
-              <a:rPr lang="en-US" altLang="ko-KR" dirty="0" smtClean="0"/>
-              <a:t>";</a:t>
-            </a:r>
-            <a:endParaRPr lang="en-US" altLang="ko-KR" dirty="0"/>
-          </a:p>
-          <a:p>
-            <a:pPr lvl="2">
-              <a:lnSpc>
-                <a:spcPct val="125000"/>
-              </a:lnSpc>
-            </a:pPr>
-            <a:r>
-              <a:rPr lang="ko-KR" altLang="en-US" dirty="0"/>
-              <a:t>쿼리 수행</a:t>
-            </a:r>
-          </a:p>
-          <a:p>
-            <a:pPr lvl="3">
-              <a:lnSpc>
-                <a:spcPct val="125000"/>
-              </a:lnSpc>
-            </a:pPr>
-            <a:r>
-              <a:rPr lang="en-US" altLang="ko-KR" dirty="0" err="1"/>
-              <a:t>pstmt.executeUpdate</a:t>
-            </a:r>
-            <a:r>
-              <a:rPr lang="en-US" altLang="ko-KR" dirty="0"/>
-              <a:t>();</a:t>
-            </a:r>
-          </a:p>
-        </p:txBody>
-      </p:sp>
-    </p:spTree>
-    <p:extLst>
-      <p:ext uri="{BB962C8B-B14F-4D97-AF65-F5344CB8AC3E}">
-        <p14:creationId xmlns:p14="http://schemas.microsoft.com/office/powerpoint/2010/main" val="1545885646"/>
-      </p:ext>
-    </p:extLst>
-  </p:cSld>
-  <p:clrMapOvr>
-    <a:masterClrMapping/>
-  </p:clrMapOvr>
-</p:sld>
-</file>
-
-<file path=ppt/slides/slide17.xml><?xml version="1.0" encoding="utf-8"?>
-<p:sld xmlns:a="http://schemas.openxmlformats.org/drawingml/2006/main" xmlns:r="http://schemas.openxmlformats.org/officeDocument/2006/relationships" xmlns:p="http://schemas.openxmlformats.org/presentationml/2006/main">
-  <p:cSld>
-    <p:spTree>
-      <p:nvGrpSpPr>
-        <p:cNvPr id="1" name=""/>
-        <p:cNvGrpSpPr/>
-        <p:nvPr/>
-      </p:nvGrpSpPr>
-      <p:grpSpPr>
-        <a:xfrm>
-          <a:off x="0" y="0"/>
-          <a:ext cx="0" cy="0"/>
-          <a:chOff x="0" y="0"/>
-          <a:chExt cx="0" cy="0"/>
-        </a:xfrm>
-      </p:grpSpPr>
-      <p:sp>
-        <p:nvSpPr>
-          <p:cNvPr id="2" name="제목 1"/>
-          <p:cNvSpPr>
-            <a:spLocks noGrp="1"/>
-          </p:cNvSpPr>
-          <p:nvPr>
-            <p:ph type="title"/>
-          </p:nvPr>
-        </p:nvSpPr>
-        <p:spPr/>
-        <p:txBody>
-          <a:bodyPr>
-            <a:normAutofit/>
-          </a:bodyPr>
-          <a:lstStyle/>
-          <a:p>
-            <a:r>
-              <a:rPr lang="en-US" altLang="ko-KR" dirty="0"/>
-              <a:t>Connection pools</a:t>
-            </a:r>
-            <a:endParaRPr lang="ko-KR" altLang="en-US" dirty="0"/>
-          </a:p>
-        </p:txBody>
-      </p:sp>
-      <p:sp>
-        <p:nvSpPr>
-          <p:cNvPr id="3" name="내용 개체 틀 2"/>
-          <p:cNvSpPr>
-            <a:spLocks noGrp="1"/>
-          </p:cNvSpPr>
-          <p:nvPr>
-            <p:ph sz="quarter" idx="1"/>
-          </p:nvPr>
-        </p:nvSpPr>
-        <p:spPr/>
-        <p:txBody>
-          <a:bodyPr>
-            <a:normAutofit/>
-          </a:bodyPr>
-          <a:lstStyle/>
-          <a:p>
-            <a:pPr>
-              <a:lnSpc>
-                <a:spcPct val="150000"/>
-              </a:lnSpc>
-            </a:pPr>
-            <a:r>
-              <a:rPr lang="en-US" altLang="ko-KR" dirty="0"/>
-              <a:t>Connection </a:t>
-            </a:r>
-            <a:r>
-              <a:rPr lang="ko-KR" altLang="en-US" dirty="0"/>
-              <a:t> </a:t>
-            </a:r>
-            <a:r>
-              <a:rPr lang="ko-KR" altLang="en-US" dirty="0" smtClean="0"/>
-              <a:t>객체</a:t>
-            </a:r>
-            <a:endParaRPr lang="en-US" altLang="ko-KR" dirty="0" smtClean="0"/>
-          </a:p>
-          <a:p>
-            <a:pPr lvl="1">
-              <a:lnSpc>
-                <a:spcPct val="150000"/>
-              </a:lnSpc>
-            </a:pPr>
-            <a:r>
-              <a:rPr lang="ko-KR" altLang="en-US" dirty="0" smtClean="0"/>
-              <a:t>데이터베이스 </a:t>
-            </a:r>
-            <a:r>
-              <a:rPr lang="ko-KR" altLang="en-US" dirty="0"/>
-              <a:t>커넥션은 데이터베이스에 한번 연결하기 위한 작업</a:t>
-            </a:r>
-          </a:p>
-          <a:p>
-            <a:pPr lvl="1">
-              <a:lnSpc>
-                <a:spcPct val="150000"/>
-              </a:lnSpc>
-            </a:pPr>
-            <a:r>
-              <a:rPr lang="en-US" altLang="ko-KR" dirty="0"/>
-              <a:t>Connection </a:t>
-            </a:r>
-            <a:r>
-              <a:rPr lang="ko-KR" altLang="en-US" dirty="0"/>
-              <a:t> 객체는 새롭게 만들어질 때 많은 시스템 자원을 요구</a:t>
-            </a:r>
-            <a:r>
-              <a:rPr lang="en-US" altLang="ko-KR" dirty="0"/>
-              <a:t>.</a:t>
-            </a:r>
-          </a:p>
-          <a:p>
-            <a:pPr lvl="1">
-              <a:lnSpc>
-                <a:spcPct val="150000"/>
-              </a:lnSpc>
-            </a:pPr>
-            <a:r>
-              <a:rPr lang="ko-KR" altLang="en-US" dirty="0" smtClean="0"/>
-              <a:t>이러한 </a:t>
-            </a:r>
-            <a:r>
-              <a:rPr lang="ko-KR" altLang="en-US" dirty="0"/>
-              <a:t>작업들을 매번 새로운 데이터베이스 연결에 대한 요청이 들어올 때 마다 수행하는 것은 시스템에 과부하를 줌</a:t>
-            </a:r>
-          </a:p>
-          <a:p>
-            <a:pPr lvl="1">
-              <a:lnSpc>
-                <a:spcPct val="150000"/>
-              </a:lnSpc>
-            </a:pPr>
-            <a:r>
-              <a:rPr lang="ko-KR" altLang="en-US" dirty="0" smtClean="0"/>
-              <a:t>커넥션 </a:t>
-            </a:r>
-            <a:r>
-              <a:rPr lang="ko-KR" altLang="en-US" dirty="0"/>
-              <a:t>풀을 사용해서 </a:t>
-            </a:r>
-            <a:r>
-              <a:rPr lang="ko-KR" altLang="en-US" dirty="0" smtClean="0"/>
-              <a:t>개선</a:t>
-            </a:r>
-            <a:endParaRPr lang="ko-KR" altLang="en-US" dirty="0"/>
-          </a:p>
-        </p:txBody>
-      </p:sp>
-    </p:spTree>
-    <p:extLst>
-      <p:ext uri="{BB962C8B-B14F-4D97-AF65-F5344CB8AC3E}">
-        <p14:creationId xmlns:p14="http://schemas.microsoft.com/office/powerpoint/2010/main" val="3868063092"/>
-      </p:ext>
-    </p:extLst>
-  </p:cSld>
-  <p:clrMapOvr>
-    <a:masterClrMapping/>
-  </p:clrMapOvr>
-</p:sld>
-</file>
-
-<file path=ppt/slides/slide18.xml><?xml version="1.0" encoding="utf-8"?>
-<p:sld xmlns:a="http://schemas.openxmlformats.org/drawingml/2006/main" xmlns:r="http://schemas.openxmlformats.org/officeDocument/2006/relationships" xmlns:p="http://schemas.openxmlformats.org/presentationml/2006/main">
-  <p:cSld>
-    <p:spTree>
-      <p:nvGrpSpPr>
-        <p:cNvPr id="1" name=""/>
-        <p:cNvGrpSpPr/>
-        <p:nvPr/>
-      </p:nvGrpSpPr>
-      <p:grpSpPr>
-        <a:xfrm>
-          <a:off x="0" y="0"/>
-          <a:ext cx="0" cy="0"/>
-          <a:chOff x="0" y="0"/>
-          <a:chExt cx="0" cy="0"/>
-        </a:xfrm>
-      </p:grpSpPr>
-      <p:sp>
-        <p:nvSpPr>
-          <p:cNvPr id="2" name="제목 1"/>
-          <p:cNvSpPr>
-            <a:spLocks noGrp="1"/>
-          </p:cNvSpPr>
-          <p:nvPr>
-            <p:ph type="title"/>
-          </p:nvPr>
-        </p:nvSpPr>
-        <p:spPr/>
-        <p:txBody>
-          <a:bodyPr>
-            <a:normAutofit/>
-          </a:bodyPr>
-          <a:lstStyle/>
-          <a:p>
-            <a:r>
-              <a:rPr lang="en-US" altLang="ko-KR" dirty="0" smtClean="0"/>
-              <a:t>Connection pools</a:t>
-            </a:r>
-            <a:endParaRPr lang="ko-KR" altLang="en-US" dirty="0"/>
-          </a:p>
-        </p:txBody>
-      </p:sp>
-      <p:sp>
-        <p:nvSpPr>
-          <p:cNvPr id="3" name="내용 개체 틀 2"/>
-          <p:cNvSpPr>
-            <a:spLocks noGrp="1"/>
-          </p:cNvSpPr>
-          <p:nvPr>
-            <p:ph sz="quarter" idx="1"/>
-          </p:nvPr>
-        </p:nvSpPr>
-        <p:spPr/>
-        <p:txBody>
-          <a:bodyPr>
-            <a:normAutofit/>
-          </a:bodyPr>
-          <a:lstStyle/>
-          <a:p>
-            <a:r>
-              <a:rPr lang="ko-KR" altLang="en-US" dirty="0" smtClean="0"/>
-              <a:t>커넥션 </a:t>
-            </a:r>
-            <a:r>
-              <a:rPr lang="ko-KR" altLang="en-US" dirty="0"/>
-              <a:t>풀</a:t>
-            </a:r>
-            <a:r>
-              <a:rPr lang="en-US" altLang="ko-KR" dirty="0"/>
-              <a:t>(connection pools) </a:t>
-            </a:r>
-            <a:endParaRPr lang="en-US" altLang="ko-KR" dirty="0" smtClean="0"/>
-          </a:p>
-          <a:p>
-            <a:pPr lvl="1">
-              <a:spcBef>
-                <a:spcPts val="600"/>
-              </a:spcBef>
-            </a:pPr>
-            <a:r>
-              <a:rPr lang="ko-KR" altLang="en-US" dirty="0" smtClean="0"/>
-              <a:t>커넥션 </a:t>
-            </a:r>
-            <a:r>
-              <a:rPr lang="ko-KR" altLang="en-US" dirty="0"/>
-              <a:t>풀에 커넥션 객체들을 만들어 놓은 후</a:t>
-            </a:r>
-            <a:r>
-              <a:rPr lang="en-US" altLang="ko-KR" dirty="0"/>
-              <a:t>, </a:t>
-            </a:r>
-            <a:r>
-              <a:rPr lang="ko-KR" altLang="en-US" dirty="0"/>
-              <a:t>커넥션 객체가 필요한 경우 작성한 객체를 할당해 주고</a:t>
-            </a:r>
-            <a:r>
-              <a:rPr lang="en-US" altLang="ko-KR" dirty="0"/>
-              <a:t>, </a:t>
-            </a:r>
-            <a:r>
-              <a:rPr lang="ko-KR" altLang="en-US" dirty="0"/>
-              <a:t>사용이 끝난 후에는 다시 커넥션 풀로 회수 하는 </a:t>
-            </a:r>
-            <a:r>
-              <a:rPr lang="ko-KR" altLang="en-US" dirty="0" smtClean="0"/>
-              <a:t>방법</a:t>
-            </a:r>
-            <a:r>
-              <a:rPr lang="en-US" altLang="ko-KR" dirty="0" smtClean="0"/>
-              <a:t> </a:t>
-            </a:r>
-            <a:endParaRPr lang="en-US" altLang="ko-KR" dirty="0"/>
-          </a:p>
-          <a:p>
-            <a:pPr lvl="1">
-              <a:spcBef>
-                <a:spcPts val="600"/>
-              </a:spcBef>
-            </a:pPr>
-            <a:r>
-              <a:rPr lang="ko-KR" altLang="en-US" dirty="0"/>
-              <a:t>한번 만들어져서 사용된 커넥션 객체는 다시 커넥션 풀</a:t>
-            </a:r>
-            <a:r>
-              <a:rPr lang="en-US" altLang="ko-KR" dirty="0"/>
-              <a:t>(connection pools)</a:t>
-            </a:r>
-            <a:r>
-              <a:rPr lang="ko-KR" altLang="en-US" dirty="0"/>
-              <a:t>로 </a:t>
-            </a:r>
-            <a:r>
-              <a:rPr lang="ko-KR" altLang="en-US" dirty="0" smtClean="0"/>
-              <a:t>회수</a:t>
-            </a:r>
-            <a:endParaRPr lang="en-US" altLang="ko-KR" dirty="0" smtClean="0"/>
-          </a:p>
-          <a:p>
-            <a:pPr lvl="1">
-              <a:spcBef>
-                <a:spcPts val="600"/>
-              </a:spcBef>
-            </a:pPr>
-            <a:r>
-              <a:rPr lang="en-US" altLang="ko-KR" dirty="0"/>
-              <a:t>service()</a:t>
-            </a:r>
-            <a:r>
-              <a:rPr lang="ko-KR" altLang="en-US" dirty="0" err="1"/>
-              <a:t>메소드</a:t>
-            </a:r>
-            <a:r>
-              <a:rPr lang="en-US" altLang="ko-KR" dirty="0"/>
-              <a:t>(</a:t>
-            </a:r>
-            <a:r>
-              <a:rPr lang="ko-KR" altLang="en-US" dirty="0"/>
-              <a:t>사용자 요청</a:t>
-            </a:r>
-            <a:r>
-              <a:rPr lang="en-US" altLang="ko-KR" dirty="0"/>
-              <a:t>)</a:t>
-            </a:r>
-            <a:r>
-              <a:rPr lang="ko-KR" altLang="en-US" dirty="0"/>
-              <a:t>당 </a:t>
-            </a:r>
-            <a:r>
-              <a:rPr lang="en-US" altLang="ko-KR" dirty="0"/>
-              <a:t>1</a:t>
-            </a:r>
-            <a:r>
-              <a:rPr lang="ko-KR" altLang="en-US" dirty="0"/>
-              <a:t>개씩 할당</a:t>
-            </a:r>
-          </a:p>
-          <a:p>
-            <a:pPr lvl="1">
-              <a:spcBef>
-                <a:spcPts val="600"/>
-              </a:spcBef>
-            </a:pPr>
-            <a:r>
-              <a:rPr lang="ko-KR" altLang="en-US" dirty="0"/>
-              <a:t>커넥션의 개수를 제한</a:t>
-            </a:r>
-          </a:p>
-          <a:p>
-            <a:pPr lvl="1">
-              <a:spcBef>
-                <a:spcPts val="600"/>
-              </a:spcBef>
-            </a:pPr>
-            <a:r>
-              <a:rPr lang="ko-KR" altLang="en-US" dirty="0"/>
-              <a:t>커넥션 객체 관리자가 다 쓰면 자원을 회수</a:t>
-            </a:r>
-          </a:p>
-          <a:p>
-            <a:pPr lvl="1">
-              <a:spcBef>
-                <a:spcPts val="600"/>
-              </a:spcBef>
-            </a:pPr>
-            <a:endParaRPr lang="en-US" altLang="ko-KR" dirty="0"/>
-          </a:p>
-        </p:txBody>
-      </p:sp>
-      <p:pic>
-        <p:nvPicPr>
-          <p:cNvPr id="4" name="Picture 2"/>
-          <p:cNvPicPr>
-            <a:picLocks noChangeAspect="1" noChangeArrowheads="1"/>
-          </p:cNvPicPr>
-          <p:nvPr/>
-        </p:nvPicPr>
-        <p:blipFill>
-          <a:blip r:embed="rId2" cstate="print"/>
-          <a:srcRect/>
-          <a:stretch>
-            <a:fillRect/>
-          </a:stretch>
-        </p:blipFill>
-        <p:spPr bwMode="auto">
-          <a:xfrm>
-            <a:off x="2411760" y="4428331"/>
-            <a:ext cx="4419600" cy="1304925"/>
-          </a:xfrm>
-          <a:prstGeom prst="rect">
-            <a:avLst/>
-          </a:prstGeom>
-          <a:noFill/>
-          <a:ln w="9525">
-            <a:noFill/>
-            <a:miter lim="800000"/>
-            <a:headEnd/>
-            <a:tailEnd/>
-          </a:ln>
-        </p:spPr>
-      </p:pic>
-      <p:sp>
-        <p:nvSpPr>
-          <p:cNvPr id="5" name="직사각형 4"/>
-          <p:cNvSpPr/>
-          <p:nvPr/>
-        </p:nvSpPr>
-        <p:spPr>
-          <a:xfrm>
-            <a:off x="3084317" y="5765194"/>
-            <a:ext cx="3242875" cy="338554"/>
-          </a:xfrm>
-          <a:prstGeom prst="rect">
-            <a:avLst/>
-          </a:prstGeom>
-        </p:spPr>
-        <p:txBody>
-          <a:bodyPr wrap="none">
-            <a:spAutoFit/>
-          </a:bodyPr>
-          <a:lstStyle/>
-          <a:p>
-            <a:pPr algn="ctr"/>
-            <a:r>
-              <a:rPr lang="ko-KR" altLang="en-US" sz="1600" dirty="0" smtClean="0">
-                <a:solidFill>
-                  <a:srgbClr val="00AEEF"/>
-                </a:solidFill>
-              </a:rPr>
-              <a:t>▲</a:t>
-            </a:r>
-            <a:r>
-              <a:rPr lang="ko-KR" altLang="en-US" sz="1600" dirty="0" smtClean="0"/>
-              <a:t> </a:t>
-            </a:r>
-            <a:r>
-              <a:rPr lang="en-US" altLang="ko-KR" sz="1600" dirty="0" smtClean="0"/>
-              <a:t>service( ) </a:t>
-            </a:r>
-            <a:r>
-              <a:rPr lang="ko-KR" altLang="en-US" sz="1600" dirty="0" err="1" smtClean="0"/>
-              <a:t>메소드와</a:t>
-            </a:r>
-            <a:r>
-              <a:rPr lang="ko-KR" altLang="en-US" sz="1600" dirty="0" smtClean="0"/>
-              <a:t> 커넥션 객체</a:t>
-            </a:r>
-            <a:endParaRPr lang="ko-KR" altLang="en-US" sz="1600" dirty="0"/>
-          </a:p>
-        </p:txBody>
-      </p:sp>
-    </p:spTree>
-    <p:extLst>
-      <p:ext uri="{BB962C8B-B14F-4D97-AF65-F5344CB8AC3E}">
-        <p14:creationId xmlns:p14="http://schemas.microsoft.com/office/powerpoint/2010/main" val="253379722"/>
-      </p:ext>
-    </p:extLst>
-  </p:cSld>
-  <p:clrMapOvr>
-    <a:masterClrMapping/>
-  </p:clrMapOvr>
-</p:sld>
-</file>
-
-<file path=ppt/slides/slide19.xml><?xml version="1.0" encoding="utf-8"?>
-<p:sld xmlns:a="http://schemas.openxmlformats.org/drawingml/2006/main" xmlns:r="http://schemas.openxmlformats.org/officeDocument/2006/relationships" xmlns:p="http://schemas.openxmlformats.org/presentationml/2006/main">
-  <p:cSld>
-    <p:spTree>
-      <p:nvGrpSpPr>
-        <p:cNvPr id="1" name=""/>
-        <p:cNvGrpSpPr/>
-        <p:nvPr/>
-      </p:nvGrpSpPr>
-      <p:grpSpPr>
-        <a:xfrm>
-          <a:off x="0" y="0"/>
-          <a:ext cx="0" cy="0"/>
-          <a:chOff x="0" y="0"/>
-          <a:chExt cx="0" cy="0"/>
-        </a:xfrm>
-      </p:grpSpPr>
-      <p:sp>
-        <p:nvSpPr>
-          <p:cNvPr id="2" name="제목 1"/>
-          <p:cNvSpPr>
-            <a:spLocks noGrp="1"/>
-          </p:cNvSpPr>
-          <p:nvPr>
-            <p:ph type="title"/>
-          </p:nvPr>
-        </p:nvSpPr>
-        <p:spPr/>
-        <p:txBody>
-          <a:bodyPr>
-            <a:normAutofit/>
-          </a:bodyPr>
-          <a:lstStyle/>
-          <a:p>
-            <a:r>
-              <a:rPr lang="en-US" altLang="ko-KR" dirty="0"/>
-              <a:t>Connection pools</a:t>
-            </a:r>
-            <a:endParaRPr lang="ko-KR" altLang="en-US" dirty="0"/>
-          </a:p>
-        </p:txBody>
-      </p:sp>
-      <p:sp>
-        <p:nvSpPr>
-          <p:cNvPr id="3" name="내용 개체 틀 2"/>
-          <p:cNvSpPr>
-            <a:spLocks noGrp="1"/>
-          </p:cNvSpPr>
-          <p:nvPr>
-            <p:ph sz="quarter" idx="1"/>
-          </p:nvPr>
-        </p:nvSpPr>
-        <p:spPr/>
-        <p:txBody>
-          <a:bodyPr/>
-          <a:lstStyle/>
-          <a:p>
-            <a:endParaRPr lang="ko-KR" altLang="en-US"/>
-          </a:p>
-        </p:txBody>
-      </p:sp>
-      <p:pic>
-        <p:nvPicPr>
-          <p:cNvPr id="4" name="Picture 2"/>
-          <p:cNvPicPr>
-            <a:picLocks noChangeAspect="1" noChangeArrowheads="1"/>
-          </p:cNvPicPr>
-          <p:nvPr/>
-        </p:nvPicPr>
-        <p:blipFill>
-          <a:blip r:embed="rId2" cstate="print"/>
-          <a:srcRect/>
-          <a:stretch>
-            <a:fillRect/>
-          </a:stretch>
-        </p:blipFill>
-        <p:spPr bwMode="auto">
-          <a:xfrm>
-            <a:off x="904714" y="1633246"/>
-            <a:ext cx="7406855" cy="3888432"/>
-          </a:xfrm>
-          <a:prstGeom prst="rect">
-            <a:avLst/>
-          </a:prstGeom>
-          <a:noFill/>
-          <a:ln w="9525">
-            <a:noFill/>
-            <a:miter lim="800000"/>
-            <a:headEnd/>
-            <a:tailEnd/>
-          </a:ln>
-        </p:spPr>
-      </p:pic>
-      <p:sp>
-        <p:nvSpPr>
-          <p:cNvPr id="5" name="직사각형 4"/>
-          <p:cNvSpPr/>
-          <p:nvPr/>
-        </p:nvSpPr>
-        <p:spPr>
-          <a:xfrm>
-            <a:off x="3053870" y="5542346"/>
-            <a:ext cx="3108544" cy="400110"/>
-          </a:xfrm>
-          <a:prstGeom prst="rect">
-            <a:avLst/>
-          </a:prstGeom>
-        </p:spPr>
-        <p:txBody>
-          <a:bodyPr wrap="none">
-            <a:spAutoFit/>
-          </a:bodyPr>
-          <a:lstStyle/>
-          <a:p>
-            <a:pPr algn="ctr"/>
-            <a:r>
-              <a:rPr lang="ko-KR" altLang="en-US" sz="2000" dirty="0" smtClean="0">
-                <a:solidFill>
-                  <a:srgbClr val="00AEEF"/>
-                </a:solidFill>
-              </a:rPr>
-              <a:t>▲</a:t>
-            </a:r>
-            <a:r>
-              <a:rPr lang="ko-KR" altLang="en-US" sz="2000" dirty="0" smtClean="0"/>
-              <a:t> 커넥션 풀의 구현 방법</a:t>
-            </a:r>
-            <a:endParaRPr lang="ko-KR" altLang="en-US" sz="2000" dirty="0"/>
-          </a:p>
-        </p:txBody>
-      </p:sp>
-    </p:spTree>
-    <p:extLst>
-      <p:ext uri="{BB962C8B-B14F-4D97-AF65-F5344CB8AC3E}">
-        <p14:creationId xmlns:p14="http://schemas.microsoft.com/office/powerpoint/2010/main" val="3563223830"/>
-      </p:ext>
-    </p:extLst>
-  </p:cSld>
-  <p:clrMapOvr>
-    <a:masterClrMapping/>
-  </p:clrMapOvr>
-</p:sld>
-</file>
-
-<file path=ppt/slides/slide2.xml><?xml version="1.0" encoding="utf-8"?>
-<p:sld xmlns:a="http://schemas.openxmlformats.org/drawingml/2006/main" xmlns:r="http://schemas.openxmlformats.org/officeDocument/2006/relationships" xmlns:p="http://schemas.openxmlformats.org/presentationml/2006/main">
-  <p:cSld>
-    <p:spTree>
-      <p:nvGrpSpPr>
-        <p:cNvPr id="1" name=""/>
-        <p:cNvGrpSpPr/>
-        <p:nvPr/>
-      </p:nvGrpSpPr>
-      <p:grpSpPr>
-        <a:xfrm>
-          <a:off x="0" y="0"/>
-          <a:ext cx="0" cy="0"/>
-          <a:chOff x="0" y="0"/>
-          <a:chExt cx="0" cy="0"/>
-        </a:xfrm>
-      </p:grpSpPr>
-      <p:sp>
-        <p:nvSpPr>
-          <p:cNvPr id="2" name="제목 1"/>
-          <p:cNvSpPr>
-            <a:spLocks noGrp="1"/>
-          </p:cNvSpPr>
-          <p:nvPr>
-            <p:ph type="title"/>
-          </p:nvPr>
-        </p:nvSpPr>
-        <p:spPr/>
-        <p:txBody>
-          <a:bodyPr/>
-          <a:lstStyle/>
-          <a:p>
-            <a:r>
-              <a:rPr lang="en-US" altLang="ko-KR" dirty="0" err="1"/>
-              <a:t>JDBC</a:t>
-            </a:r>
-            <a:endParaRPr lang="ko-KR" altLang="en-US" dirty="0"/>
-          </a:p>
-        </p:txBody>
-      </p:sp>
-      <p:sp>
-        <p:nvSpPr>
-          <p:cNvPr id="3" name="내용 개체 틀 2"/>
-          <p:cNvSpPr>
-            <a:spLocks noGrp="1"/>
-          </p:cNvSpPr>
-          <p:nvPr>
-            <p:ph sz="quarter" idx="1"/>
-          </p:nvPr>
-        </p:nvSpPr>
-        <p:spPr/>
-        <p:txBody>
-          <a:bodyPr/>
-          <a:lstStyle/>
-          <a:p>
-            <a:pPr>
-              <a:lnSpc>
-                <a:spcPct val="125000"/>
-              </a:lnSpc>
-            </a:pPr>
-            <a:r>
-              <a:rPr lang="ko-KR" altLang="en-US" sz="1800" dirty="0"/>
-              <a:t>자바 프로그램</a:t>
-            </a:r>
-            <a:r>
-              <a:rPr lang="en-US" altLang="ko-KR" sz="1800" dirty="0"/>
-              <a:t>(</a:t>
-            </a:r>
-            <a:r>
-              <a:rPr lang="en-US" altLang="ko-KR" sz="1800" dirty="0" err="1"/>
-              <a:t>JSP</a:t>
-            </a:r>
-            <a:r>
-              <a:rPr lang="ko-KR" altLang="en-US" sz="1800" dirty="0"/>
-              <a:t>포함</a:t>
-            </a:r>
-            <a:r>
-              <a:rPr lang="en-US" altLang="ko-KR" sz="1800" dirty="0"/>
-              <a:t>)</a:t>
-            </a:r>
-            <a:r>
-              <a:rPr lang="ko-KR" altLang="en-US" sz="1800" dirty="0"/>
-              <a:t>과 </a:t>
-            </a:r>
-            <a:r>
-              <a:rPr lang="ko-KR" altLang="en-US" sz="1800" dirty="0" err="1"/>
-              <a:t>관계형</a:t>
-            </a:r>
-            <a:r>
-              <a:rPr lang="ko-KR" altLang="en-US" sz="1800" dirty="0"/>
-              <a:t> </a:t>
-            </a:r>
-            <a:r>
-              <a:rPr lang="ko-KR" altLang="en-US" sz="1800" dirty="0" err="1"/>
-              <a:t>테이터</a:t>
-            </a:r>
-            <a:r>
-              <a:rPr lang="ko-KR" altLang="en-US" sz="1800" dirty="0"/>
-              <a:t> 원본</a:t>
-            </a:r>
-            <a:r>
-              <a:rPr lang="en-US" altLang="ko-KR" sz="1800" dirty="0"/>
-              <a:t>(</a:t>
-            </a:r>
-            <a:r>
-              <a:rPr lang="ko-KR" altLang="en-US" sz="1800" dirty="0"/>
-              <a:t>데이터베이스</a:t>
-            </a:r>
-            <a:r>
-              <a:rPr lang="en-US" altLang="ko-KR" sz="1800" dirty="0"/>
-              <a:t>, </a:t>
-            </a:r>
-            <a:r>
-              <a:rPr lang="ko-KR" altLang="en-US" sz="1800" dirty="0"/>
-              <a:t>테이블</a:t>
-            </a:r>
-            <a:r>
-              <a:rPr lang="en-US" altLang="ko-KR" sz="1800" dirty="0"/>
-              <a:t>...)</a:t>
-            </a:r>
-            <a:r>
-              <a:rPr lang="ko-KR" altLang="en-US" sz="1800" dirty="0"/>
-              <a:t>을 연결하는 </a:t>
-            </a:r>
-            <a:r>
-              <a:rPr lang="ko-KR" altLang="en-US" sz="1800" dirty="0" smtClean="0"/>
-              <a:t>인터페이스</a:t>
-            </a:r>
-            <a:endParaRPr lang="en-US" altLang="ko-KR" sz="1800" dirty="0" smtClean="0"/>
-          </a:p>
-          <a:p>
-            <a:pPr>
-              <a:lnSpc>
-                <a:spcPct val="125000"/>
-              </a:lnSpc>
-            </a:pPr>
-            <a:r>
-              <a:rPr lang="ko-KR" altLang="en-US" sz="1800" dirty="0"/>
-              <a:t>자바 언어로 데이터베이스 프로그래밍을 하기 위한 라이브러리</a:t>
-            </a:r>
-          </a:p>
-          <a:p>
-            <a:pPr>
-              <a:lnSpc>
-                <a:spcPct val="125000"/>
-              </a:lnSpc>
-            </a:pPr>
-            <a:r>
-              <a:rPr lang="ko-KR" altLang="en-US" sz="1800" dirty="0"/>
-              <a:t>특정한 </a:t>
-            </a:r>
-            <a:r>
-              <a:rPr lang="en-US" altLang="ko-KR" sz="1800" dirty="0"/>
-              <a:t>DBMS</a:t>
-            </a:r>
-            <a:r>
-              <a:rPr lang="ko-KR" altLang="en-US" sz="1800" dirty="0"/>
-              <a:t>에 종속되지 않는 관련 </a:t>
-            </a:r>
-            <a:r>
-              <a:rPr lang="en-US" altLang="ko-KR" sz="1800" dirty="0"/>
-              <a:t>API</a:t>
-            </a:r>
-            <a:r>
-              <a:rPr lang="ko-KR" altLang="en-US" sz="1800" dirty="0"/>
-              <a:t>를 </a:t>
-            </a:r>
-            <a:r>
-              <a:rPr lang="ko-KR" altLang="en-US" sz="1800" dirty="0" smtClean="0"/>
-              <a:t>제공</a:t>
-            </a:r>
-            <a:endParaRPr lang="en-US" altLang="ko-KR" sz="1800" dirty="0" smtClean="0"/>
-          </a:p>
-          <a:p>
-            <a:pPr marL="274320" lvl="1">
-              <a:lnSpc>
-                <a:spcPct val="125000"/>
-              </a:lnSpc>
-              <a:spcBef>
-                <a:spcPts val="600"/>
-              </a:spcBef>
-              <a:buClr>
-                <a:schemeClr val="accent1"/>
-              </a:buClr>
-            </a:pPr>
-            <a:r>
-              <a:rPr lang="en-US" altLang="ko-KR" dirty="0" err="1"/>
-              <a:t>JDBC</a:t>
-            </a:r>
-            <a:r>
-              <a:rPr lang="en-US" altLang="ko-KR" dirty="0"/>
-              <a:t> </a:t>
-            </a:r>
-            <a:r>
-              <a:rPr lang="ko-KR" altLang="en-US" dirty="0"/>
-              <a:t>라이브러리는 ‘</a:t>
-            </a:r>
-            <a:r>
-              <a:rPr lang="en-US" altLang="ko-KR" dirty="0" err="1"/>
-              <a:t>java.sql</a:t>
-            </a:r>
-            <a:r>
-              <a:rPr lang="en-US" altLang="ko-KR" dirty="0"/>
-              <a:t>’ </a:t>
-            </a:r>
-            <a:r>
-              <a:rPr lang="ko-KR" altLang="en-US" dirty="0"/>
-              <a:t>패키지에의 구현</a:t>
-            </a:r>
-          </a:p>
-          <a:p>
-            <a:pPr marL="0" indent="0">
-              <a:lnSpc>
-                <a:spcPct val="150000"/>
-              </a:lnSpc>
-              <a:buNone/>
-            </a:pPr>
-            <a:endParaRPr lang="ko-KR" altLang="en-US" sz="1800" dirty="0"/>
-          </a:p>
-        </p:txBody>
-      </p:sp>
-      <p:grpSp>
-        <p:nvGrpSpPr>
-          <p:cNvPr id="10" name="그룹 9"/>
-          <p:cNvGrpSpPr/>
-          <p:nvPr/>
-        </p:nvGrpSpPr>
-        <p:grpSpPr>
-          <a:xfrm>
-            <a:off x="2387276" y="3356992"/>
-            <a:ext cx="4320481" cy="2784974"/>
-            <a:chOff x="1331640" y="2279650"/>
-            <a:chExt cx="6480721" cy="4177461"/>
-          </a:xfrm>
-        </p:grpSpPr>
-        <p:pic>
-          <p:nvPicPr>
-            <p:cNvPr id="5" name="Picture 2"/>
-            <p:cNvPicPr>
-              <a:picLocks noChangeAspect="1" noChangeArrowheads="1"/>
-            </p:cNvPicPr>
-            <p:nvPr/>
-          </p:nvPicPr>
-          <p:blipFill>
-            <a:blip r:embed="rId2" cstate="print"/>
-            <a:srcRect/>
-            <a:stretch>
-              <a:fillRect/>
-            </a:stretch>
-          </p:blipFill>
-          <p:spPr bwMode="auto">
-            <a:xfrm>
-              <a:off x="1331640" y="2279650"/>
-              <a:ext cx="6480000" cy="3470059"/>
-            </a:xfrm>
-            <a:prstGeom prst="rect">
-              <a:avLst/>
-            </a:prstGeom>
-            <a:noFill/>
-            <a:ln w="9525">
-              <a:noFill/>
-              <a:miter lim="800000"/>
-              <a:headEnd/>
-              <a:tailEnd/>
-            </a:ln>
-          </p:spPr>
-        </p:pic>
-        <p:sp>
-          <p:nvSpPr>
-            <p:cNvPr id="6" name="TextBox 5"/>
-            <p:cNvSpPr txBox="1"/>
-            <p:nvPr/>
-          </p:nvSpPr>
-          <p:spPr>
-            <a:xfrm>
-              <a:off x="1381014" y="5949280"/>
-              <a:ext cx="1080120" cy="507831"/>
-            </a:xfrm>
-            <a:prstGeom prst="rect">
-              <a:avLst/>
-            </a:prstGeom>
-            <a:noFill/>
-          </p:spPr>
-          <p:txBody>
-            <a:bodyPr wrap="square" rtlCol="0">
-              <a:spAutoFit/>
-            </a:bodyPr>
-            <a:lstStyle/>
-            <a:p>
-              <a:pPr algn="ctr"/>
-              <a:r>
-                <a:rPr lang="en-US" altLang="ko-KR" sz="1600" dirty="0" smtClean="0">
-                  <a:latin typeface="+mn-ea"/>
-                </a:rPr>
-                <a:t>DB2</a:t>
-              </a:r>
-              <a:endParaRPr lang="ko-KR" altLang="en-US" sz="1600" dirty="0">
-                <a:latin typeface="+mn-ea"/>
-              </a:endParaRPr>
-            </a:p>
-          </p:txBody>
-        </p:sp>
-        <p:sp>
-          <p:nvSpPr>
-            <p:cNvPr id="7" name="TextBox 6"/>
-            <p:cNvSpPr txBox="1"/>
-            <p:nvPr/>
-          </p:nvSpPr>
-          <p:spPr>
-            <a:xfrm>
-              <a:off x="3095836" y="5949280"/>
-              <a:ext cx="1188130" cy="507831"/>
-            </a:xfrm>
-            <a:prstGeom prst="rect">
-              <a:avLst/>
-            </a:prstGeom>
-            <a:noFill/>
-          </p:spPr>
-          <p:txBody>
-            <a:bodyPr wrap="square" rtlCol="0">
-              <a:spAutoFit/>
-            </a:bodyPr>
-            <a:lstStyle/>
-            <a:p>
-              <a:pPr algn="ctr"/>
-              <a:r>
-                <a:rPr lang="en-US" altLang="ko-KR" sz="1600" dirty="0" smtClean="0">
-                  <a:latin typeface="+mn-ea"/>
-                </a:rPr>
-                <a:t>Oracle</a:t>
-              </a:r>
-              <a:endParaRPr lang="ko-KR" altLang="en-US" sz="1600" dirty="0">
-                <a:latin typeface="+mn-ea"/>
-              </a:endParaRPr>
-            </a:p>
-          </p:txBody>
-        </p:sp>
-        <p:sp>
-          <p:nvSpPr>
-            <p:cNvPr id="8" name="TextBox 7"/>
-            <p:cNvSpPr txBox="1"/>
-            <p:nvPr/>
-          </p:nvSpPr>
-          <p:spPr>
-            <a:xfrm>
-              <a:off x="4788024" y="5949280"/>
-              <a:ext cx="1368151" cy="507831"/>
-            </a:xfrm>
-            <a:prstGeom prst="rect">
-              <a:avLst/>
-            </a:prstGeom>
-            <a:noFill/>
-          </p:spPr>
-          <p:txBody>
-            <a:bodyPr wrap="square" rtlCol="0">
-              <a:spAutoFit/>
-            </a:bodyPr>
-            <a:lstStyle/>
-            <a:p>
-              <a:pPr algn="ctr"/>
-              <a:r>
-                <a:rPr lang="en-US" altLang="ko-KR" sz="1600" smtClean="0">
-                  <a:latin typeface="+mn-ea"/>
-                </a:rPr>
-                <a:t>Sybase</a:t>
-              </a:r>
-              <a:endParaRPr lang="ko-KR" altLang="en-US" sz="1600">
-                <a:latin typeface="+mn-ea"/>
-              </a:endParaRPr>
-            </a:p>
-          </p:txBody>
-        </p:sp>
-        <p:sp>
-          <p:nvSpPr>
-            <p:cNvPr id="9" name="TextBox 8"/>
-            <p:cNvSpPr txBox="1"/>
-            <p:nvPr/>
-          </p:nvSpPr>
-          <p:spPr>
-            <a:xfrm>
-              <a:off x="6444210" y="5949280"/>
-              <a:ext cx="1368151" cy="507831"/>
-            </a:xfrm>
-            <a:prstGeom prst="rect">
-              <a:avLst/>
-            </a:prstGeom>
-            <a:noFill/>
-          </p:spPr>
-          <p:txBody>
-            <a:bodyPr wrap="square" rtlCol="0">
-              <a:spAutoFit/>
-            </a:bodyPr>
-            <a:lstStyle/>
-            <a:p>
-              <a:pPr algn="ctr"/>
-              <a:r>
-                <a:rPr lang="en-US" altLang="ko-KR" sz="1600" smtClean="0">
-                  <a:latin typeface="+mn-ea"/>
-                </a:rPr>
-                <a:t>MS sql</a:t>
-              </a:r>
-              <a:endParaRPr lang="ko-KR" altLang="en-US" sz="1600">
-                <a:latin typeface="+mn-ea"/>
-              </a:endParaRPr>
-            </a:p>
-          </p:txBody>
-        </p:sp>
-      </p:grpSp>
-    </p:spTree>
-    <p:extLst>
-      <p:ext uri="{BB962C8B-B14F-4D97-AF65-F5344CB8AC3E}">
-        <p14:creationId xmlns:p14="http://schemas.microsoft.com/office/powerpoint/2010/main" val="2253817550"/>
-      </p:ext>
-    </p:extLst>
-  </p:cSld>
-  <p:clrMapOvr>
-    <a:masterClrMapping/>
-  </p:clrMapOvr>
-</p:sld>
-</file>
-
-<file path=ppt/slides/slide20.xml><?xml version="1.0" encoding="utf-8"?>
-<p:sld xmlns:a="http://schemas.openxmlformats.org/drawingml/2006/main" xmlns:r="http://schemas.openxmlformats.org/officeDocument/2006/relationships" xmlns:p="http://schemas.openxmlformats.org/presentationml/2006/main">
-  <p:cSld>
-    <p:spTree>
-      <p:nvGrpSpPr>
-        <p:cNvPr id="1" name=""/>
-        <p:cNvGrpSpPr/>
-        <p:nvPr/>
-      </p:nvGrpSpPr>
-      <p:grpSpPr>
-        <a:xfrm>
-          <a:off x="0" y="0"/>
-          <a:ext cx="0" cy="0"/>
-          <a:chOff x="0" y="0"/>
-          <a:chExt cx="0" cy="0"/>
-        </a:xfrm>
-      </p:grpSpPr>
-      <p:sp>
-        <p:nvSpPr>
-          <p:cNvPr id="2" name="제목 1"/>
-          <p:cNvSpPr>
-            <a:spLocks noGrp="1"/>
-          </p:cNvSpPr>
-          <p:nvPr>
-            <p:ph type="title"/>
-          </p:nvPr>
-        </p:nvSpPr>
-        <p:spPr/>
-        <p:txBody>
-          <a:bodyPr>
-            <a:normAutofit/>
-          </a:bodyPr>
-          <a:lstStyle/>
-          <a:p>
-            <a:r>
-              <a:rPr lang="en-US" altLang="ko-KR" dirty="0"/>
-              <a:t>Connection pools</a:t>
-            </a:r>
-            <a:endParaRPr lang="ko-KR" altLang="en-US" dirty="0"/>
-          </a:p>
-        </p:txBody>
-      </p:sp>
-      <p:sp>
-        <p:nvSpPr>
-          <p:cNvPr id="3" name="내용 개체 틀 2"/>
-          <p:cNvSpPr>
-            <a:spLocks noGrp="1"/>
-          </p:cNvSpPr>
-          <p:nvPr>
-            <p:ph sz="quarter" idx="1"/>
-          </p:nvPr>
-        </p:nvSpPr>
-        <p:spPr/>
-        <p:txBody>
-          <a:bodyPr/>
-          <a:lstStyle/>
-          <a:p>
-            <a:pPr>
-              <a:lnSpc>
-                <a:spcPct val="150000"/>
-              </a:lnSpc>
-            </a:pPr>
-            <a:r>
-              <a:rPr lang="ko-KR" altLang="en-US" dirty="0"/>
-              <a:t>자카르타 프로젝트의 </a:t>
-            </a:r>
-            <a:r>
-              <a:rPr lang="en-US" altLang="ko-KR" dirty="0" err="1"/>
-              <a:t>DBCP</a:t>
-            </a:r>
-            <a:r>
-              <a:rPr lang="en-US" altLang="ko-KR" dirty="0"/>
-              <a:t> API</a:t>
-            </a:r>
-            <a:r>
-              <a:rPr lang="ko-KR" altLang="en-US" dirty="0"/>
-              <a:t>를 사용해서 커넥션 풀을 사용하기 위한 순서</a:t>
-            </a:r>
-          </a:p>
-          <a:p>
-            <a:pPr marL="274320" lvl="1" indent="0">
-              <a:lnSpc>
-                <a:spcPct val="150000"/>
-              </a:lnSpc>
-              <a:buNone/>
-            </a:pPr>
-            <a:r>
-              <a:rPr lang="ko-KR" altLang="en-US" dirty="0"/>
-              <a:t>① </a:t>
-            </a:r>
-            <a:r>
-              <a:rPr lang="en-US" altLang="ko-KR" dirty="0" err="1"/>
-              <a:t>DBCP</a:t>
-            </a:r>
-            <a:r>
-              <a:rPr lang="en-US" altLang="ko-KR" dirty="0"/>
-              <a:t> API</a:t>
-            </a:r>
-            <a:r>
-              <a:rPr lang="ko-KR" altLang="en-US" dirty="0"/>
-              <a:t>관련 </a:t>
-            </a:r>
-            <a:r>
-              <a:rPr lang="en-US" altLang="ko-KR" dirty="0"/>
-              <a:t>jar</a:t>
-            </a:r>
-            <a:r>
-              <a:rPr lang="ko-KR" altLang="en-US" dirty="0"/>
-              <a:t>파일 설치</a:t>
-            </a:r>
-          </a:p>
-          <a:p>
-            <a:pPr marL="274320" lvl="1" indent="0">
-              <a:lnSpc>
-                <a:spcPct val="150000"/>
-              </a:lnSpc>
-              <a:buNone/>
-            </a:pPr>
-            <a:r>
-              <a:rPr lang="ko-KR" altLang="en-US" dirty="0"/>
-              <a:t>② </a:t>
-            </a:r>
-            <a:r>
-              <a:rPr lang="en-US" altLang="ko-KR" dirty="0" err="1"/>
-              <a:t>DBCP</a:t>
-            </a:r>
-            <a:r>
-              <a:rPr lang="ko-KR" altLang="en-US" dirty="0"/>
-              <a:t>에 관한 정보 설정 </a:t>
-            </a:r>
-            <a:r>
-              <a:rPr lang="en-US" altLang="ko-KR" dirty="0"/>
-              <a:t>- </a:t>
-            </a:r>
-            <a:r>
-              <a:rPr lang="en-US" altLang="ko-KR" dirty="0" err="1"/>
-              <a:t>server.xml</a:t>
-            </a:r>
-            <a:r>
-              <a:rPr lang="en-US" altLang="ko-KR" dirty="0"/>
-              <a:t> </a:t>
-            </a:r>
-          </a:p>
-          <a:p>
-            <a:pPr marL="274320" lvl="1" indent="0">
-              <a:lnSpc>
-                <a:spcPct val="150000"/>
-              </a:lnSpc>
-              <a:buNone/>
-            </a:pPr>
-            <a:r>
-              <a:rPr lang="en-US" altLang="ko-KR" dirty="0"/>
-              <a:t>③ </a:t>
-            </a:r>
-            <a:r>
-              <a:rPr lang="en-US" altLang="ko-KR" dirty="0" err="1"/>
-              <a:t>JNDI</a:t>
-            </a:r>
-            <a:r>
-              <a:rPr lang="en-US" altLang="ko-KR" dirty="0"/>
-              <a:t> </a:t>
-            </a:r>
-            <a:r>
-              <a:rPr lang="ko-KR" altLang="en-US" dirty="0"/>
-              <a:t>리소스 사용 설정 </a:t>
-            </a:r>
-            <a:r>
-              <a:rPr lang="en-US" altLang="ko-KR" dirty="0"/>
-              <a:t>- </a:t>
-            </a:r>
-            <a:r>
-              <a:rPr lang="en-US" altLang="ko-KR" dirty="0" err="1"/>
-              <a:t>web.xml</a:t>
-            </a:r>
-            <a:r>
-              <a:rPr lang="en-US" altLang="ko-KR" dirty="0"/>
-              <a:t> </a:t>
-            </a:r>
-          </a:p>
-          <a:p>
-            <a:pPr marL="274320" lvl="1" indent="0">
-              <a:lnSpc>
-                <a:spcPct val="150000"/>
-              </a:lnSpc>
-              <a:buNone/>
-            </a:pPr>
-            <a:r>
-              <a:rPr lang="en-US" altLang="ko-KR" dirty="0"/>
-              <a:t>④ </a:t>
-            </a:r>
-            <a:r>
-              <a:rPr lang="en-US" altLang="ko-KR" dirty="0" err="1"/>
-              <a:t>JSP</a:t>
-            </a:r>
-            <a:r>
-              <a:rPr lang="ko-KR" altLang="en-US" dirty="0"/>
-              <a:t>페이지에서 커넥션 풀 사용</a:t>
-            </a:r>
-          </a:p>
-          <a:p>
-            <a:pPr>
-              <a:lnSpc>
-                <a:spcPct val="150000"/>
-              </a:lnSpc>
-            </a:pPr>
-            <a:endParaRPr lang="ko-KR" altLang="en-US" dirty="0"/>
-          </a:p>
-        </p:txBody>
-      </p:sp>
-    </p:spTree>
-    <p:extLst>
-      <p:ext uri="{BB962C8B-B14F-4D97-AF65-F5344CB8AC3E}">
-        <p14:creationId xmlns:p14="http://schemas.microsoft.com/office/powerpoint/2010/main" val="878958621"/>
-      </p:ext>
-    </p:extLst>
-  </p:cSld>
-  <p:clrMapOvr>
-    <a:masterClrMapping/>
-  </p:clrMapOvr>
-</p:sld>
-</file>
-
-<file path=ppt/slides/slide21.xml><?xml version="1.0" encoding="utf-8"?>
-<p:sld xmlns:a="http://schemas.openxmlformats.org/drawingml/2006/main" xmlns:r="http://schemas.openxmlformats.org/officeDocument/2006/relationships" xmlns:p="http://schemas.openxmlformats.org/presentationml/2006/main">
-  <p:cSld>
-    <p:spTree>
-      <p:nvGrpSpPr>
-        <p:cNvPr id="1" name=""/>
-        <p:cNvGrpSpPr/>
-        <p:nvPr/>
-      </p:nvGrpSpPr>
-      <p:grpSpPr>
-        <a:xfrm>
-          <a:off x="0" y="0"/>
-          <a:ext cx="0" cy="0"/>
-          <a:chOff x="0" y="0"/>
-          <a:chExt cx="0" cy="0"/>
-        </a:xfrm>
-      </p:grpSpPr>
-      <p:sp>
-        <p:nvSpPr>
-          <p:cNvPr id="2" name="제목 1"/>
-          <p:cNvSpPr>
-            <a:spLocks noGrp="1"/>
-          </p:cNvSpPr>
-          <p:nvPr>
-            <p:ph type="title"/>
-          </p:nvPr>
-        </p:nvSpPr>
-        <p:spPr/>
-        <p:txBody>
-          <a:bodyPr>
-            <a:normAutofit/>
-          </a:bodyPr>
-          <a:lstStyle/>
-          <a:p>
-            <a:r>
-              <a:rPr lang="en-US" altLang="ko-KR" dirty="0"/>
-              <a:t>Connection pools</a:t>
-            </a:r>
-            <a:endParaRPr lang="ko-KR" altLang="en-US" dirty="0"/>
-          </a:p>
-        </p:txBody>
-      </p:sp>
-      <p:sp>
-        <p:nvSpPr>
-          <p:cNvPr id="3" name="내용 개체 틀 2"/>
-          <p:cNvSpPr>
-            <a:spLocks noGrp="1"/>
-          </p:cNvSpPr>
-          <p:nvPr>
-            <p:ph sz="quarter" idx="1"/>
-          </p:nvPr>
-        </p:nvSpPr>
-        <p:spPr/>
-        <p:txBody>
-          <a:bodyPr>
-            <a:normAutofit/>
-          </a:bodyPr>
-          <a:lstStyle/>
-          <a:p>
-            <a:pPr>
-              <a:lnSpc>
-                <a:spcPct val="150000"/>
-              </a:lnSpc>
-            </a:pPr>
-            <a:r>
-              <a:rPr lang="en-US" altLang="ko-KR" dirty="0" err="1"/>
-              <a:t>DBCP</a:t>
-            </a:r>
-            <a:r>
-              <a:rPr lang="en-US" altLang="ko-KR" dirty="0"/>
-              <a:t> API </a:t>
-            </a:r>
-            <a:r>
-              <a:rPr lang="ko-KR" altLang="en-US" dirty="0"/>
-              <a:t>관련 </a:t>
-            </a:r>
-            <a:r>
-              <a:rPr lang="en-US" altLang="ko-KR" dirty="0"/>
-              <a:t>jar </a:t>
-            </a:r>
-            <a:r>
-              <a:rPr lang="ko-KR" altLang="en-US" dirty="0"/>
-              <a:t>파일 설치</a:t>
-            </a:r>
-          </a:p>
-          <a:p>
-            <a:pPr lvl="1">
-              <a:lnSpc>
-                <a:spcPct val="150000"/>
-              </a:lnSpc>
-            </a:pPr>
-            <a:r>
-              <a:rPr lang="en-US" altLang="ko-KR" dirty="0" err="1" smtClean="0"/>
-              <a:t>DBCP</a:t>
-            </a:r>
-            <a:r>
-              <a:rPr lang="en-US" altLang="ko-KR" dirty="0" smtClean="0"/>
-              <a:t> </a:t>
-            </a:r>
-            <a:r>
-              <a:rPr lang="en-US" altLang="ko-KR" dirty="0"/>
-              <a:t>API </a:t>
-            </a:r>
-            <a:r>
-              <a:rPr lang="ko-KR" altLang="en-US" dirty="0"/>
-              <a:t>관련 </a:t>
-            </a:r>
-            <a:r>
-              <a:rPr lang="en-US" altLang="ko-KR" dirty="0"/>
-              <a:t>jar </a:t>
-            </a:r>
-            <a:r>
-              <a:rPr lang="ko-KR" altLang="en-US" dirty="0"/>
-              <a:t>파일은 </a:t>
-            </a:r>
-            <a:r>
-              <a:rPr lang="en-US" altLang="ko-KR" dirty="0"/>
-              <a:t>http://</a:t>
-            </a:r>
-            <a:r>
-              <a:rPr lang="en-US" altLang="ko-KR" dirty="0" err="1"/>
-              <a:t>commons.apache.org</a:t>
-            </a:r>
-            <a:r>
-              <a:rPr lang="en-US" altLang="ko-KR" dirty="0"/>
-              <a:t>/ </a:t>
-            </a:r>
-            <a:r>
-              <a:rPr lang="ko-KR" altLang="en-US" dirty="0"/>
-              <a:t>사이트에서 </a:t>
-            </a:r>
-            <a:r>
-              <a:rPr lang="ko-KR" altLang="en-US" dirty="0" err="1"/>
-              <a:t>다운로드받아</a:t>
-            </a:r>
-            <a:r>
-              <a:rPr lang="ko-KR" altLang="en-US" dirty="0"/>
-              <a:t> 압축 해제</a:t>
-            </a:r>
-          </a:p>
-          <a:p>
-            <a:pPr lvl="2">
-              <a:lnSpc>
-                <a:spcPct val="150000"/>
-              </a:lnSpc>
-            </a:pPr>
-            <a:r>
-              <a:rPr lang="en-US" altLang="ko-KR" dirty="0"/>
-              <a:t>[Collections] : </a:t>
-            </a:r>
-            <a:r>
-              <a:rPr lang="ko-KR" altLang="en-US" dirty="0"/>
-              <a:t>자카르타</a:t>
-            </a:r>
-            <a:r>
-              <a:rPr lang="en-US" altLang="ko-KR" dirty="0"/>
-              <a:t>(Jakarta) </a:t>
-            </a:r>
-            <a:r>
-              <a:rPr lang="en-US" altLang="ko-KR" dirty="0" err="1"/>
-              <a:t>DBCP</a:t>
-            </a:r>
-            <a:r>
-              <a:rPr lang="en-US" altLang="ko-KR" dirty="0"/>
-              <a:t> API</a:t>
-            </a:r>
-            <a:r>
-              <a:rPr lang="ko-KR" altLang="en-US" dirty="0"/>
-              <a:t>가 사용하는 자카르타 </a:t>
-            </a:r>
-            <a:r>
-              <a:rPr lang="en-US" altLang="ko-KR" dirty="0"/>
-              <a:t>Pool API</a:t>
-            </a:r>
-            <a:r>
-              <a:rPr lang="ko-KR" altLang="en-US" dirty="0"/>
-              <a:t>의 </a:t>
-            </a:r>
-            <a:r>
-              <a:rPr lang="en-US" altLang="ko-KR" dirty="0"/>
-              <a:t>jar </a:t>
-            </a:r>
-            <a:r>
-              <a:rPr lang="ko-KR" altLang="en-US" dirty="0"/>
-              <a:t>파일 </a:t>
-            </a:r>
-          </a:p>
-          <a:p>
-            <a:pPr lvl="2">
-              <a:lnSpc>
-                <a:spcPct val="150000"/>
-              </a:lnSpc>
-            </a:pPr>
-            <a:r>
-              <a:rPr lang="en-US" altLang="ko-KR" dirty="0"/>
-              <a:t>[</a:t>
-            </a:r>
-            <a:r>
-              <a:rPr lang="en-US" altLang="ko-KR" dirty="0" err="1"/>
-              <a:t>DBCP</a:t>
-            </a:r>
-            <a:r>
-              <a:rPr lang="en-US" altLang="ko-KR" dirty="0"/>
-              <a:t>] : </a:t>
-            </a:r>
-            <a:r>
-              <a:rPr lang="ko-KR" altLang="en-US" dirty="0"/>
-              <a:t>자카르타</a:t>
-            </a:r>
-            <a:r>
-              <a:rPr lang="en-US" altLang="ko-KR" dirty="0"/>
-              <a:t>(Jakarta) </a:t>
-            </a:r>
-            <a:r>
-              <a:rPr lang="en-US" altLang="ko-KR" dirty="0" err="1"/>
-              <a:t>DBCP</a:t>
-            </a:r>
-            <a:r>
-              <a:rPr lang="en-US" altLang="ko-KR" dirty="0"/>
-              <a:t> API </a:t>
-            </a:r>
-            <a:r>
-              <a:rPr lang="ko-KR" altLang="en-US" dirty="0"/>
-              <a:t>관련 </a:t>
-            </a:r>
-            <a:r>
-              <a:rPr lang="en-US" altLang="ko-KR" dirty="0"/>
-              <a:t>jar </a:t>
-            </a:r>
-            <a:r>
-              <a:rPr lang="ko-KR" altLang="en-US" dirty="0"/>
-              <a:t>파일</a:t>
-            </a:r>
-          </a:p>
-          <a:p>
-            <a:pPr lvl="2">
-              <a:lnSpc>
-                <a:spcPct val="150000"/>
-              </a:lnSpc>
-            </a:pPr>
-            <a:r>
-              <a:rPr lang="en-US" altLang="ko-KR" dirty="0"/>
-              <a:t>[Pool] : Pool API</a:t>
-            </a:r>
-            <a:r>
-              <a:rPr lang="ko-KR" altLang="en-US" dirty="0"/>
-              <a:t>가 사용하는 자카르타 </a:t>
-            </a:r>
-            <a:r>
-              <a:rPr lang="en-US" altLang="ko-KR" dirty="0"/>
-              <a:t>Collection API</a:t>
-            </a:r>
-            <a:r>
-              <a:rPr lang="ko-KR" altLang="en-US" dirty="0"/>
-              <a:t>의 </a:t>
-            </a:r>
-            <a:r>
-              <a:rPr lang="en-US" altLang="ko-KR" dirty="0"/>
-              <a:t>jar </a:t>
-            </a:r>
-            <a:r>
-              <a:rPr lang="ko-KR" altLang="en-US" dirty="0"/>
-              <a:t>파일 </a:t>
-            </a:r>
-          </a:p>
-          <a:p>
-            <a:pPr lvl="1">
-              <a:lnSpc>
-                <a:spcPct val="150000"/>
-              </a:lnSpc>
-            </a:pPr>
-            <a:endParaRPr lang="en-US" altLang="ko-KR" dirty="0" smtClean="0"/>
-          </a:p>
-          <a:p>
-            <a:pPr lvl="1">
-              <a:lnSpc>
-                <a:spcPct val="150000"/>
-              </a:lnSpc>
-            </a:pPr>
-            <a:r>
-              <a:rPr lang="en-US" altLang="ko-KR" dirty="0" smtClean="0"/>
-              <a:t>[</a:t>
-            </a:r>
-            <a:r>
-              <a:rPr lang="ko-KR" altLang="en-US" dirty="0"/>
-              <a:t>프로젝트</a:t>
-            </a:r>
-            <a:r>
-              <a:rPr lang="en-US" altLang="ko-KR" dirty="0"/>
-              <a:t>]-[Web-INF]-[lib]</a:t>
-            </a:r>
-            <a:r>
-              <a:rPr lang="ko-KR" altLang="en-US" dirty="0"/>
-              <a:t>에 </a:t>
-            </a:r>
-            <a:r>
-              <a:rPr lang="en-US" altLang="ko-KR" dirty="0"/>
-              <a:t>JAR </a:t>
-            </a:r>
-            <a:r>
-              <a:rPr lang="en-US" altLang="ko-KR" dirty="0" err="1"/>
-              <a:t>DBCP</a:t>
-            </a:r>
-            <a:r>
-              <a:rPr lang="en-US" altLang="ko-KR" dirty="0"/>
-              <a:t> API </a:t>
-            </a:r>
-            <a:r>
-              <a:rPr lang="ko-KR" altLang="en-US" dirty="0"/>
-              <a:t>관련 </a:t>
-            </a:r>
-            <a:r>
-              <a:rPr lang="en-US" altLang="ko-KR" dirty="0"/>
-              <a:t>jar </a:t>
-            </a:r>
-            <a:r>
-              <a:rPr lang="ko-KR" altLang="en-US" dirty="0"/>
-              <a:t>파일 배치</a:t>
-            </a:r>
-          </a:p>
-          <a:p>
-            <a:pPr>
-              <a:lnSpc>
-                <a:spcPct val="150000"/>
-              </a:lnSpc>
-            </a:pPr>
-            <a:endParaRPr lang="ko-KR" altLang="en-US" dirty="0"/>
-          </a:p>
-        </p:txBody>
-      </p:sp>
-    </p:spTree>
-    <p:extLst>
-      <p:ext uri="{BB962C8B-B14F-4D97-AF65-F5344CB8AC3E}">
-        <p14:creationId xmlns:p14="http://schemas.microsoft.com/office/powerpoint/2010/main" val="2552641219"/>
-      </p:ext>
-    </p:extLst>
-  </p:cSld>
-  <p:clrMapOvr>
-    <a:masterClrMapping/>
-  </p:clrMapOvr>
-</p:sld>
-</file>
-
-<file path=ppt/slides/slide22.xml><?xml version="1.0" encoding="utf-8"?>
-<p:sld xmlns:a="http://schemas.openxmlformats.org/drawingml/2006/main" xmlns:r="http://schemas.openxmlformats.org/officeDocument/2006/relationships" xmlns:p="http://schemas.openxmlformats.org/presentationml/2006/main">
-  <p:cSld>
-    <p:spTree>
-      <p:nvGrpSpPr>
-        <p:cNvPr id="1" name=""/>
-        <p:cNvGrpSpPr/>
-        <p:nvPr/>
-      </p:nvGrpSpPr>
-      <p:grpSpPr>
-        <a:xfrm>
-          <a:off x="0" y="0"/>
-          <a:ext cx="0" cy="0"/>
-          <a:chOff x="0" y="0"/>
-          <a:chExt cx="0" cy="0"/>
-        </a:xfrm>
-      </p:grpSpPr>
-      <p:sp>
-        <p:nvSpPr>
-          <p:cNvPr id="2" name="제목 1"/>
-          <p:cNvSpPr>
-            <a:spLocks noGrp="1"/>
-          </p:cNvSpPr>
-          <p:nvPr>
-            <p:ph type="title"/>
-          </p:nvPr>
-        </p:nvSpPr>
-        <p:spPr/>
-        <p:txBody>
-          <a:bodyPr/>
-          <a:lstStyle/>
-          <a:p>
-            <a:r>
-              <a:rPr lang="en-US" altLang="ko-KR" dirty="0"/>
-              <a:t>Connection pools</a:t>
-            </a:r>
-            <a:endParaRPr lang="ko-KR" altLang="en-US" dirty="0"/>
-          </a:p>
-        </p:txBody>
-      </p:sp>
-      <p:sp>
-        <p:nvSpPr>
-          <p:cNvPr id="3" name="내용 개체 틀 2"/>
-          <p:cNvSpPr>
-            <a:spLocks noGrp="1"/>
-          </p:cNvSpPr>
-          <p:nvPr>
-            <p:ph sz="quarter" idx="1"/>
-          </p:nvPr>
-        </p:nvSpPr>
-        <p:spPr/>
-        <p:txBody>
-          <a:bodyPr/>
-          <a:lstStyle/>
-          <a:p>
-            <a:r>
-              <a:rPr lang="en-US" altLang="ko-KR" dirty="0" err="1"/>
-              <a:t>DBCP</a:t>
-            </a:r>
-            <a:r>
-              <a:rPr lang="ko-KR" altLang="en-US" dirty="0"/>
-              <a:t>에 관한 정보 설정 </a:t>
-            </a:r>
-            <a:r>
-              <a:rPr lang="en-US" altLang="ko-KR" dirty="0"/>
-              <a:t>- </a:t>
-            </a:r>
-            <a:r>
-              <a:rPr lang="en-US" altLang="ko-KR" dirty="0" err="1"/>
-              <a:t>server.xml</a:t>
-            </a:r>
-            <a:r>
-              <a:rPr lang="en-US" altLang="ko-KR" dirty="0"/>
-              <a:t> </a:t>
-            </a:r>
-          </a:p>
-          <a:p>
-            <a:pPr lvl="1"/>
-            <a:r>
-              <a:rPr lang="ko-KR" altLang="en-US" dirty="0" smtClean="0"/>
-              <a:t>설정할 내용</a:t>
-            </a:r>
-            <a:endParaRPr lang="en-US" altLang="ko-KR" dirty="0" smtClean="0"/>
-          </a:p>
-          <a:p>
-            <a:pPr lvl="1"/>
-            <a:r>
-              <a:rPr lang="en-US" altLang="ko-KR" dirty="0"/>
-              <a:t>&lt;</a:t>
-            </a:r>
-            <a:r>
-              <a:rPr lang="en-US" altLang="ko-KR" dirty="0" err="1"/>
-              <a:t>GlobalNamingResources</a:t>
-            </a:r>
-            <a:r>
-              <a:rPr lang="en-US" altLang="ko-KR" dirty="0"/>
-              <a:t>&gt;</a:t>
-            </a:r>
-            <a:r>
-              <a:rPr lang="ko-KR" altLang="en-US" dirty="0" err="1"/>
-              <a:t>엘리먼트와</a:t>
-            </a:r>
-            <a:r>
-              <a:rPr lang="ko-KR" altLang="en-US" dirty="0"/>
-              <a:t> </a:t>
-            </a:r>
-            <a:r>
-              <a:rPr lang="en-US" altLang="ko-KR" dirty="0"/>
-              <a:t>&lt;Context&gt;</a:t>
-            </a:r>
-            <a:r>
-              <a:rPr lang="ko-KR" altLang="en-US" dirty="0" err="1"/>
-              <a:t>엘리먼트의</a:t>
-            </a:r>
-            <a:r>
-              <a:rPr lang="ko-KR" altLang="en-US" dirty="0"/>
-              <a:t> 하위에 </a:t>
-            </a:r>
-            <a:r>
-              <a:rPr lang="ko-KR" altLang="en-US" dirty="0" err="1"/>
-              <a:t>엘리먼트로</a:t>
-            </a:r>
-            <a:r>
-              <a:rPr lang="ko-KR" altLang="en-US" dirty="0"/>
-              <a:t> 추가</a:t>
-            </a:r>
-          </a:p>
-          <a:p>
-            <a:endParaRPr lang="en-US" altLang="ko-KR" dirty="0"/>
-          </a:p>
-          <a:p>
-            <a:endParaRPr lang="en-US" altLang="ko-KR" dirty="0" smtClean="0"/>
-          </a:p>
-          <a:p>
-            <a:endParaRPr lang="en-US" altLang="ko-KR" dirty="0"/>
-          </a:p>
-          <a:p>
-            <a:endParaRPr lang="en-US" altLang="ko-KR" dirty="0" smtClean="0"/>
-          </a:p>
-          <a:p>
-            <a:endParaRPr lang="en-US" altLang="ko-KR" dirty="0"/>
-          </a:p>
-          <a:p>
-            <a:pPr lvl="1"/>
-            <a:r>
-              <a:rPr lang="en-US" altLang="ko-KR" dirty="0" err="1"/>
-              <a:t>server.xml</a:t>
-            </a:r>
-            <a:r>
-              <a:rPr lang="ko-KR" altLang="en-US" dirty="0" smtClean="0"/>
-              <a:t> </a:t>
-            </a:r>
-            <a:r>
-              <a:rPr lang="ko-KR" altLang="en-US" dirty="0"/>
-              <a:t>파일의 위치</a:t>
-            </a:r>
-          </a:p>
-          <a:p>
-            <a:pPr lvl="2"/>
-            <a:r>
-              <a:rPr lang="ko-KR" altLang="en-US" dirty="0"/>
-              <a:t>실제 서비스 환경</a:t>
-            </a:r>
-            <a:r>
-              <a:rPr lang="en-US" altLang="ko-KR" dirty="0"/>
-              <a:t>(</a:t>
-            </a:r>
-            <a:r>
-              <a:rPr lang="ko-KR" altLang="en-US" dirty="0" err="1"/>
-              <a:t>톰캣홈</a:t>
-            </a:r>
-            <a:r>
-              <a:rPr lang="en-US" altLang="ko-KR" dirty="0"/>
-              <a:t>\</a:t>
-            </a:r>
-            <a:r>
-              <a:rPr lang="en-US" altLang="ko-KR" dirty="0" err="1"/>
-              <a:t>conf</a:t>
-            </a:r>
-            <a:r>
-              <a:rPr lang="en-US" altLang="ko-KR" dirty="0"/>
-              <a:t>)</a:t>
-            </a:r>
-          </a:p>
-          <a:p>
-            <a:pPr lvl="2"/>
-            <a:r>
-              <a:rPr lang="ko-KR" altLang="en-US" dirty="0" err="1"/>
-              <a:t>이클립스</a:t>
-            </a:r>
-            <a:r>
-              <a:rPr lang="ko-KR" altLang="en-US" dirty="0"/>
-              <a:t> 가상 환경</a:t>
-            </a:r>
-            <a:r>
-              <a:rPr lang="en-US" altLang="ko-KR" dirty="0"/>
-              <a:t>([Project Explorer] </a:t>
-            </a:r>
-            <a:r>
-              <a:rPr lang="ko-KR" altLang="en-US" dirty="0" err="1"/>
-              <a:t>뷰의</a:t>
-            </a:r>
-            <a:r>
-              <a:rPr lang="ko-KR" altLang="en-US" dirty="0"/>
-              <a:t> </a:t>
-            </a:r>
-            <a:r>
-              <a:rPr lang="en-US" altLang="ko-KR" dirty="0"/>
-              <a:t>[Servers]-[Tomcat v8.0 Server ~])</a:t>
-            </a:r>
-          </a:p>
-          <a:p>
-            <a:endParaRPr lang="ko-KR" altLang="en-US" dirty="0"/>
-          </a:p>
-        </p:txBody>
-      </p:sp>
-      <p:sp>
-        <p:nvSpPr>
-          <p:cNvPr id="4" name="TextBox 3"/>
-          <p:cNvSpPr txBox="1"/>
-          <p:nvPr/>
-        </p:nvSpPr>
-        <p:spPr>
-          <a:xfrm>
-            <a:off x="1403648" y="2564904"/>
-            <a:ext cx="6984776" cy="1754326"/>
-          </a:xfrm>
-          <a:prstGeom prst="rect">
-            <a:avLst/>
-          </a:prstGeom>
-          <a:noFill/>
-        </p:spPr>
-        <p:txBody>
-          <a:bodyPr wrap="square" rtlCol="0">
-            <a:spAutoFit/>
-          </a:bodyPr>
-          <a:lstStyle/>
-          <a:p>
-            <a:r>
-              <a:rPr lang="en-US" altLang="ko-KR" dirty="0">
-                <a:solidFill>
-                  <a:srgbClr val="008080"/>
-                </a:solidFill>
-                <a:latin typeface="Consolas"/>
-              </a:rPr>
-              <a:t>&lt;</a:t>
-            </a:r>
-            <a:r>
-              <a:rPr lang="en-US" altLang="ko-KR" dirty="0">
-                <a:solidFill>
-                  <a:srgbClr val="3F7F7F"/>
-                </a:solidFill>
-                <a:latin typeface="Consolas"/>
-              </a:rPr>
-              <a:t>Resource </a:t>
-            </a:r>
-            <a:r>
-              <a:rPr lang="en-US" altLang="ko-KR" dirty="0">
-                <a:solidFill>
-                  <a:srgbClr val="7F007F"/>
-                </a:solidFill>
-                <a:latin typeface="Consolas"/>
-              </a:rPr>
-              <a:t>name</a:t>
-            </a:r>
-            <a:r>
-              <a:rPr lang="en-US" altLang="ko-KR" dirty="0">
-                <a:solidFill>
-                  <a:srgbClr val="000000"/>
-                </a:solidFill>
-                <a:latin typeface="Consolas"/>
-              </a:rPr>
-              <a:t>=</a:t>
-            </a:r>
-            <a:r>
-              <a:rPr lang="en-US" altLang="ko-KR" i="1" dirty="0">
-                <a:solidFill>
-                  <a:srgbClr val="2A00FF"/>
-                </a:solidFill>
-                <a:latin typeface="Consolas"/>
-              </a:rPr>
-              <a:t>"</a:t>
-            </a:r>
-            <a:r>
-              <a:rPr lang="en-US" altLang="ko-KR" i="1" dirty="0" err="1">
-                <a:solidFill>
-                  <a:srgbClr val="2A00FF"/>
-                </a:solidFill>
-                <a:latin typeface="Consolas"/>
-              </a:rPr>
-              <a:t>jdbc</a:t>
-            </a:r>
-            <a:r>
-              <a:rPr lang="en-US" altLang="ko-KR" i="1" dirty="0">
-                <a:solidFill>
-                  <a:srgbClr val="2A00FF"/>
-                </a:solidFill>
-                <a:latin typeface="Consolas"/>
-              </a:rPr>
-              <a:t>/</a:t>
-            </a:r>
-            <a:r>
-              <a:rPr lang="en-US" altLang="ko-KR" i="1" dirty="0" err="1">
-                <a:solidFill>
-                  <a:srgbClr val="2A00FF"/>
-                </a:solidFill>
-                <a:latin typeface="Consolas"/>
-              </a:rPr>
-              <a:t>jsptest</a:t>
-            </a:r>
-            <a:r>
-              <a:rPr lang="en-US" altLang="ko-KR" i="1" dirty="0">
-                <a:solidFill>
-                  <a:srgbClr val="2A00FF"/>
-                </a:solidFill>
-                <a:latin typeface="Consolas"/>
-              </a:rPr>
-              <a:t>" </a:t>
-            </a:r>
-            <a:r>
-              <a:rPr lang="en-US" altLang="ko-KR" i="1" dirty="0" err="1">
-                <a:solidFill>
-                  <a:srgbClr val="7F007F"/>
-                </a:solidFill>
-                <a:latin typeface="Consolas"/>
-              </a:rPr>
-              <a:t>auth</a:t>
-            </a:r>
-            <a:r>
-              <a:rPr lang="en-US" altLang="ko-KR" i="1" dirty="0">
-                <a:solidFill>
-                  <a:srgbClr val="000000"/>
-                </a:solidFill>
-                <a:latin typeface="Consolas"/>
-              </a:rPr>
-              <a:t>=</a:t>
-            </a:r>
-            <a:r>
-              <a:rPr lang="en-US" altLang="ko-KR" i="1" dirty="0">
-                <a:solidFill>
-                  <a:srgbClr val="2A00FF"/>
-                </a:solidFill>
-                <a:latin typeface="Consolas"/>
-              </a:rPr>
-              <a:t>"Container" </a:t>
-            </a:r>
-            <a:endParaRPr lang="en-US" altLang="ko-KR" i="1" dirty="0" smtClean="0">
-              <a:solidFill>
-                <a:srgbClr val="2A00FF"/>
-              </a:solidFill>
-              <a:latin typeface="Consolas"/>
-            </a:endParaRPr>
-          </a:p>
-          <a:p>
-            <a:r>
-              <a:rPr lang="en-US" altLang="ko-KR" i="1" dirty="0" smtClean="0">
-                <a:solidFill>
-                  <a:srgbClr val="7F007F"/>
-                </a:solidFill>
-                <a:latin typeface="Consolas"/>
-              </a:rPr>
-              <a:t>type</a:t>
-            </a:r>
-            <a:r>
-              <a:rPr lang="en-US" altLang="ko-KR" i="1" dirty="0">
-                <a:solidFill>
-                  <a:srgbClr val="000000"/>
-                </a:solidFill>
-                <a:latin typeface="Consolas"/>
-              </a:rPr>
-              <a:t>=</a:t>
-            </a:r>
-            <a:r>
-              <a:rPr lang="en-US" altLang="ko-KR" i="1" dirty="0">
-                <a:solidFill>
-                  <a:srgbClr val="2A00FF"/>
-                </a:solidFill>
-                <a:latin typeface="Consolas"/>
-              </a:rPr>
-              <a:t>"</a:t>
-            </a:r>
-            <a:r>
-              <a:rPr lang="en-US" altLang="ko-KR" i="1" dirty="0" err="1">
-                <a:solidFill>
-                  <a:srgbClr val="2A00FF"/>
-                </a:solidFill>
-                <a:latin typeface="Consolas"/>
-              </a:rPr>
-              <a:t>javax.sql.DataSource</a:t>
-            </a:r>
-            <a:r>
-              <a:rPr lang="en-US" altLang="ko-KR" i="1" dirty="0">
-                <a:solidFill>
-                  <a:srgbClr val="2A00FF"/>
-                </a:solidFill>
-                <a:latin typeface="Consolas"/>
-              </a:rPr>
-              <a:t>" </a:t>
-            </a:r>
-            <a:endParaRPr lang="en-US" altLang="ko-KR" i="1" dirty="0" smtClean="0">
-              <a:solidFill>
-                <a:srgbClr val="2A00FF"/>
-              </a:solidFill>
-              <a:latin typeface="Consolas"/>
-            </a:endParaRPr>
-          </a:p>
-          <a:p>
-            <a:r>
-              <a:rPr lang="en-US" altLang="ko-KR" i="1" dirty="0" err="1" smtClean="0">
-                <a:solidFill>
-                  <a:srgbClr val="7F007F"/>
-                </a:solidFill>
-                <a:latin typeface="Consolas"/>
-              </a:rPr>
-              <a:t>driverClassName</a:t>
-            </a:r>
-            <a:r>
-              <a:rPr lang="en-US" altLang="ko-KR" i="1" dirty="0">
-                <a:solidFill>
-                  <a:srgbClr val="000000"/>
-                </a:solidFill>
-                <a:latin typeface="Consolas"/>
-              </a:rPr>
-              <a:t>=</a:t>
-            </a:r>
-            <a:r>
-              <a:rPr lang="en-US" altLang="ko-KR" i="1" dirty="0">
-                <a:solidFill>
-                  <a:srgbClr val="2A00FF"/>
-                </a:solidFill>
-                <a:latin typeface="Consolas"/>
-              </a:rPr>
-              <a:t>"</a:t>
-            </a:r>
-            <a:r>
-              <a:rPr lang="en-US" altLang="ko-KR" i="1" dirty="0" err="1">
-                <a:solidFill>
-                  <a:srgbClr val="2A00FF"/>
-                </a:solidFill>
-                <a:latin typeface="Consolas"/>
-              </a:rPr>
-              <a:t>com.mysql.jdbc.Driver</a:t>
-            </a:r>
-            <a:r>
-              <a:rPr lang="en-US" altLang="ko-KR" i="1" dirty="0">
-                <a:solidFill>
-                  <a:srgbClr val="2A00FF"/>
-                </a:solidFill>
-                <a:latin typeface="Consolas"/>
-              </a:rPr>
-              <a:t>" </a:t>
-            </a:r>
-          </a:p>
-          <a:p>
-            <a:r>
-              <a:rPr lang="en-US" altLang="ko-KR" dirty="0" smtClean="0">
-                <a:solidFill>
-                  <a:srgbClr val="7F007F"/>
-                </a:solidFill>
-                <a:latin typeface="Consolas"/>
-              </a:rPr>
-              <a:t>username</a:t>
-            </a:r>
-            <a:r>
-              <a:rPr lang="en-US" altLang="ko-KR" dirty="0">
-                <a:solidFill>
-                  <a:srgbClr val="000000"/>
-                </a:solidFill>
-                <a:latin typeface="Consolas"/>
-              </a:rPr>
-              <a:t>=</a:t>
-            </a:r>
-            <a:r>
-              <a:rPr lang="en-US" altLang="ko-KR" i="1" dirty="0">
-                <a:solidFill>
-                  <a:srgbClr val="2A00FF"/>
-                </a:solidFill>
-                <a:latin typeface="Consolas"/>
-              </a:rPr>
-              <a:t>"</a:t>
-            </a:r>
-            <a:r>
-              <a:rPr lang="en-US" altLang="ko-KR" i="1" dirty="0" err="1">
-                <a:solidFill>
-                  <a:srgbClr val="2A00FF"/>
-                </a:solidFill>
-                <a:latin typeface="Consolas"/>
-              </a:rPr>
-              <a:t>jspid</a:t>
-            </a:r>
-            <a:r>
-              <a:rPr lang="en-US" altLang="ko-KR" i="1" dirty="0">
-                <a:solidFill>
-                  <a:srgbClr val="2A00FF"/>
-                </a:solidFill>
-                <a:latin typeface="Consolas"/>
-              </a:rPr>
-              <a:t>" </a:t>
-            </a:r>
-            <a:r>
-              <a:rPr lang="en-US" altLang="ko-KR" i="1" dirty="0">
-                <a:solidFill>
-                  <a:srgbClr val="7F007F"/>
-                </a:solidFill>
-                <a:latin typeface="Consolas"/>
-              </a:rPr>
-              <a:t>password</a:t>
-            </a:r>
-            <a:r>
-              <a:rPr lang="en-US" altLang="ko-KR" i="1" dirty="0">
-                <a:solidFill>
-                  <a:srgbClr val="000000"/>
-                </a:solidFill>
-                <a:latin typeface="Consolas"/>
-              </a:rPr>
-              <a:t>=</a:t>
-            </a:r>
-            <a:r>
-              <a:rPr lang="en-US" altLang="ko-KR" i="1" dirty="0">
-                <a:solidFill>
-                  <a:srgbClr val="2A00FF"/>
-                </a:solidFill>
-                <a:latin typeface="Consolas"/>
-              </a:rPr>
-              <a:t>"</a:t>
-            </a:r>
-            <a:r>
-              <a:rPr lang="en-US" altLang="ko-KR" i="1" dirty="0" err="1">
-                <a:solidFill>
-                  <a:srgbClr val="2A00FF"/>
-                </a:solidFill>
-                <a:latin typeface="Consolas"/>
-              </a:rPr>
-              <a:t>jsppass</a:t>
-            </a:r>
-            <a:r>
-              <a:rPr lang="en-US" altLang="ko-KR" i="1" dirty="0">
-                <a:solidFill>
-                  <a:srgbClr val="2A00FF"/>
-                </a:solidFill>
-                <a:latin typeface="Consolas"/>
-              </a:rPr>
-              <a:t>" </a:t>
-            </a:r>
-            <a:endParaRPr lang="en-US" altLang="ko-KR" i="1" dirty="0" smtClean="0">
-              <a:solidFill>
-                <a:srgbClr val="2A00FF"/>
-              </a:solidFill>
-              <a:latin typeface="Consolas"/>
-            </a:endParaRPr>
-          </a:p>
-          <a:p>
-            <a:r>
-              <a:rPr lang="en-US" altLang="ko-KR" i="1" dirty="0" err="1" smtClean="0">
-                <a:solidFill>
-                  <a:srgbClr val="7F007F"/>
-                </a:solidFill>
-                <a:latin typeface="Consolas"/>
-              </a:rPr>
-              <a:t>url</a:t>
-            </a:r>
-            <a:r>
-              <a:rPr lang="en-US" altLang="ko-KR" i="1" dirty="0">
-                <a:solidFill>
-                  <a:srgbClr val="000000"/>
-                </a:solidFill>
-                <a:latin typeface="Consolas"/>
-              </a:rPr>
-              <a:t>=</a:t>
-            </a:r>
-            <a:r>
-              <a:rPr lang="en-US" altLang="ko-KR" i="1" dirty="0">
-                <a:solidFill>
-                  <a:srgbClr val="2A00FF"/>
-                </a:solidFill>
-                <a:latin typeface="Consolas"/>
-              </a:rPr>
-              <a:t>"</a:t>
-            </a:r>
-            <a:r>
-              <a:rPr lang="en-US" altLang="ko-KR" i="1" dirty="0" err="1">
-                <a:solidFill>
-                  <a:srgbClr val="2A00FF"/>
-                </a:solidFill>
-                <a:latin typeface="Consolas"/>
-              </a:rPr>
-              <a:t>jdbc:mysql</a:t>
-            </a:r>
-            <a:r>
-              <a:rPr lang="en-US" altLang="ko-KR" i="1" dirty="0">
-                <a:solidFill>
-                  <a:srgbClr val="2A00FF"/>
-                </a:solidFill>
-                <a:latin typeface="Consolas"/>
-              </a:rPr>
-              <a:t>://localhost:3306/</a:t>
-            </a:r>
-            <a:r>
-              <a:rPr lang="en-US" altLang="ko-KR" i="1" dirty="0" err="1">
-                <a:solidFill>
-                  <a:srgbClr val="2A00FF"/>
-                </a:solidFill>
-                <a:latin typeface="Consolas"/>
-              </a:rPr>
-              <a:t>jsptest</a:t>
-            </a:r>
-            <a:r>
-              <a:rPr lang="en-US" altLang="ko-KR" i="1" dirty="0">
-                <a:solidFill>
-                  <a:srgbClr val="2A00FF"/>
-                </a:solidFill>
-                <a:latin typeface="Consolas"/>
-              </a:rPr>
-              <a:t>" </a:t>
-            </a:r>
-            <a:endParaRPr lang="en-US" altLang="ko-KR" i="1" dirty="0" smtClean="0">
-              <a:solidFill>
-                <a:srgbClr val="2A00FF"/>
-              </a:solidFill>
-              <a:latin typeface="Consolas"/>
-            </a:endParaRPr>
-          </a:p>
-          <a:p>
-            <a:r>
-              <a:rPr lang="en-US" altLang="ko-KR" i="1" dirty="0" err="1" smtClean="0">
-                <a:solidFill>
-                  <a:srgbClr val="7F007F"/>
-                </a:solidFill>
-                <a:latin typeface="Consolas"/>
-              </a:rPr>
-              <a:t>maxWait</a:t>
-            </a:r>
-            <a:r>
-              <a:rPr lang="en-US" altLang="ko-KR" i="1" dirty="0">
-                <a:solidFill>
-                  <a:srgbClr val="000000"/>
-                </a:solidFill>
-                <a:latin typeface="Consolas"/>
-              </a:rPr>
-              <a:t>=</a:t>
-            </a:r>
-            <a:r>
-              <a:rPr lang="en-US" altLang="ko-KR" i="1" dirty="0">
-                <a:solidFill>
-                  <a:srgbClr val="2A00FF"/>
-                </a:solidFill>
-                <a:latin typeface="Consolas"/>
-              </a:rPr>
-              <a:t>"5000" </a:t>
-            </a:r>
-            <a:r>
-              <a:rPr lang="en-US" altLang="ko-KR" i="1" dirty="0">
-                <a:solidFill>
-                  <a:srgbClr val="008080"/>
-                </a:solidFill>
-                <a:latin typeface="Consolas"/>
-              </a:rPr>
-              <a:t>/&gt;</a:t>
-            </a:r>
-            <a:endParaRPr lang="ko-KR" altLang="en-US" dirty="0"/>
-          </a:p>
-        </p:txBody>
-      </p:sp>
-    </p:spTree>
-    <p:extLst>
-      <p:ext uri="{BB962C8B-B14F-4D97-AF65-F5344CB8AC3E}">
-        <p14:creationId xmlns:p14="http://schemas.microsoft.com/office/powerpoint/2010/main" val="793609073"/>
-      </p:ext>
-    </p:extLst>
-  </p:cSld>
-  <p:clrMapOvr>
-    <a:masterClrMapping/>
-  </p:clrMapOvr>
-</p:sld>
-</file>
-
-<file path=ppt/slides/slide23.xml><?xml version="1.0" encoding="utf-8"?>
-<p:sld xmlns:a="http://schemas.openxmlformats.org/drawingml/2006/main" xmlns:r="http://schemas.openxmlformats.org/officeDocument/2006/relationships" xmlns:p="http://schemas.openxmlformats.org/presentationml/2006/main">
-  <p:cSld>
-    <p:spTree>
-      <p:nvGrpSpPr>
-        <p:cNvPr id="1" name=""/>
-        <p:cNvGrpSpPr/>
-        <p:nvPr/>
-      </p:nvGrpSpPr>
-      <p:grpSpPr>
-        <a:xfrm>
-          <a:off x="0" y="0"/>
-          <a:ext cx="0" cy="0"/>
-          <a:chOff x="0" y="0"/>
-          <a:chExt cx="0" cy="0"/>
-        </a:xfrm>
-      </p:grpSpPr>
-      <p:sp>
-        <p:nvSpPr>
-          <p:cNvPr id="2" name="제목 1"/>
-          <p:cNvSpPr>
-            <a:spLocks noGrp="1"/>
-          </p:cNvSpPr>
-          <p:nvPr>
-            <p:ph type="title"/>
-          </p:nvPr>
-        </p:nvSpPr>
-        <p:spPr/>
-        <p:txBody>
-          <a:bodyPr/>
-          <a:lstStyle/>
-          <a:p>
-            <a:r>
-              <a:rPr lang="en-US" altLang="ko-KR" dirty="0"/>
-              <a:t>Connection pools</a:t>
-            </a:r>
-            <a:endParaRPr lang="ko-KR" altLang="en-US" dirty="0"/>
-          </a:p>
-        </p:txBody>
-      </p:sp>
-      <p:sp>
-        <p:nvSpPr>
-          <p:cNvPr id="3" name="내용 개체 틀 2"/>
-          <p:cNvSpPr>
-            <a:spLocks noGrp="1"/>
-          </p:cNvSpPr>
-          <p:nvPr>
-            <p:ph sz="quarter" idx="1"/>
-          </p:nvPr>
-        </p:nvSpPr>
-        <p:spPr/>
-        <p:txBody>
-          <a:bodyPr/>
-          <a:lstStyle/>
-          <a:p>
-            <a:r>
-              <a:rPr lang="en-US" altLang="ko-KR" dirty="0" err="1"/>
-              <a:t>JNDI</a:t>
-            </a:r>
-            <a:r>
-              <a:rPr lang="en-US" altLang="ko-KR" dirty="0"/>
-              <a:t> </a:t>
-            </a:r>
-            <a:r>
-              <a:rPr lang="ko-KR" altLang="en-US" dirty="0"/>
-              <a:t>리소스 사용 설정 </a:t>
-            </a:r>
-            <a:r>
-              <a:rPr lang="en-US" altLang="ko-KR" dirty="0"/>
-              <a:t>- </a:t>
-            </a:r>
-            <a:r>
-              <a:rPr lang="en-US" altLang="ko-KR" dirty="0" err="1"/>
-              <a:t>web.xml</a:t>
-            </a:r>
-            <a:r>
-              <a:rPr lang="en-US" altLang="ko-KR" dirty="0"/>
-              <a:t> </a:t>
-            </a:r>
-          </a:p>
-          <a:p>
-            <a:pPr lvl="1"/>
-            <a:r>
-              <a:rPr lang="en-US" altLang="ko-KR" dirty="0" err="1"/>
-              <a:t>server.xml</a:t>
-            </a:r>
-            <a:r>
-              <a:rPr lang="ko-KR" altLang="en-US" dirty="0"/>
-              <a:t>에 저장된 </a:t>
-            </a:r>
-            <a:r>
-              <a:rPr lang="en-US" altLang="ko-KR" dirty="0" err="1"/>
-              <a:t>JNDI</a:t>
-            </a:r>
-            <a:r>
-              <a:rPr lang="en-US" altLang="ko-KR" dirty="0"/>
-              <a:t> </a:t>
-            </a:r>
-            <a:r>
-              <a:rPr lang="ko-KR" altLang="en-US" dirty="0"/>
-              <a:t>리소스를 </a:t>
-            </a:r>
-            <a:r>
-              <a:rPr lang="ko-KR" altLang="en-US" dirty="0" err="1"/>
-              <a:t>자바빈</a:t>
-            </a:r>
-            <a:r>
-              <a:rPr lang="ko-KR" altLang="en-US" dirty="0"/>
-              <a:t> 또는 </a:t>
-            </a:r>
-            <a:r>
-              <a:rPr lang="en-US" altLang="ko-KR" dirty="0" err="1"/>
-              <a:t>JSP</a:t>
-            </a:r>
-            <a:r>
-              <a:rPr lang="ko-KR" altLang="en-US" dirty="0"/>
-              <a:t>페이지에서 사용하기 위해 설정</a:t>
-            </a:r>
-          </a:p>
-          <a:p>
-            <a:endParaRPr lang="ko-KR" altLang="en-US" dirty="0"/>
-          </a:p>
-          <a:p>
-            <a:pPr lvl="1"/>
-            <a:r>
-              <a:rPr lang="ko-KR" altLang="en-US" dirty="0"/>
-              <a:t>설정할 내용</a:t>
-            </a:r>
-          </a:p>
-          <a:p>
-            <a:endParaRPr lang="ko-KR" altLang="en-US" dirty="0"/>
-          </a:p>
-        </p:txBody>
-      </p:sp>
-      <p:sp>
-        <p:nvSpPr>
-          <p:cNvPr id="4" name="TextBox 3"/>
-          <p:cNvSpPr txBox="1"/>
-          <p:nvPr/>
-        </p:nvSpPr>
-        <p:spPr>
-          <a:xfrm>
-            <a:off x="1061984" y="3068960"/>
-            <a:ext cx="6984776" cy="1754326"/>
-          </a:xfrm>
-          <a:prstGeom prst="rect">
-            <a:avLst/>
-          </a:prstGeom>
-          <a:noFill/>
-        </p:spPr>
-        <p:txBody>
-          <a:bodyPr wrap="square" rtlCol="0">
-            <a:spAutoFit/>
-          </a:bodyPr>
-          <a:lstStyle/>
-          <a:p>
-            <a:r>
-              <a:rPr lang="en-US" altLang="ko-KR" dirty="0"/>
-              <a:t>&lt;resource-ref&gt; </a:t>
-            </a:r>
-          </a:p>
-          <a:p>
-            <a:r>
-              <a:rPr lang="en-US" altLang="ko-KR" dirty="0"/>
-              <a:t>   &lt;description&gt;</a:t>
-            </a:r>
-            <a:r>
-              <a:rPr lang="en-US" altLang="ko-KR" u="sng" dirty="0" err="1"/>
-              <a:t>testjsp</a:t>
-            </a:r>
-            <a:r>
-              <a:rPr lang="en-US" altLang="ko-KR" u="sng" dirty="0"/>
-              <a:t> </a:t>
-            </a:r>
-            <a:r>
-              <a:rPr lang="en-US" altLang="ko-KR" u="sng" dirty="0" err="1"/>
-              <a:t>db</a:t>
-            </a:r>
-            <a:r>
-              <a:rPr lang="en-US" altLang="ko-KR" u="sng" dirty="0"/>
-              <a:t>&lt;/description&gt; </a:t>
-            </a:r>
-          </a:p>
-          <a:p>
-            <a:r>
-              <a:rPr lang="en-US" altLang="ko-KR" dirty="0"/>
-              <a:t>   &lt;res-ref-name&gt;</a:t>
-            </a:r>
-            <a:r>
-              <a:rPr lang="en-US" altLang="ko-KR" u="sng" dirty="0" err="1"/>
-              <a:t>jdbc</a:t>
-            </a:r>
-            <a:r>
-              <a:rPr lang="en-US" altLang="ko-KR" u="sng" dirty="0"/>
-              <a:t>/</a:t>
-            </a:r>
-            <a:r>
-              <a:rPr lang="en-US" altLang="ko-KR" u="sng" dirty="0" err="1"/>
-              <a:t>jsptest</a:t>
-            </a:r>
-            <a:r>
-              <a:rPr lang="en-US" altLang="ko-KR" u="sng" dirty="0"/>
-              <a:t>&lt;/res-ref-name&gt; </a:t>
-            </a:r>
-          </a:p>
-          <a:p>
-            <a:r>
-              <a:rPr lang="en-US" altLang="ko-KR" dirty="0"/>
-              <a:t>   &lt;res-type&gt;</a:t>
-            </a:r>
-            <a:r>
-              <a:rPr lang="en-US" altLang="ko-KR" dirty="0" err="1"/>
-              <a:t>javax.sql.DataSource</a:t>
-            </a:r>
-            <a:r>
-              <a:rPr lang="en-US" altLang="ko-KR" dirty="0"/>
-              <a:t>&lt;/res-type&gt; </a:t>
-            </a:r>
-          </a:p>
-          <a:p>
-            <a:r>
-              <a:rPr lang="en-US" altLang="ko-KR" dirty="0"/>
-              <a:t>   &lt;res-</a:t>
-            </a:r>
-            <a:r>
-              <a:rPr lang="en-US" altLang="ko-KR" dirty="0" err="1"/>
-              <a:t>auth</a:t>
-            </a:r>
-            <a:r>
-              <a:rPr lang="en-US" altLang="ko-KR" dirty="0"/>
-              <a:t>&gt;Container&lt;/res-</a:t>
-            </a:r>
-            <a:r>
-              <a:rPr lang="en-US" altLang="ko-KR" dirty="0" err="1"/>
-              <a:t>auth</a:t>
-            </a:r>
-            <a:r>
-              <a:rPr lang="en-US" altLang="ko-KR" dirty="0"/>
-              <a:t>&gt; </a:t>
-            </a:r>
-          </a:p>
-          <a:p>
-            <a:r>
-              <a:rPr lang="en-US" altLang="ko-KR" dirty="0"/>
-              <a:t>  &lt;/resource-ref&gt;</a:t>
-            </a:r>
-            <a:endParaRPr lang="ko-KR" altLang="en-US" dirty="0"/>
-          </a:p>
-        </p:txBody>
-      </p:sp>
-    </p:spTree>
-    <p:extLst>
-      <p:ext uri="{BB962C8B-B14F-4D97-AF65-F5344CB8AC3E}">
-        <p14:creationId xmlns:p14="http://schemas.microsoft.com/office/powerpoint/2010/main" val="612794032"/>
+        <p14:creationId xmlns:p14="http://schemas.microsoft.com/office/powerpoint/2010/main" val="736277924"/>
       </p:ext>
     </p:extLst>
   </p:cSld>
@@ -9576,8 +9386,8 @@
           <a:lstStyle/>
           <a:p>
             <a:r>
-              <a:rPr lang="en-US" altLang="ko-KR" dirty="0"/>
-              <a:t>Connection pools</a:t>
+              <a:rPr lang="ko-KR" altLang="en-US" dirty="0" smtClean="0"/>
+              <a:t>실행 결과 처리</a:t>
             </a:r>
             <a:endParaRPr lang="ko-KR" altLang="en-US" dirty="0"/>
           </a:p>
@@ -9598,151 +9408,137 @@
           <a:bodyPr/>
           <a:lstStyle/>
           <a:p>
-            <a:r>
-              <a:rPr lang="en-US" altLang="ko-KR" dirty="0" err="1"/>
-              <a:t>JSP</a:t>
+            <a:pPr>
+              <a:lnSpc>
+                <a:spcPct val="150000"/>
+              </a:lnSpc>
+            </a:pPr>
+            <a:r>
+              <a:rPr lang="en-US" altLang="ko-KR" dirty="0" err="1" smtClean="0"/>
+              <a:t>ResultSet</a:t>
+            </a:r>
+            <a:r>
+              <a:rPr lang="en-US" altLang="ko-KR" dirty="0" smtClean="0"/>
+              <a:t> </a:t>
             </a:r>
             <a:r>
               <a:rPr lang="ko-KR" altLang="en-US" dirty="0" smtClean="0"/>
-              <a:t>페이지에서 </a:t>
-            </a:r>
-            <a:r>
-              <a:rPr lang="ko-KR" altLang="en-US" dirty="0"/>
-              <a:t>커넥션 풀 사용</a:t>
-            </a:r>
-          </a:p>
-          <a:p>
+              <a:t>객체</a:t>
+            </a:r>
+            <a:endParaRPr lang="en-US" altLang="ko-KR" dirty="0" smtClean="0"/>
+          </a:p>
+          <a:p>
+            <a:pPr lvl="1">
+              <a:lnSpc>
+                <a:spcPct val="150000"/>
+              </a:lnSpc>
+            </a:pPr>
+            <a:r>
+              <a:rPr lang="en-US" altLang="ko-KR" dirty="0">
+                <a:latin typeface="맑은 고딕" panose="020B0503020000020004" pitchFamily="50" charset="-127"/>
+              </a:rPr>
+              <a:t>Statement </a:t>
+            </a:r>
+            <a:r>
+              <a:rPr lang="ko-KR" altLang="en-US" dirty="0">
+                <a:latin typeface="맑은 고딕" panose="020B0503020000020004" pitchFamily="50" charset="-127"/>
+              </a:rPr>
+              <a:t>객체 또는 </a:t>
+            </a:r>
+            <a:r>
+              <a:rPr lang="en-US" altLang="ko-KR" dirty="0" err="1">
+                <a:latin typeface="맑은 고딕" panose="020B0503020000020004" pitchFamily="50" charset="-127"/>
+              </a:rPr>
+              <a:t>PreparedStatement</a:t>
+            </a:r>
+            <a:r>
+              <a:rPr lang="en-US" altLang="ko-KR" dirty="0">
+                <a:latin typeface="맑은 고딕" panose="020B0503020000020004" pitchFamily="50" charset="-127"/>
+              </a:rPr>
+              <a:t> </a:t>
+            </a:r>
+            <a:r>
+              <a:rPr lang="ko-KR" altLang="en-US" dirty="0">
+                <a:latin typeface="맑은 고딕" panose="020B0503020000020004" pitchFamily="50" charset="-127"/>
+              </a:rPr>
+              <a:t>객체로 </a:t>
+            </a:r>
+            <a:r>
+              <a:rPr lang="en-US" altLang="ko-KR" dirty="0">
+                <a:latin typeface="맑은 고딕" panose="020B0503020000020004" pitchFamily="50" charset="-127"/>
+              </a:rPr>
+              <a:t>SELECT</a:t>
+            </a:r>
+            <a:r>
+              <a:rPr lang="ko-KR" altLang="en-US" dirty="0">
+                <a:latin typeface="맑은 고딕" panose="020B0503020000020004" pitchFamily="50" charset="-127"/>
+              </a:rPr>
+              <a:t>문을 사용하여 얻어 온 레코드 값들을 </a:t>
+            </a:r>
+            <a:r>
+              <a:rPr lang="ko-KR" altLang="en-US" dirty="0" smtClean="0">
+                <a:latin typeface="맑은 고딕" panose="020B0503020000020004" pitchFamily="50" charset="-127"/>
+              </a:rPr>
+              <a:t>테이블의 </a:t>
+            </a:r>
+            <a:r>
+              <a:rPr lang="ko-KR" altLang="en-US" dirty="0">
+                <a:latin typeface="맑은 고딕" panose="020B0503020000020004" pitchFamily="50" charset="-127"/>
+              </a:rPr>
+              <a:t>형태로 갖게 되는 객체</a:t>
+            </a:r>
+            <a:endParaRPr lang="en-US" altLang="ko-KR" dirty="0">
+              <a:latin typeface="맑은 고딕" panose="020B0503020000020004" pitchFamily="50" charset="-127"/>
+            </a:endParaRPr>
+          </a:p>
+          <a:p>
+            <a:pPr>
+              <a:lnSpc>
+                <a:spcPct val="150000"/>
+              </a:lnSpc>
+            </a:pPr>
+            <a:endParaRPr lang="en-US" altLang="ko-KR" dirty="0">
+              <a:latin typeface="맑은 고딕" panose="020B0503020000020004" pitchFamily="50" charset="-127"/>
+            </a:endParaRPr>
+          </a:p>
+          <a:p>
+            <a:pPr lvl="1">
+              <a:lnSpc>
+                <a:spcPct val="150000"/>
+              </a:lnSpc>
+            </a:pPr>
             <a:endParaRPr lang="ko-KR" altLang="en-US" dirty="0"/>
           </a:p>
-          <a:p>
-            <a:pPr lvl="1"/>
-            <a:r>
-              <a:rPr lang="en-US" altLang="ko-KR" dirty="0" smtClean="0"/>
-              <a:t>Context </a:t>
-            </a:r>
-            <a:r>
-              <a:rPr lang="en-US" altLang="ko-KR" dirty="0" err="1"/>
-              <a:t>initCtx</a:t>
-            </a:r>
-            <a:r>
-              <a:rPr lang="en-US" altLang="ko-KR" dirty="0"/>
-              <a:t> = new </a:t>
-            </a:r>
-            <a:r>
-              <a:rPr lang="en-US" altLang="ko-KR" dirty="0" err="1"/>
-              <a:t>InitialContext</a:t>
-            </a:r>
-            <a:r>
-              <a:rPr lang="en-US" altLang="ko-KR" dirty="0"/>
-              <a:t>(); </a:t>
-            </a:r>
-          </a:p>
-          <a:p>
-            <a:pPr lvl="1"/>
-            <a:r>
-              <a:rPr lang="en-US" altLang="ko-KR" dirty="0"/>
-              <a:t>Context </a:t>
-            </a:r>
-            <a:r>
-              <a:rPr lang="en-US" altLang="ko-KR" dirty="0" err="1"/>
-              <a:t>envCtx</a:t>
-            </a:r>
-            <a:r>
-              <a:rPr lang="en-US" altLang="ko-KR" dirty="0"/>
-              <a:t> = (Context) </a:t>
-            </a:r>
-            <a:r>
-              <a:rPr lang="en-US" altLang="ko-KR" dirty="0" err="1"/>
-              <a:t>initCtx.lookup</a:t>
-            </a:r>
-            <a:r>
-              <a:rPr lang="en-US" altLang="ko-KR" dirty="0"/>
-              <a:t>("</a:t>
-            </a:r>
-            <a:r>
-              <a:rPr lang="en-US" altLang="ko-KR" dirty="0" err="1"/>
-              <a:t>java:comp</a:t>
-            </a:r>
-            <a:r>
-              <a:rPr lang="en-US" altLang="ko-KR" dirty="0"/>
-              <a:t>/</a:t>
-            </a:r>
-            <a:r>
-              <a:rPr lang="en-US" altLang="ko-KR" dirty="0" err="1"/>
-              <a:t>env</a:t>
-            </a:r>
-            <a:r>
-              <a:rPr lang="en-US" altLang="ko-KR" dirty="0"/>
-              <a:t>"); </a:t>
-            </a:r>
-          </a:p>
-          <a:p>
-            <a:pPr lvl="1"/>
-            <a:r>
-              <a:rPr lang="en-US" altLang="ko-KR" dirty="0" err="1"/>
-              <a:t>DataSource</a:t>
-            </a:r>
-            <a:r>
-              <a:rPr lang="en-US" altLang="ko-KR" dirty="0"/>
-              <a:t> ds = (</a:t>
-            </a:r>
-            <a:r>
-              <a:rPr lang="en-US" altLang="ko-KR" dirty="0" err="1"/>
-              <a:t>DataSource</a:t>
-            </a:r>
-            <a:r>
-              <a:rPr lang="en-US" altLang="ko-KR" dirty="0"/>
-              <a:t>)</a:t>
-            </a:r>
-            <a:r>
-              <a:rPr lang="en-US" altLang="ko-KR" dirty="0" err="1"/>
-              <a:t>envCtx.lookup</a:t>
-            </a:r>
-            <a:r>
-              <a:rPr lang="en-US" altLang="ko-KR" dirty="0"/>
-              <a:t>("</a:t>
-            </a:r>
-            <a:r>
-              <a:rPr lang="en-US" altLang="ko-KR" dirty="0" err="1"/>
-              <a:t>jdbc</a:t>
-            </a:r>
-            <a:r>
-              <a:rPr lang="en-US" altLang="ko-KR" dirty="0"/>
-              <a:t>/</a:t>
-            </a:r>
-            <a:r>
-              <a:rPr lang="en-US" altLang="ko-KR" dirty="0" err="1"/>
-              <a:t>jsptest</a:t>
-            </a:r>
-            <a:r>
-              <a:rPr lang="en-US" altLang="ko-KR" dirty="0"/>
-              <a:t>"); </a:t>
-            </a:r>
-          </a:p>
-          <a:p>
-            <a:pPr lvl="1"/>
-            <a:r>
-              <a:rPr lang="en-US" altLang="ko-KR" dirty="0"/>
-              <a:t>Connection conn = </a:t>
-            </a:r>
-            <a:r>
-              <a:rPr lang="en-US" altLang="ko-KR" dirty="0" err="1"/>
-              <a:t>ds.getConnection</a:t>
-            </a:r>
-            <a:r>
-              <a:rPr lang="en-US" altLang="ko-KR" dirty="0"/>
-              <a:t>();</a:t>
-            </a:r>
-          </a:p>
-          <a:p>
-            <a:endParaRPr lang="ko-KR" altLang="en-US" dirty="0"/>
-          </a:p>
-        </p:txBody>
-      </p:sp>
+        </p:txBody>
+      </p:sp>
+      <p:pic>
+        <p:nvPicPr>
+          <p:cNvPr id="4" name="그림 3"/>
+          <p:cNvPicPr>
+            <a:picLocks noChangeAspect="1"/>
+          </p:cNvPicPr>
+          <p:nvPr/>
+        </p:nvPicPr>
+        <p:blipFill>
+          <a:blip r:embed="rId2"/>
+          <a:stretch>
+            <a:fillRect/>
+          </a:stretch>
+        </p:blipFill>
+        <p:spPr>
+          <a:xfrm>
+            <a:off x="899592" y="2918276"/>
+            <a:ext cx="7647897" cy="2384412"/>
+          </a:xfrm>
+          <a:prstGeom prst="rect">
+            <a:avLst/>
+          </a:prstGeom>
+        </p:spPr>
+      </p:pic>
     </p:spTree>
     <p:extLst>
       <p:ext uri="{BB962C8B-B14F-4D97-AF65-F5344CB8AC3E}">
-        <p14:creationId xmlns:p14="http://schemas.microsoft.com/office/powerpoint/2010/main" val="2561777221"/>
+        <p14:creationId xmlns:p14="http://schemas.microsoft.com/office/powerpoint/2010/main" val="2402644952"/>
       </p:ext>
     </p:extLst>
   </p:cSld>
@@ -9785,6 +9581,366 @@
           <a:lstStyle/>
           <a:p>
             <a:r>
+              <a:rPr lang="ko-KR" altLang="en-US" dirty="0" smtClean="0"/>
+              <a:t>실행 결과 처리</a:t>
+            </a:r>
+            <a:endParaRPr lang="ko-KR" altLang="en-US" dirty="0"/>
+          </a:p>
+        </p:txBody>
+      </p:sp>
+      <p:sp>
+        <p:nvSpPr>
+          <p:cNvPr id="3" name="내용 개체 틀 2"/>
+          <p:cNvSpPr>
+            <a:spLocks noGrp="1"/>
+          </p:cNvSpPr>
+          <p:nvPr>
+            <p:ph sz="quarter" idx="1"/>
+          </p:nvPr>
+        </p:nvSpPr>
+        <p:spPr/>
+        <p:txBody>
+          <a:bodyPr/>
+          <a:lstStyle/>
+          <a:p>
+            <a:pPr>
+              <a:lnSpc>
+                <a:spcPct val="150000"/>
+              </a:lnSpc>
+            </a:pPr>
+            <a:r>
+              <a:rPr lang="en-US" altLang="ko-KR" dirty="0" err="1"/>
+              <a:t>ResultSet</a:t>
+            </a:r>
+            <a:r>
+              <a:rPr lang="en-US" altLang="ko-KR" dirty="0"/>
+              <a:t> </a:t>
+            </a:r>
+            <a:r>
+              <a:rPr lang="ko-KR" altLang="en-US" dirty="0"/>
+              <a:t>커서 </a:t>
+            </a:r>
+            <a:r>
+              <a:rPr lang="ko-KR" altLang="en-US" dirty="0" smtClean="0"/>
+              <a:t>움직이기</a:t>
+            </a:r>
+            <a:endParaRPr lang="ko-KR" altLang="en-US" dirty="0"/>
+          </a:p>
+          <a:p>
+            <a:pPr lvl="1"/>
+            <a:r>
+              <a:rPr lang="en-US" altLang="ko-KR" dirty="0" err="1">
+                <a:latin typeface="맑은 고딕" panose="020B0503020000020004" pitchFamily="50" charset="-127"/>
+              </a:rPr>
+              <a:t>ResultSet</a:t>
+            </a:r>
+            <a:r>
+              <a:rPr lang="en-US" altLang="ko-KR" dirty="0">
+                <a:latin typeface="맑은 고딕" panose="020B0503020000020004" pitchFamily="50" charset="-127"/>
+              </a:rPr>
+              <a:t> </a:t>
+            </a:r>
+            <a:r>
+              <a:rPr lang="ko-KR" altLang="en-US" dirty="0">
+                <a:latin typeface="맑은 고딕" panose="020B0503020000020004" pitchFamily="50" charset="-127"/>
+              </a:rPr>
+              <a:t>객체에 저장되어 있는 여러 레코드들 중 원하는 레코드에 접근하기 위해 사용</a:t>
+            </a:r>
+            <a:endParaRPr lang="en-US" altLang="ko-KR" dirty="0">
+              <a:latin typeface="맑은 고딕" panose="020B0503020000020004" pitchFamily="50" charset="-127"/>
+            </a:endParaRPr>
+          </a:p>
+          <a:p>
+            <a:pPr>
+              <a:lnSpc>
+                <a:spcPct val="150000"/>
+              </a:lnSpc>
+            </a:pPr>
+            <a:endParaRPr lang="en-US" altLang="ko-KR" dirty="0">
+              <a:latin typeface="맑은 고딕" panose="020B0503020000020004" pitchFamily="50" charset="-127"/>
+            </a:endParaRPr>
+          </a:p>
+          <a:p>
+            <a:pPr lvl="1">
+              <a:lnSpc>
+                <a:spcPct val="150000"/>
+              </a:lnSpc>
+            </a:pPr>
+            <a:endParaRPr lang="ko-KR" altLang="en-US" dirty="0"/>
+          </a:p>
+        </p:txBody>
+      </p:sp>
+      <p:pic>
+        <p:nvPicPr>
+          <p:cNvPr id="5" name="그림 4"/>
+          <p:cNvPicPr>
+            <a:picLocks noChangeAspect="1"/>
+          </p:cNvPicPr>
+          <p:nvPr/>
+        </p:nvPicPr>
+        <p:blipFill>
+          <a:blip r:embed="rId2"/>
+          <a:stretch>
+            <a:fillRect/>
+          </a:stretch>
+        </p:blipFill>
+        <p:spPr>
+          <a:xfrm>
+            <a:off x="477344" y="2564904"/>
+            <a:ext cx="8343128" cy="3221312"/>
+          </a:xfrm>
+          <a:prstGeom prst="rect">
+            <a:avLst/>
+          </a:prstGeom>
+        </p:spPr>
+      </p:pic>
+    </p:spTree>
+    <p:extLst>
+      <p:ext uri="{BB962C8B-B14F-4D97-AF65-F5344CB8AC3E}">
+        <p14:creationId xmlns:p14="http://schemas.microsoft.com/office/powerpoint/2010/main" val="725904236"/>
+      </p:ext>
+    </p:extLst>
+  </p:cSld>
+  <p:clrMapOvr>
+    <a:masterClrMapping/>
+  </p:clrMapOvr>
+</p:sld>
+</file>
+
+<file path=ppt/slides/slide26.xml><?xml version="1.0" encoding="utf-8"?>
+<p:sld xmlns:a="http://schemas.openxmlformats.org/drawingml/2006/main" xmlns:r="http://schemas.openxmlformats.org/officeDocument/2006/relationships" xmlns:p="http://schemas.openxmlformats.org/presentationml/2006/main">
+  <p:cSld>
+    <p:spTree>
+      <p:nvGrpSpPr>
+        <p:cNvPr id="1" name=""/>
+        <p:cNvGrpSpPr/>
+        <p:nvPr/>
+      </p:nvGrpSpPr>
+      <p:grpSpPr>
+        <a:xfrm>
+          <a:off x="0" y="0"/>
+          <a:ext cx="0" cy="0"/>
+          <a:chOff x="0" y="0"/>
+          <a:chExt cx="0" cy="0"/>
+        </a:xfrm>
+      </p:grpSpPr>
+      <p:sp>
+        <p:nvSpPr>
+          <p:cNvPr id="2" name="제목 1"/>
+          <p:cNvSpPr>
+            <a:spLocks noGrp="1"/>
+          </p:cNvSpPr>
+          <p:nvPr>
+            <p:ph type="title"/>
+          </p:nvPr>
+        </p:nvSpPr>
+        <p:spPr/>
+        <p:txBody>
+          <a:bodyPr/>
+          <a:lstStyle/>
+          <a:p>
+            <a:r>
+              <a:rPr lang="ko-KR" altLang="en-US" dirty="0" smtClean="0"/>
+              <a:t>실행 결과 처리</a:t>
+            </a:r>
+            <a:endParaRPr lang="ko-KR" altLang="en-US" dirty="0"/>
+          </a:p>
+        </p:txBody>
+      </p:sp>
+      <p:sp>
+        <p:nvSpPr>
+          <p:cNvPr id="3" name="내용 개체 틀 2"/>
+          <p:cNvSpPr>
+            <a:spLocks noGrp="1"/>
+          </p:cNvSpPr>
+          <p:nvPr>
+            <p:ph sz="quarter" idx="1"/>
+          </p:nvPr>
+        </p:nvSpPr>
+        <p:spPr/>
+        <p:txBody>
+          <a:bodyPr/>
+          <a:lstStyle/>
+          <a:p>
+            <a:pPr>
+              <a:lnSpc>
+                <a:spcPct val="150000"/>
+              </a:lnSpc>
+            </a:pPr>
+            <a:r>
+              <a:rPr lang="en-US" altLang="ko-KR" dirty="0" err="1" smtClean="0"/>
+              <a:t>ResultSetMetaData</a:t>
+            </a:r>
+            <a:r>
+              <a:rPr lang="en-US" altLang="ko-KR" dirty="0" smtClean="0"/>
+              <a:t> </a:t>
+            </a:r>
+            <a:r>
+              <a:rPr lang="ko-KR" altLang="en-US" dirty="0" smtClean="0"/>
+              <a:t>객체</a:t>
+            </a:r>
+            <a:endParaRPr lang="en-US" altLang="ko-KR" dirty="0" smtClean="0"/>
+          </a:p>
+          <a:p>
+            <a:pPr lvl="1">
+              <a:lnSpc>
+                <a:spcPct val="150000"/>
+              </a:lnSpc>
+            </a:pPr>
+            <a:r>
+              <a:rPr lang="en-US" altLang="ko-KR" dirty="0" err="1"/>
+              <a:t>ResultSet</a:t>
+            </a:r>
+            <a:r>
+              <a:rPr lang="ko-KR" altLang="en-US" dirty="0"/>
+              <a:t>으로 얻어온 레코드들의 메타 정보에 해당하는 </a:t>
+            </a:r>
+            <a:r>
+              <a:rPr lang="ko-KR" altLang="en-US" dirty="0" err="1"/>
+              <a:t>컬럼의</a:t>
+            </a:r>
+            <a:r>
+              <a:rPr lang="ko-KR" altLang="en-US" dirty="0"/>
+              <a:t> 정 보들을 제공</a:t>
+            </a:r>
+          </a:p>
+          <a:p>
+            <a:pPr lvl="1">
+              <a:lnSpc>
+                <a:spcPct val="150000"/>
+              </a:lnSpc>
+            </a:pPr>
+            <a:r>
+              <a:rPr lang="ko-KR" altLang="en-US" dirty="0" err="1" smtClean="0"/>
+              <a:t>컬럼</a:t>
+            </a:r>
+            <a:r>
+              <a:rPr lang="ko-KR" altLang="en-US" dirty="0" smtClean="0"/>
+              <a:t> </a:t>
+            </a:r>
+            <a:r>
+              <a:rPr lang="ko-KR" altLang="en-US" dirty="0"/>
+              <a:t>수나 각 </a:t>
+            </a:r>
+            <a:r>
+              <a:rPr lang="ko-KR" altLang="en-US" dirty="0" err="1"/>
+              <a:t>컬럼</a:t>
+            </a:r>
+            <a:r>
+              <a:rPr lang="ko-KR" altLang="en-US" dirty="0"/>
+              <a:t> 이름</a:t>
+            </a:r>
+            <a:r>
+              <a:rPr lang="en-US" altLang="ko-KR" dirty="0"/>
+              <a:t>, </a:t>
+            </a:r>
+            <a:r>
+              <a:rPr lang="ko-KR" altLang="en-US" dirty="0" err="1"/>
+              <a:t>컬럼</a:t>
+            </a:r>
+            <a:r>
+              <a:rPr lang="ko-KR" altLang="en-US" dirty="0"/>
+              <a:t> 타입 등의 정보를 쉽게 알아낼 수 있음</a:t>
+            </a:r>
+          </a:p>
+          <a:p>
+            <a:pPr lvl="1">
+              <a:lnSpc>
+                <a:spcPct val="150000"/>
+              </a:lnSpc>
+            </a:pPr>
+            <a:endParaRPr lang="en-US" altLang="ko-KR" dirty="0" smtClean="0"/>
+          </a:p>
+          <a:p>
+            <a:pPr>
+              <a:lnSpc>
+                <a:spcPct val="150000"/>
+              </a:lnSpc>
+            </a:pPr>
+            <a:endParaRPr lang="en-US" altLang="ko-KR" dirty="0">
+              <a:latin typeface="맑은 고딕" panose="020B0503020000020004" pitchFamily="50" charset="-127"/>
+            </a:endParaRPr>
+          </a:p>
+          <a:p>
+            <a:pPr lvl="1">
+              <a:lnSpc>
+                <a:spcPct val="150000"/>
+              </a:lnSpc>
+            </a:pPr>
+            <a:endParaRPr lang="ko-KR" altLang="en-US" dirty="0"/>
+          </a:p>
+        </p:txBody>
+      </p:sp>
+      <p:pic>
+        <p:nvPicPr>
+          <p:cNvPr id="6" name="그림 5"/>
+          <p:cNvPicPr>
+            <a:picLocks noChangeAspect="1"/>
+          </p:cNvPicPr>
+          <p:nvPr/>
+        </p:nvPicPr>
+        <p:blipFill>
+          <a:blip r:embed="rId2"/>
+          <a:stretch>
+            <a:fillRect/>
+          </a:stretch>
+        </p:blipFill>
+        <p:spPr>
+          <a:xfrm>
+            <a:off x="377921" y="3501008"/>
+            <a:ext cx="8405799" cy="2276324"/>
+          </a:xfrm>
+          <a:prstGeom prst="rect">
+            <a:avLst/>
+          </a:prstGeom>
+        </p:spPr>
+      </p:pic>
+    </p:spTree>
+    <p:extLst>
+      <p:ext uri="{BB962C8B-B14F-4D97-AF65-F5344CB8AC3E}">
+        <p14:creationId xmlns:p14="http://schemas.microsoft.com/office/powerpoint/2010/main" val="2245460608"/>
+      </p:ext>
+    </p:extLst>
+  </p:cSld>
+  <p:clrMapOvr>
+    <a:masterClrMapping/>
+  </p:clrMapOvr>
+</p:sld>
+</file>
+
+<file path=ppt/slides/slide27.xml><?xml version="1.0" encoding="utf-8"?>
+<p:sld xmlns:a="http://schemas.openxmlformats.org/drawingml/2006/main" xmlns:r="http://schemas.openxmlformats.org/officeDocument/2006/relationships" xmlns:p="http://schemas.openxmlformats.org/presentationml/2006/main">
+  <p:cSld>
+    <p:spTree>
+      <p:nvGrpSpPr>
+        <p:cNvPr id="1" name=""/>
+        <p:cNvGrpSpPr/>
+        <p:nvPr/>
+      </p:nvGrpSpPr>
+      <p:grpSpPr>
+        <a:xfrm>
+          <a:off x="0" y="0"/>
+          <a:ext cx="0" cy="0"/>
+          <a:chOff x="0" y="0"/>
+          <a:chExt cx="0" cy="0"/>
+        </a:xfrm>
+      </p:grpSpPr>
+      <p:sp>
+        <p:nvSpPr>
+          <p:cNvPr id="2" name="제목 1"/>
+          <p:cNvSpPr>
+            <a:spLocks noGrp="1"/>
+          </p:cNvSpPr>
+          <p:nvPr>
+            <p:ph type="title"/>
+          </p:nvPr>
+        </p:nvSpPr>
+        <p:spPr/>
+        <p:txBody>
+          <a:bodyPr/>
+          <a:lstStyle/>
+          <a:p>
+            <a:r>
               <a:rPr lang="en-US" altLang="ko-KR" dirty="0" smtClean="0"/>
               <a:t>Transaction</a:t>
             </a:r>
@@ -9985,7 +10141,7 @@
 </p:sld>
 </file>
 
-<file path=ppt/slides/slide26.xml><?xml version="1.0" encoding="utf-8"?>
+<file path=ppt/slides/slide28.xml><?xml version="1.0" encoding="utf-8"?>
 <p:sld xmlns:a="http://schemas.openxmlformats.org/drawingml/2006/main" xmlns:r="http://schemas.openxmlformats.org/officeDocument/2006/relationships" xmlns:p="http://schemas.openxmlformats.org/presentationml/2006/main">
   <p:cSld>
     <p:spTree>
@@ -12319,117 +12475,64 @@
               <a:t>Statement </a:t>
             </a:r>
             <a:r>
-              <a:rPr lang="ko-KR" altLang="en-US" dirty="0"/>
+              <a:rPr lang="ko-KR" altLang="en-US" dirty="0" smtClean="0"/>
               <a:t>인터페이스</a:t>
             </a:r>
-          </a:p>
-          <a:p>
-            <a:pPr lvl="2">
+            <a:endParaRPr lang="en-US" altLang="ko-KR" dirty="0" smtClean="0"/>
+          </a:p>
+          <a:p>
+            <a:pPr lvl="1">
               <a:spcBef>
                 <a:spcPts val="600"/>
               </a:spcBef>
             </a:pPr>
             <a:r>
-              <a:rPr lang="en-US" altLang="ko-KR" dirty="0" smtClean="0"/>
-              <a:t>Connection </a:t>
-            </a:r>
-            <a:r>
-              <a:rPr lang="ko-KR" altLang="en-US" dirty="0"/>
-              <a:t>객체의 </a:t>
-            </a:r>
-            <a:r>
-              <a:rPr lang="ko-KR" altLang="en-US" dirty="0" err="1"/>
-              <a:t>메소드를</a:t>
-            </a:r>
-            <a:r>
-              <a:rPr lang="ko-KR" altLang="en-US" dirty="0"/>
-              <a:t> 사용해 객체 생성</a:t>
-            </a:r>
-          </a:p>
-          <a:p>
-            <a:pPr lvl="2">
+              <a:rPr lang="en-US" altLang="ko-KR" dirty="0" err="1"/>
+              <a:t>PreparedStatement</a:t>
+            </a:r>
+            <a:r>
+              <a:rPr lang="en-US" altLang="ko-KR" dirty="0"/>
+              <a:t> </a:t>
+            </a:r>
+            <a:r>
+              <a:rPr lang="ko-KR" altLang="en-US" dirty="0" smtClean="0"/>
+              <a:t>인터페이스</a:t>
+            </a:r>
+            <a:endParaRPr lang="en-US" altLang="ko-KR" dirty="0" smtClean="0"/>
+          </a:p>
+          <a:p>
+            <a:pPr lvl="1">
               <a:spcBef>
                 <a:spcPts val="600"/>
               </a:spcBef>
             </a:pPr>
             <a:r>
-              <a:rPr lang="en-US" altLang="ko-KR" dirty="0"/>
-              <a:t>Statement </a:t>
-            </a:r>
-            <a:r>
-              <a:rPr lang="en-US" altLang="ko-KR" dirty="0" err="1"/>
-              <a:t>stmt</a:t>
-            </a:r>
-            <a:r>
-              <a:rPr lang="en-US" altLang="ko-KR" dirty="0"/>
-              <a:t> = </a:t>
-            </a:r>
-            <a:r>
-              <a:rPr lang="en-US" altLang="ko-KR" dirty="0" err="1"/>
-              <a:t>connection.createStatement</a:t>
-            </a:r>
-            <a:r>
-              <a:rPr lang="en-US" altLang="ko-KR" dirty="0"/>
-              <a:t>();</a:t>
-            </a:r>
-          </a:p>
-          <a:p>
-            <a:pPr lvl="2">
+              <a:rPr lang="en-US" altLang="ko-KR" dirty="0" err="1"/>
+              <a:t>CallableStatement</a:t>
+            </a:r>
+            <a:r>
+              <a:rPr lang="en-US" altLang="ko-KR" dirty="0"/>
+              <a:t> </a:t>
+            </a:r>
+            <a:r>
+              <a:rPr lang="ko-KR" altLang="en-US" dirty="0"/>
+              <a:t>인터페이스</a:t>
+            </a:r>
+          </a:p>
+          <a:p>
+            <a:pPr lvl="1">
               <a:spcBef>
                 <a:spcPts val="600"/>
               </a:spcBef>
             </a:pPr>
-            <a:r>
-              <a:rPr lang="en-US" altLang="ko-KR" dirty="0" err="1" smtClean="0"/>
-              <a:t>executeQuery</a:t>
-            </a:r>
-            <a:r>
-              <a:rPr lang="en-US" altLang="ko-KR" dirty="0"/>
-              <a:t>() </a:t>
-            </a:r>
-            <a:r>
-              <a:rPr lang="ko-KR" altLang="en-US" dirty="0" err="1"/>
-              <a:t>메소드</a:t>
-            </a:r>
-            <a:r>
-              <a:rPr lang="ko-KR" altLang="en-US" dirty="0"/>
-              <a:t> 또는 </a:t>
-            </a:r>
-            <a:r>
-              <a:rPr lang="en-US" altLang="ko-KR" dirty="0" err="1"/>
-              <a:t>executeUpadte</a:t>
-            </a:r>
-            <a:r>
-              <a:rPr lang="en-US" altLang="ko-KR" dirty="0"/>
-              <a:t>() </a:t>
-            </a:r>
-            <a:r>
-              <a:rPr lang="ko-KR" altLang="en-US" dirty="0" err="1"/>
-              <a:t>메소드를</a:t>
-            </a:r>
-            <a:r>
-              <a:rPr lang="ko-KR" altLang="en-US" dirty="0"/>
-              <a:t> 호출해 쿼리를 실행</a:t>
-            </a:r>
-          </a:p>
-          <a:p>
-            <a:pPr lvl="2">
+            <a:endParaRPr lang="ko-KR" altLang="en-US" dirty="0"/>
+          </a:p>
+          <a:p>
+            <a:pPr lvl="1">
               <a:spcBef>
                 <a:spcPts val="600"/>
               </a:spcBef>
             </a:pPr>
-            <a:r>
-              <a:rPr lang="ko-KR" altLang="en-US" dirty="0" smtClean="0"/>
-              <a:t>쿼리의 </a:t>
-            </a:r>
-            <a:r>
-              <a:rPr lang="ko-KR" altLang="en-US" dirty="0"/>
-              <a:t>수행속도가 가장 느려 요즘에는 거의 사용 안 </a:t>
-            </a:r>
-            <a:r>
-              <a:rPr lang="ko-KR" altLang="en-US" dirty="0" smtClean="0"/>
-              <a:t>함</a:t>
-            </a:r>
             <a:endParaRPr lang="ko-KR" altLang="en-US" dirty="0"/>
           </a:p>
         </p:txBody>
